--- a/docs/GlassCasinoFinalOral.pptx
+++ b/docs/GlassCasinoFinalOral.pptx
@@ -397,7 +397,7 @@
             </a:lvl1pPr>
           </a:lstStyle>
           <a:p>
-            <a:endParaRPr lang="en-US"/>
+            <a:endParaRPr lang="en-US" dirty="0"/>
           </a:p>
         </p:txBody>
       </p:sp>
@@ -436,9 +436,9 @@
           <a:p>
             <a:fld id="{103E0F31-B0C9-4640-BA44-98E469742BC4}" type="datetimeFigureOut">
               <a:rPr lang="en-US" smtClean="0"/>
-              <a:t>4/16/2022</a:t>
+              <a:t>4/25/2022</a:t>
             </a:fld>
-            <a:endParaRPr lang="en-US"/>
+            <a:endParaRPr lang="en-US" dirty="0"/>
           </a:p>
         </p:txBody>
       </p:sp>
@@ -475,7 +475,7 @@
             </a:lvl1pPr>
           </a:lstStyle>
           <a:p>
-            <a:endParaRPr lang="en-US"/>
+            <a:endParaRPr lang="en-US" dirty="0"/>
           </a:p>
         </p:txBody>
       </p:sp>
@@ -516,7 +516,7 @@
               <a:rPr lang="en-US" smtClean="0"/>
               <a:t>‹#›</a:t>
             </a:fld>
-            <a:endParaRPr lang="en-US"/>
+            <a:endParaRPr lang="en-US" dirty="0"/>
           </a:p>
         </p:txBody>
       </p:sp>
@@ -576,7 +576,7 @@
           <a:bodyPr lIns="96616" tIns="48308" rIns="96616" bIns="48308"/>
           <a:lstStyle/>
           <a:p>
-            <a:endParaRPr/>
+            <a:endParaRPr dirty="0"/>
           </a:p>
         </p:txBody>
       </p:sp>
@@ -779,8 +779,22 @@
           <a:p>
             <a:r>
               <a:rPr dirty="0"/>
-              <a:t>Hi, I’m Adam and this is my project GlassCasino.</a:t>
-            </a:r>
+              <a:t>Hi, I’m Adam </a:t>
+            </a:r>
+            <a:r>
+              <a:rPr lang="en-US" dirty="0"/>
+              <a:t>and this is the outline of my project </a:t>
+            </a:r>
+          </a:p>
+          <a:p>
+            <a:endParaRPr lang="en-US" dirty="0"/>
+          </a:p>
+          <a:p>
+            <a:r>
+              <a:rPr lang="en-US" b="1" dirty="0"/>
+              <a:t>“GlassCasino – Building a Fair Online Casino on the Blockchain”</a:t>
+            </a:r>
+            <a:endParaRPr b="1" dirty="0"/>
           </a:p>
         </p:txBody>
       </p:sp>
@@ -832,7 +846,7 @@
           <a:bodyPr/>
           <a:lstStyle/>
           <a:p>
-            <a:endParaRPr/>
+            <a:endParaRPr dirty="0"/>
           </a:p>
         </p:txBody>
       </p:sp>
@@ -860,7 +874,7 @@
                 <a:effectLst/>
                 <a:latin typeface="Arial" panose="020B0604020202020204" pitchFamily="34" charset="0"/>
               </a:rPr>
-              <a:t>Traditionally, the only thing stopping a casino (online or physical) from cheating the player is its own reputation, as casinos that cheat will lose business. Online casinos can conceal this cheating as their games run on centralized servers where the user will only ever see the outcome of the game. </a:t>
+              <a:t>We begin in establishing the problem to address. </a:t>
             </a:r>
           </a:p>
           <a:p>
@@ -871,9 +885,70 @@
           </a:p>
           <a:p>
             <a:r>
+              <a:rPr lang="en-GB" b="0" i="0" dirty="0">
+                <a:effectLst/>
+                <a:latin typeface="Arial" panose="020B0604020202020204" pitchFamily="34" charset="0"/>
+              </a:rPr>
+              <a:t>That is, there is a lack of transparency and reliance on blind trust in the online gambling industry. </a:t>
+            </a:r>
+          </a:p>
+          <a:p>
+            <a:endParaRPr lang="en-GB" b="0" i="0" dirty="0">
+              <a:effectLst/>
+              <a:latin typeface="Arial" panose="020B0604020202020204" pitchFamily="34" charset="0"/>
+            </a:endParaRPr>
+          </a:p>
+          <a:p>
+            <a:r>
+              <a:rPr lang="en-GB" b="0" i="0" dirty="0">
+                <a:effectLst/>
+                <a:latin typeface="Arial" panose="020B0604020202020204" pitchFamily="34" charset="0"/>
+              </a:rPr>
+              <a:t>Online casinos, unlike physical ones, can conceal cheating their players nearly undetectably as their games run on their own centralized servers where the user will only ever see the outcome of the game like a black box. </a:t>
+            </a:r>
+          </a:p>
+          <a:p>
+            <a:endParaRPr lang="en-GB" b="0" i="0" dirty="0">
+              <a:effectLst/>
+              <a:latin typeface="Arial" panose="020B0604020202020204" pitchFamily="34" charset="0"/>
+            </a:endParaRPr>
+          </a:p>
+          <a:p>
+            <a:r>
+              <a:rPr lang="en-US" dirty="0"/>
+              <a:t>This centralized </a:t>
+            </a:r>
+            <a:r>
               <a:rPr dirty="0"/>
-              <a:t>However this model is susceptible to confidence scams, rug-pulls and of course, can cause distrust amongst players when they lose as shown by the stats here.</a:t>
-            </a:r>
+              <a:t>model is susceptible to </a:t>
+            </a:r>
+            <a:r>
+              <a:rPr lang="en-US" dirty="0"/>
+              <a:t>various types of scam and fraud but most importantly it </a:t>
+            </a:r>
+            <a:r>
+              <a:rPr dirty="0"/>
+              <a:t>cause</a:t>
+            </a:r>
+            <a:r>
+              <a:rPr lang="en-US" dirty="0"/>
+              <a:t>s</a:t>
+            </a:r>
+            <a:r>
+              <a:rPr dirty="0"/>
+              <a:t> distrust amongst players when they lose as shown by the stats here.</a:t>
+            </a:r>
+            <a:r>
+              <a:rPr lang="en-US" dirty="0"/>
+              <a:t> </a:t>
+            </a:r>
+          </a:p>
+          <a:p>
+            <a:r>
+              <a:rPr lang="en-US" dirty="0"/>
+              <a:t>People distrust the platforms, and many have personally felt cheated by them when using them.</a:t>
+            </a:r>
+            <a:endParaRPr dirty="0"/>
           </a:p>
         </p:txBody>
       </p:sp>
@@ -925,7 +1000,7 @@
           <a:bodyPr/>
           <a:lstStyle/>
           <a:p>
-            <a:endParaRPr/>
+            <a:endParaRPr dirty="0"/>
           </a:p>
         </p:txBody>
       </p:sp>
@@ -949,15 +1024,61 @@
           <a:lstStyle/>
           <a:p>
             <a:r>
-              <a:t>This project aims to solve these problems of distrust, potential scams and withheld winnings by implementing fair casino games entirely on the blockchain. You no longer have to trust a the casino, only the decentralised, shared, blockchain.</a:t>
-            </a:r>
-          </a:p>
-          <a:p>
-            <a:endParaRPr/>
-          </a:p>
-          <a:p>
-            <a:r>
-              <a:t>This implementation has been made possible with smart contracts popularised by Buterin in the 2014 Ethereum white paper.</a:t>
+              <a:rPr lang="en-US" dirty="0"/>
+              <a:t>Our work looks at a potential solution to these problem; we post the question: </a:t>
+            </a:r>
+          </a:p>
+          <a:p>
+            <a:pPr marL="0" marR="0" lvl="0" indent="0" defTabSz="457200" eaLnBrk="1" fontAlgn="auto" latinLnBrk="0" hangingPunct="1">
+              <a:lnSpc>
+                <a:spcPct val="117999"/>
+              </a:lnSpc>
+              <a:spcBef>
+                <a:spcPts val="0"/>
+              </a:spcBef>
+              <a:spcAft>
+                <a:spcPts val="0"/>
+              </a:spcAft>
+              <a:buClrTx/>
+              <a:buSzTx/>
+              <a:buFontTx/>
+              <a:buNone/>
+              <a:tabLst/>
+              <a:defRPr/>
+            </a:pPr>
+            <a:r>
+              <a:rPr lang="en-US" dirty="0"/>
+              <a:t>“</a:t>
+            </a:r>
+            <a:r>
+              <a:rPr lang="en-GB" b="1" dirty="0"/>
+              <a:t>How technically viable is it to implement an online casino on the blockchain?”</a:t>
+            </a:r>
+            <a:endParaRPr lang="en-US" dirty="0"/>
+          </a:p>
+          <a:p>
+            <a:endParaRPr lang="en-US" dirty="0"/>
+          </a:p>
+          <a:p>
+            <a:r>
+              <a:rPr lang="en-GB" dirty="0"/>
+              <a:t>We ask this because we know blockchain networks to have innate security and </a:t>
+            </a:r>
+            <a:r>
+              <a:rPr lang="en-GB" dirty="0" err="1"/>
+              <a:t>trustability</a:t>
+            </a:r>
+            <a:r>
+              <a:rPr lang="en-GB" dirty="0"/>
+              <a:t> as per their design and with the advancement of </a:t>
+            </a:r>
+            <a:r>
+              <a:rPr dirty="0"/>
+              <a:t>smart contracts popularized by Buterin in the 2014 Ethereum white paper</a:t>
+            </a:r>
+            <a:r>
+              <a:rPr lang="en-US" dirty="0"/>
+              <a:t>, building out fully-fledged apps is possible and thus our work begins.</a:t>
             </a:r>
           </a:p>
         </p:txBody>
@@ -1010,7 +1131,7 @@
           <a:bodyPr/>
           <a:lstStyle/>
           <a:p>
-            <a:endParaRPr/>
+            <a:endParaRPr dirty="0"/>
           </a:p>
         </p:txBody>
       </p:sp>
@@ -1035,9 +1156,62 @@
           <a:p>
             <a:r>
               <a:rPr lang="en-US" dirty="0"/>
-              <a:t>TODO</a:t>
-            </a:r>
-            <a:endParaRPr dirty="0"/>
+              <a:t>Now that we’ve covered the posed question and why it needs to be asked - we can outline the objectives required to get us to a point where we can answer that question.</a:t>
+            </a:r>
+          </a:p>
+          <a:p>
+            <a:endParaRPr lang="en-US" dirty="0"/>
+          </a:p>
+          <a:p>
+            <a:r>
+              <a:rPr lang="en-GB" dirty="0"/>
+              <a:t>To do so we introduce a handful deliverables here:</a:t>
+            </a:r>
+          </a:p>
+          <a:p>
+            <a:r>
+              <a:rPr lang="en-GB" dirty="0"/>
+              <a:t> - The smart contracts themselves. These are either game logic or banking logic – i.e., deposits, withdrawals and prize allocation etc. </a:t>
+            </a:r>
+          </a:p>
+          <a:p>
+            <a:r>
+              <a:rPr lang="en-GB" dirty="0"/>
+              <a:t>     -&gt; These are annotated ‘Game’ on Figure 1</a:t>
+            </a:r>
+          </a:p>
+          <a:p>
+            <a:r>
+              <a:rPr lang="en-GB" dirty="0"/>
+              <a:t>- The migration chain to get the contracts onto the blockchain and this ties in heavily with the banking logic</a:t>
+            </a:r>
+          </a:p>
+          <a:p>
+            <a:r>
+              <a:rPr lang="en-GB" dirty="0"/>
+              <a:t> - An interface allowing easy user interaction with the platform just using their crypto wallet of choice</a:t>
+            </a:r>
+          </a:p>
+          <a:p>
+            <a:r>
+              <a:rPr lang="en-GB" dirty="0"/>
+              <a:t> </a:t>
+            </a:r>
+          </a:p>
+          <a:p>
+            <a:r>
+              <a:rPr lang="en-GB" dirty="0"/>
+              <a:t>You’ll also have noticed the ‘house’ on Figure 1. This is some necessary off-chain logic required to manage certain aspects of certain games. In our completed work this is to manage the timing of spinning the roulette wheel.</a:t>
+            </a:r>
+          </a:p>
+          <a:p>
+            <a:endParaRPr lang="en-GB" dirty="0"/>
+          </a:p>
+          <a:p>
+            <a:r>
+              <a:rPr lang="en-GB" dirty="0"/>
+              <a:t>With all these deliverables built and connected as shown in Figure 1 - we can measure the three tenets of mainstream technical viability: scalability, speed and cost.</a:t>
+            </a:r>
           </a:p>
         </p:txBody>
       </p:sp>
@@ -1089,7 +1263,7 @@
           <a:bodyPr/>
           <a:lstStyle/>
           <a:p>
-            <a:endParaRPr/>
+            <a:endParaRPr dirty="0"/>
           </a:p>
         </p:txBody>
       </p:sp>
@@ -1114,7 +1288,153 @@
           <a:p>
             <a:r>
               <a:rPr lang="en-US" dirty="0"/>
-              <a:t>TODO</a:t>
+              <a:t>Now let’s cover what this work consisted of a little bit more in-depth.</a:t>
+            </a:r>
+          </a:p>
+          <a:p>
+            <a:r>
+              <a:rPr lang="en-US" dirty="0"/>
+              <a:t>---</a:t>
+            </a:r>
+          </a:p>
+          <a:p>
+            <a:r>
+              <a:rPr lang="en-US" dirty="0"/>
+              <a:t>Firstly, we’ve got two games. This is important as they’re both of slightly different paradigms in that they are both played against the house but either in a group or alone. This has some interesting ramifications in terms of throughput and cost particularly. Both are live on the Polygon Mumbai network with verified source code for transparency and have gone through many rounds of optimization for gas fees.</a:t>
+            </a:r>
+          </a:p>
+          <a:p>
+            <a:r>
+              <a:rPr lang="en-US" dirty="0"/>
+              <a:t>---</a:t>
+            </a:r>
+          </a:p>
+          <a:p>
+            <a:r>
+              <a:rPr lang="en-US" dirty="0"/>
+              <a:t>Next up we’ve got the banking system as shown by figure 2 on your appendix. This was a solution to a problem that presented itself in development. The problem was poor usability and high gas cost for the original plan which was have each game self-contained in that you never deposit any money anywhere except your own wallet.</a:t>
+            </a:r>
+          </a:p>
+          <a:p>
+            <a:endParaRPr lang="en-US" dirty="0"/>
+          </a:p>
+          <a:p>
+            <a:r>
+              <a:rPr lang="en-US" dirty="0"/>
+              <a:t>So why not store winnings in the game contract? Then you can’t re-bet them on other games. </a:t>
+            </a:r>
+          </a:p>
+          <a:p>
+            <a:endParaRPr lang="en-US" dirty="0"/>
+          </a:p>
+          <a:p>
+            <a:r>
+              <a:rPr lang="en-US" dirty="0"/>
+              <a:t>Thus, we produced the system shown in figure 2. It uses a role-based permissions system to retain trust-lessness. </a:t>
+            </a:r>
+          </a:p>
+          <a:p>
+            <a:endParaRPr lang="en-US" dirty="0"/>
+          </a:p>
+          <a:p>
+            <a:r>
+              <a:rPr lang="en-US" dirty="0"/>
+              <a:t>Effectively the bank has two roles it can assign to people or contracts: operators (who can add or subtract value to/from users’ bank balances) and admins who can designate new operators.</a:t>
+            </a:r>
+          </a:p>
+          <a:p>
+            <a:r>
+              <a:rPr lang="en-US" dirty="0"/>
+              <a:t>---</a:t>
+            </a:r>
+          </a:p>
+          <a:p>
+            <a:r>
+              <a:rPr lang="en-US" dirty="0"/>
+              <a:t>Thirdly, we have the web interface. While there’s not too much novel to say here it’s worth noting that the interface is very quick, very light and has been fully integrated with the most common EVM-blockchain wallet MetaMask to prevent the need for any sign-ups.</a:t>
+            </a:r>
+          </a:p>
+          <a:p>
+            <a:r>
+              <a:rPr lang="en-US" dirty="0"/>
+              <a:t>--</a:t>
+            </a:r>
+          </a:p>
+          <a:p>
+            <a:r>
+              <a:rPr lang="en-US" dirty="0"/>
+              <a:t>Next, we have the migration chain. This is the code to put the contracts on the blockchain. The flowchart in figure 4 walks through the process of designating and revoking admin and operator roles I spoke about earlier regarding banking. </a:t>
+            </a:r>
+          </a:p>
+          <a:p>
+            <a:endParaRPr lang="en-US" dirty="0"/>
+          </a:p>
+          <a:p>
+            <a:r>
+              <a:rPr lang="en-US" dirty="0"/>
+              <a:t>The result of this chain is that there will be no bank admins and thus the list of operators (which will be a list of all deployed game contracts) is fixed, public and enumerable.</a:t>
+            </a:r>
+          </a:p>
+          <a:p>
+            <a:r>
+              <a:rPr lang="en-US" dirty="0"/>
+              <a:t>---</a:t>
+            </a:r>
+          </a:p>
+          <a:p>
+            <a:r>
+              <a:rPr lang="en-US" dirty="0"/>
+              <a:t>Finally, coming on to the largest pain point for blockchain-backed online gambling: random number generation. </a:t>
+            </a:r>
+          </a:p>
+          <a:p>
+            <a:endParaRPr lang="en-US" dirty="0"/>
+          </a:p>
+          <a:p>
+            <a:r>
+              <a:rPr lang="en-US" dirty="0"/>
+              <a:t>Figure 5 on your appendix show a traditional method for fair random numbers against a blockchain method provided by an organization called ChainLink. The left flowchart has an obvious weakness as it partially seeds itself with hidden data and thus the vendor can manipulate it. </a:t>
+            </a:r>
+          </a:p>
+          <a:p>
+            <a:endParaRPr lang="en-US" dirty="0"/>
+          </a:p>
+          <a:p>
+            <a:r>
+              <a:rPr lang="en-US" dirty="0"/>
+              <a:t>Whereas the right flowchart is an answers the question: How do you create randomness on a network designed to be deterministic?</a:t>
+            </a:r>
+          </a:p>
+          <a:p>
+            <a:r>
+              <a:rPr lang="en-US" dirty="0"/>
+              <a:t>Basically – you don’t. </a:t>
+            </a:r>
+          </a:p>
+          <a:p>
+            <a:endParaRPr lang="en-US" dirty="0"/>
+          </a:p>
+          <a:p>
+            <a:r>
+              <a:rPr lang="en-US" dirty="0"/>
+              <a:t>The two approaches for blockchain RNG are hashing block headers (which can be manipulated by validators) or verifiable random function, which work partially off-chain. </a:t>
+            </a:r>
+          </a:p>
+          <a:p>
+            <a:endParaRPr lang="en-US" dirty="0"/>
+          </a:p>
+          <a:p>
+            <a:r>
+              <a:rPr lang="en-US" dirty="0"/>
+              <a:t>The basic flow of how it works is shown in the figure but it’s important to note that </a:t>
+            </a:r>
+            <a:r>
+              <a:rPr lang="en-US" b="1" dirty="0"/>
+              <a:t>ChainLink has no control over the number generated, nor do miners or the casino owner as it’s seeded by all those parties individually</a:t>
+            </a:r>
+            <a:r>
+              <a:rPr lang="en-US" dirty="0"/>
+              <a:t> with block headers, ChainLink private keys and random nonces and transaction data.</a:t>
             </a:r>
             <a:endParaRPr dirty="0"/>
           </a:p>
@@ -1173,7 +1493,7 @@
           <a:bodyPr/>
           <a:lstStyle/>
           <a:p>
-            <a:endParaRPr/>
+            <a:endParaRPr dirty="0"/>
           </a:p>
         </p:txBody>
       </p:sp>
@@ -1198,17 +1518,60 @@
           <a:p>
             <a:r>
               <a:rPr lang="en-US" dirty="0"/>
-              <a:t>We conclude that while the implementation of a </a:t>
-            </a:r>
+              <a:t>So, the scores we achieve in speed, cost and scalability are given to you ____. What we see is terrible performance on the VRF-backed game (Chuck-a-Luck) which is something innate to ChainLink’s implementation. In fact, while developing this project they came out with a complete re-implementation of their oracle network called v2. Even on the better performing games the speed just isn’t there. As for cost and scalability which tie together in Figure _ we see some poor numbers. In the paper we make some very optimistic estimates of the scalability required to rival mainstream platforms and find we would need at minimum 20% of the Polygon network’s global gas limit to run these games 24/7 and this could easily spike to 100% or more (thus flooding the network) during peak times.</a:t>
+            </a:r>
+          </a:p>
+          <a:p>
+            <a:r>
+              <a:rPr lang="en-US" dirty="0"/>
+              <a:t>---</a:t>
+            </a:r>
+          </a:p>
+          <a:p>
+            <a:r>
+              <a:rPr lang="en-US" dirty="0"/>
+              <a:t>Because of all this we conclude </a:t>
+            </a:r>
+            <a:r>
+              <a:rPr lang="en-US" b="1" dirty="0"/>
+              <a:t>[CLICK]. </a:t>
+            </a:r>
+          </a:p>
+          <a:p>
+            <a:r>
+              <a:rPr lang="en-US" b="0" dirty="0"/>
+              <a:t>This. </a:t>
+            </a:r>
+          </a:p>
+          <a:p>
+            <a:r>
+              <a:rPr lang="en-US" b="0" dirty="0"/>
+              <a:t>Basically, while what we’ve achieved is more of a proof-of-concept and as we conclude in the paper, it’s not past the performance threshold it needs to be.</a:t>
+            </a:r>
+          </a:p>
+          <a:p>
+            <a:r>
+              <a:rPr lang="en-US" b="0" dirty="0"/>
+              <a:t>---</a:t>
+            </a:r>
+          </a:p>
+          <a:p>
+            <a:r>
+              <a:rPr lang="en-US" b="0" dirty="0"/>
+              <a:t>However </a:t>
+            </a:r>
+            <a:r>
+              <a:rPr lang="en-US" b="1" dirty="0"/>
+              <a:t>[CLICK]</a:t>
+            </a:r>
+            <a:r>
+              <a:rPr lang="en-US" b="0" dirty="0"/>
+              <a:t> a key stipulation is that this work is limited by the current smart contract ecosystem which, while growing rapidly, is still relatively immature. Given a better platform that hopefully doesn’t sacrifice decentralization for speed/throughput we believe this threshold could easily be passed.</a:t>
+            </a:r>
+            <a:endParaRPr lang="en-US" b="1" dirty="0"/>
           </a:p>
           <a:p>
             <a:endParaRPr lang="en-US" dirty="0"/>
-          </a:p>
-          <a:p>
-            <a:r>
-              <a:rPr lang="en-US" dirty="0"/>
-              <a:t>TODO</a:t>
-            </a:r>
           </a:p>
         </p:txBody>
       </p:sp>
@@ -1265,7 +1628,7 @@
           <a:bodyPr/>
           <a:lstStyle/>
           <a:p>
-            <a:endParaRPr/>
+            <a:endParaRPr dirty="0"/>
           </a:p>
         </p:txBody>
       </p:sp>
@@ -1354,7 +1717,7 @@
           <a:bodyPr/>
           <a:lstStyle/>
           <a:p>
-            <a:endParaRPr lang="en-US"/>
+            <a:endParaRPr lang="en-US" dirty="0"/>
           </a:p>
         </p:txBody>
       </p:sp>
@@ -1646,7 +2009,7 @@
             <a:fld id="{86CB4B4D-7CA3-9044-876B-883B54F8677D}" type="slidenum">
               <a:t>‹#›</a:t>
             </a:fld>
-            <a:endParaRPr/>
+            <a:endParaRPr dirty="0"/>
           </a:p>
         </p:txBody>
       </p:sp>
@@ -1840,7 +2203,7 @@
             <a:fld id="{86CB4B4D-7CA3-9044-876B-883B54F8677D}" type="slidenum">
               <a:t>‹#›</a:t>
             </a:fld>
-            <a:endParaRPr/>
+            <a:endParaRPr dirty="0"/>
           </a:p>
         </p:txBody>
       </p:sp>
@@ -2044,7 +2407,7 @@
             <a:fld id="{86CB4B4D-7CA3-9044-876B-883B54F8677D}" type="slidenum">
               <a:t>‹#›</a:t>
             </a:fld>
-            <a:endParaRPr/>
+            <a:endParaRPr dirty="0"/>
           </a:p>
         </p:txBody>
       </p:sp>
@@ -2099,7 +2462,7 @@
           </a:bodyPr>
           <a:lstStyle/>
           <a:p>
-            <a:endParaRPr/>
+            <a:endParaRPr dirty="0"/>
           </a:p>
         </p:txBody>
       </p:sp>
@@ -2128,7 +2491,7 @@
           </a:bodyPr>
           <a:lstStyle/>
           <a:p>
-            <a:endParaRPr/>
+            <a:endParaRPr dirty="0"/>
           </a:p>
         </p:txBody>
       </p:sp>
@@ -2157,7 +2520,7 @@
           </a:bodyPr>
           <a:lstStyle/>
           <a:p>
-            <a:endParaRPr/>
+            <a:endParaRPr dirty="0"/>
           </a:p>
         </p:txBody>
       </p:sp>
@@ -2183,7 +2546,7 @@
             <a:fld id="{86CB4B4D-7CA3-9044-876B-883B54F8677D}" type="slidenum">
               <a:t>‹#›</a:t>
             </a:fld>
-            <a:endParaRPr/>
+            <a:endParaRPr dirty="0"/>
           </a:p>
         </p:txBody>
       </p:sp>
@@ -2238,7 +2601,7 @@
           </a:bodyPr>
           <a:lstStyle/>
           <a:p>
-            <a:endParaRPr/>
+            <a:endParaRPr dirty="0"/>
           </a:p>
         </p:txBody>
       </p:sp>
@@ -2272,7 +2635,7 @@
             <a:fld id="{86CB4B4D-7CA3-9044-876B-883B54F8677D}" type="slidenum">
               <a:t>‹#›</a:t>
             </a:fld>
-            <a:endParaRPr/>
+            <a:endParaRPr dirty="0"/>
           </a:p>
         </p:txBody>
       </p:sp>
@@ -2324,7 +2687,7 @@
             <a:fld id="{86CB4B4D-7CA3-9044-876B-883B54F8677D}" type="slidenum">
               <a:t>‹#›</a:t>
             </a:fld>
-            <a:endParaRPr/>
+            <a:endParaRPr dirty="0"/>
           </a:p>
         </p:txBody>
       </p:sp>
@@ -2379,7 +2742,7 @@
           </a:bodyPr>
           <a:lstStyle/>
           <a:p>
-            <a:endParaRPr/>
+            <a:endParaRPr dirty="0"/>
           </a:p>
         </p:txBody>
       </p:sp>
@@ -2580,7 +2943,7 @@
             <a:fld id="{86CB4B4D-7CA3-9044-876B-883B54F8677D}" type="slidenum">
               <a:t>‹#›</a:t>
             </a:fld>
-            <a:endParaRPr/>
+            <a:endParaRPr dirty="0"/>
           </a:p>
         </p:txBody>
       </p:sp>
@@ -2635,7 +2998,7 @@
           </a:bodyPr>
           <a:lstStyle/>
           <a:p>
-            <a:endParaRPr/>
+            <a:endParaRPr dirty="0"/>
           </a:p>
         </p:txBody>
       </p:sp>
@@ -2795,7 +3158,7 @@
             <a:fld id="{86CB4B4D-7CA3-9044-876B-883B54F8677D}" type="slidenum">
               <a:t>‹#›</a:t>
             </a:fld>
-            <a:endParaRPr/>
+            <a:endParaRPr dirty="0"/>
           </a:p>
         </p:txBody>
       </p:sp>
@@ -2954,7 +3317,7 @@
             <a:fld id="{86CB4B4D-7CA3-9044-876B-883B54F8677D}" type="slidenum">
               <a:t>‹#›</a:t>
             </a:fld>
-            <a:endParaRPr/>
+            <a:endParaRPr dirty="0"/>
           </a:p>
         </p:txBody>
       </p:sp>
@@ -3047,7 +3410,7 @@
             <a:fld id="{86CB4B4D-7CA3-9044-876B-883B54F8677D}" type="slidenum">
               <a:t>‹#›</a:t>
             </a:fld>
-            <a:endParaRPr/>
+            <a:endParaRPr dirty="0"/>
           </a:p>
         </p:txBody>
       </p:sp>
@@ -3188,7 +3551,7 @@
           </a:bodyPr>
           <a:lstStyle/>
           <a:p>
-            <a:endParaRPr/>
+            <a:endParaRPr dirty="0"/>
           </a:p>
         </p:txBody>
       </p:sp>
@@ -3243,7 +3606,7 @@
             <a:fld id="{86CB4B4D-7CA3-9044-876B-883B54F8677D}" type="slidenum">
               <a:t>‹#›</a:t>
             </a:fld>
-            <a:endParaRPr/>
+            <a:endParaRPr dirty="0"/>
           </a:p>
         </p:txBody>
       </p:sp>
@@ -3337,7 +3700,7 @@
             <a:fld id="{86CB4B4D-7CA3-9044-876B-883B54F8677D}" type="slidenum">
               <a:t>‹#›</a:t>
             </a:fld>
-            <a:endParaRPr/>
+            <a:endParaRPr dirty="0"/>
           </a:p>
         </p:txBody>
       </p:sp>
@@ -3556,7 +3919,7 @@
             <a:fld id="{86CB4B4D-7CA3-9044-876B-883B54F8677D}" type="slidenum">
               <a:t>‹#›</a:t>
             </a:fld>
-            <a:endParaRPr/>
+            <a:endParaRPr dirty="0"/>
           </a:p>
         </p:txBody>
       </p:sp>
@@ -3734,7 +4097,7 @@
             <a:fld id="{86CB4B4D-7CA3-9044-876B-883B54F8677D}" type="slidenum">
               <a:t>‹#›</a:t>
             </a:fld>
-            <a:endParaRPr/>
+            <a:endParaRPr dirty="0"/>
           </a:p>
         </p:txBody>
       </p:sp>
@@ -3905,7 +4268,7 @@
             <a:fld id="{86CB4B4D-7CA3-9044-876B-883B54F8677D}" type="slidenum">
               <a:t>‹#›</a:t>
             </a:fld>
-            <a:endParaRPr/>
+            <a:endParaRPr dirty="0"/>
           </a:p>
         </p:txBody>
       </p:sp>
@@ -4915,7 +5278,7 @@
   <p:clrMapOvr>
     <a:masterClrMapping/>
   </p:clrMapOvr>
-  <p:transition spd="med"/>
+  <p:transition spd="med" advTm="11167"/>
 </p:sld>
 </file>
 
@@ -4992,6 +5355,7 @@
           <a:lstStyle/>
           <a:p>
             <a:r>
+              <a:rPr dirty="0"/>
               <a:t>Lack of transparency and reliance on blind trust</a:t>
             </a:r>
           </a:p>
@@ -5135,7 +5499,7 @@
   <p:clrMapOvr>
     <a:masterClrMapping/>
   </p:clrMapOvr>
-  <p:transition spd="med"/>
+  <p:transition spd="med" advTm="47251"/>
 </p:sld>
 </file>
 
@@ -5204,13 +5568,16 @@
           </a:extLst>
         </p:spPr>
         <p:txBody>
-          <a:bodyPr/>
+          <a:bodyPr>
+            <a:normAutofit fontScale="85000" lnSpcReduction="10000"/>
+          </a:bodyPr>
           <a:lstStyle/>
           <a:p>
             <a:r>
-              <a:rPr dirty="0"/>
-              <a:t>A blockchain-based implementation</a:t>
-            </a:r>
+              <a:rPr lang="en-GB" b="1" dirty="0"/>
+              <a:t>How technically viable is it to implement an online casino on the blockchain?</a:t>
+            </a:r>
+            <a:endParaRPr dirty="0"/>
           </a:p>
         </p:txBody>
       </p:sp>
@@ -5252,30 +5619,50 @@
           </a:p>
           <a:p>
             <a:r>
+              <a:rPr lang="en-US" dirty="0"/>
+              <a:t>The modern elliptic curve cryptography it’s built on lends </a:t>
+            </a:r>
+            <a:r>
+              <a:rPr lang="en-US" b="1" dirty="0"/>
+              <a:t>innate security</a:t>
+            </a:r>
+            <a:r>
+              <a:rPr lang="en-US" dirty="0"/>
+              <a:t>.</a:t>
+            </a:r>
+          </a:p>
+          <a:p>
+            <a:r>
+              <a:rPr lang="en-US" dirty="0"/>
+              <a:t>Decentralization lends </a:t>
+            </a:r>
+            <a:r>
+              <a:rPr b="1" dirty="0"/>
+              <a:t>innate </a:t>
+            </a:r>
+            <a:r>
+              <a:rPr lang="en-US" b="1" dirty="0" err="1"/>
+              <a:t>trustability</a:t>
+            </a:r>
+            <a:r>
               <a:rPr dirty="0"/>
-              <a:t>Modern developments in blockchain technology have built on the concept of ‘</a:t>
-            </a:r>
-            <a:r>
-              <a:rPr b="1" dirty="0"/>
-              <a:t>smart contracts</a:t>
+              <a:t> </a:t>
+            </a:r>
+            <a:r>
+              <a:rPr lang="en-US" dirty="0"/>
+              <a:t>as </a:t>
             </a:r>
             <a:r>
               <a:rPr dirty="0"/>
-              <a:t>’.</a:t>
-            </a:r>
-          </a:p>
-          <a:p>
+              <a:t>3rd part</a:t>
+            </a:r>
+            <a:r>
+              <a:rPr lang="en-US" dirty="0"/>
+              <a:t>ies</a:t>
+            </a:r>
             <a:r>
               <a:rPr dirty="0"/>
-              <a:t>These properties lead to </a:t>
-            </a:r>
-            <a:r>
-              <a:rPr b="1" dirty="0"/>
-              <a:t>innate fairness</a:t>
-            </a:r>
-            <a:r>
-              <a:rPr dirty="0"/>
-              <a:t> and an inability of any interested 3rd party (</a:t>
+              <a:t> (</a:t>
             </a:r>
             <a:r>
               <a:rPr lang="en-GB" dirty="0"/>
@@ -5283,24 +5670,38 @@
             </a:r>
             <a:r>
               <a:rPr dirty="0"/>
-              <a:t> a casino) to interfere with outcomes of these contracts.</a:t>
-            </a:r>
-            <a:endParaRPr lang="en-US" dirty="0"/>
-          </a:p>
-          <a:p>
+              <a:t> a casino) </a:t>
+            </a:r>
+            <a:r>
+              <a:rPr lang="en-US" dirty="0"/>
+              <a:t>cannot</a:t>
+            </a:r>
+            <a:r>
+              <a:rPr dirty="0"/>
+              <a:t> interfere with outcomes of these </a:t>
+            </a:r>
+            <a:r>
+              <a:rPr dirty="0" err="1"/>
+              <a:t>contr</a:t>
+            </a:r>
             <a:r>
               <a:rPr lang="en-GB" dirty="0"/>
-              <a:t>These characteristics of blockchains beg the question: “</a:t>
+              <a:t>acts.</a:t>
+            </a:r>
+          </a:p>
+          <a:p>
+            <a:r>
+              <a:rPr lang="en-GB" dirty="0"/>
+              <a:t>Modern developments in blockchain technology have built on the concept of ‘</a:t>
             </a:r>
             <a:r>
               <a:rPr lang="en-GB" b="1" dirty="0"/>
-              <a:t>How technically viable is it to implement an online casino on the blockchain?</a:t>
+              <a:t>smart contracts</a:t>
             </a:r>
             <a:r>
               <a:rPr lang="en-GB" dirty="0"/>
-              <a:t>”.</a:t>
-            </a:r>
-            <a:endParaRPr lang="en-US" dirty="0"/>
+              <a:t>’ – arbitrary programs that run on a blockchain’s network of validators.</a:t>
+            </a:r>
           </a:p>
         </p:txBody>
       </p:sp>
@@ -5309,7 +5710,7 @@
   <p:clrMapOvr>
     <a:masterClrMapping/>
   </p:clrMapOvr>
-  <p:transition spd="med"/>
+  <p:transition spd="med" advTm="42549"/>
 </p:sld>
 </file>
 
@@ -5422,6 +5823,23 @@
           </a:bodyPr>
           <a:lstStyle/>
           <a:p>
+            <a:pPr marL="609600" marR="0" lvl="0" indent="-609600" algn="l" defTabSz="2438338" rtl="0" eaLnBrk="1" fontAlgn="auto" latinLnBrk="0" hangingPunct="1">
+              <a:lnSpc>
+                <a:spcPct val="90000"/>
+              </a:lnSpc>
+              <a:spcBef>
+                <a:spcPts val="4500"/>
+              </a:spcBef>
+              <a:spcAft>
+                <a:spcPts val="0"/>
+              </a:spcAft>
+              <a:buClrTx/>
+              <a:buSzPct val="123000"/>
+              <a:buFontTx/>
+              <a:buChar char="•"/>
+              <a:tabLst/>
+              <a:defRPr/>
+            </a:pPr>
             <a:r>
               <a:rPr lang="en-GB" b="0" i="0" dirty="0">
                 <a:effectLst/>
@@ -5456,14 +5874,27 @@
               <a:rPr lang="en-GB" b="1" i="0" dirty="0">
                 <a:effectLst/>
               </a:rPr>
-              <a:t>fair randomness</a:t>
-            </a:r>
-            <a:r>
-              <a:rPr lang="en-GB" b="0" i="0" dirty="0">
+              <a:t>fair randomness. </a:t>
+            </a:r>
+            <a:r>
+              <a:rPr kumimoji="0" lang="en-US" sz="3000" b="0" i="0" u="none" strike="noStrike" kern="0" cap="none" spc="0" normalizeH="0" baseline="0" noProof="0" dirty="0">
+                <a:ln>
+                  <a:noFill/>
+                </a:ln>
+                <a:solidFill>
+                  <a:srgbClr val="000000"/>
+                </a:solidFill>
                 <a:effectLst/>
+                <a:uLnTx/>
+                <a:uFillTx/>
+                <a:latin typeface="Helvetica Neue"/>
+                <a:sym typeface="Helvetica Neue"/>
               </a:rPr>
-              <a:t>.</a:t>
-            </a:r>
+              <a:t>[Figure 1]</a:t>
+            </a:r>
+            <a:endParaRPr lang="en-GB" b="0" i="0" dirty="0">
+              <a:effectLst/>
+            </a:endParaRPr>
           </a:p>
           <a:p>
             <a:r>
@@ -5486,6 +5917,23 @@
             </a:r>
           </a:p>
           <a:p>
+            <a:pPr marL="609600" marR="0" lvl="0" indent="-609600" algn="l" defTabSz="2438338" rtl="0" eaLnBrk="1" fontAlgn="auto" latinLnBrk="0" hangingPunct="1">
+              <a:lnSpc>
+                <a:spcPct val="90000"/>
+              </a:lnSpc>
+              <a:spcBef>
+                <a:spcPts val="4500"/>
+              </a:spcBef>
+              <a:spcAft>
+                <a:spcPts val="0"/>
+              </a:spcAft>
+              <a:buClrTx/>
+              <a:buSzPct val="123000"/>
+              <a:buFontTx/>
+              <a:buChar char="•"/>
+              <a:tabLst/>
+              <a:defRPr/>
+            </a:pPr>
             <a:r>
               <a:rPr lang="en-GB" b="0" i="0" dirty="0">
                 <a:effectLst/>
@@ -5526,8 +5974,27 @@
               <a:rPr lang="en-GB" b="0" i="0" dirty="0">
                 <a:effectLst/>
               </a:rPr>
-              <a:t>’ integration.</a:t>
-            </a:r>
+              <a:t>’ integration. </a:t>
+            </a:r>
+            <a:r>
+              <a:rPr kumimoji="0" lang="en-US" sz="3000" b="0" i="0" u="none" strike="noStrike" kern="0" cap="none" spc="0" normalizeH="0" baseline="0" noProof="0" dirty="0">
+                <a:ln>
+                  <a:noFill/>
+                </a:ln>
+                <a:solidFill>
+                  <a:srgbClr val="000000"/>
+                </a:solidFill>
+                <a:effectLst/>
+                <a:uLnTx/>
+                <a:uFillTx/>
+                <a:latin typeface="Helvetica Neue"/>
+                <a:sym typeface="Helvetica Neue"/>
+              </a:rPr>
+              <a:t>[Figure 3]</a:t>
+            </a:r>
+            <a:endParaRPr lang="en-GB" b="0" i="0" dirty="0">
+              <a:effectLst/>
+            </a:endParaRPr>
           </a:p>
           <a:p>
             <a:r>
@@ -5580,7 +6047,7 @@
   <p:clrMapOvr>
     <a:masterClrMapping/>
   </p:clrMapOvr>
-  <p:transition spd="med"/>
+  <p:transition spd="med" advTm="62974"/>
 </p:sld>
 </file>
 
@@ -5656,7 +6123,7 @@
           <a:p>
             <a:r>
               <a:rPr lang="en-US" dirty="0"/>
-              <a:t>TODO</a:t>
+              <a:t>What was built?</a:t>
             </a:r>
             <a:endParaRPr dirty="0"/>
           </a:p>
@@ -5688,25 +6155,265 @@
           </a:prstGeom>
         </p:spPr>
         <p:txBody>
-          <a:bodyPr/>
+          <a:bodyPr>
+            <a:normAutofit/>
+          </a:bodyPr>
           <a:lstStyle/>
           <a:p>
             <a:r>
               <a:rPr lang="en-US" dirty="0"/>
-              <a:t>Two games</a:t>
-            </a:r>
-          </a:p>
-          <a:p>
+              <a:t>Two games: </a:t>
+            </a:r>
+            <a:r>
+              <a:rPr lang="en-US" b="1" dirty="0"/>
+              <a:t>Chuck-a-Luck</a:t>
+            </a:r>
             <a:r>
               <a:rPr lang="en-US" dirty="0"/>
-              <a:t>Verifiable randomness</a:t>
-            </a:r>
-          </a:p>
-          <a:p>
+              <a:t> (single-player vs. house), </a:t>
+            </a:r>
+            <a:r>
+              <a:rPr lang="en-US" b="1" dirty="0"/>
+              <a:t>Roulette</a:t>
+            </a:r>
             <a:r>
               <a:rPr lang="en-US" dirty="0"/>
-              <a:t>Central banking</a:t>
-            </a:r>
+              <a:t> (multi-player vs. house)</a:t>
+            </a:r>
+          </a:p>
+          <a:p>
+            <a:pPr lvl="0">
+              <a:defRPr/>
+            </a:pPr>
+            <a:r>
+              <a:rPr lang="en-US" b="1" dirty="0"/>
+              <a:t>Single-contract</a:t>
+            </a:r>
+            <a:r>
+              <a:rPr lang="en-US" dirty="0"/>
+              <a:t>, </a:t>
+            </a:r>
+            <a:r>
+              <a:rPr lang="en-US" b="1" dirty="0"/>
+              <a:t>low-gas</a:t>
+            </a:r>
+            <a:r>
+              <a:rPr lang="en-US" dirty="0"/>
+              <a:t> simple banking </a:t>
+            </a:r>
+            <a:r>
+              <a:rPr kumimoji="0" lang="en-US" sz="3000" b="0" i="0" u="none" strike="noStrike" kern="0" cap="none" spc="0" normalizeH="0" baseline="0" noProof="0" dirty="0">
+                <a:ln>
+                  <a:noFill/>
+                </a:ln>
+                <a:solidFill>
+                  <a:srgbClr val="000000"/>
+                </a:solidFill>
+                <a:effectLst/>
+                <a:uLnTx/>
+                <a:uFillTx/>
+                <a:latin typeface="Helvetica Neue"/>
+                <a:sym typeface="Helvetica Neue"/>
+              </a:rPr>
+              <a:t>[Figure 2]</a:t>
+            </a:r>
+            <a:endParaRPr lang="en-US" dirty="0"/>
+          </a:p>
+          <a:p>
+            <a:r>
+              <a:rPr lang="en-US" b="1" dirty="0"/>
+              <a:t>High-performance, responsive </a:t>
+            </a:r>
+            <a:r>
+              <a:rPr lang="en-US" dirty="0"/>
+              <a:t>web 3.0 user interface with </a:t>
+            </a:r>
+            <a:r>
+              <a:rPr lang="en-US" b="1" dirty="0"/>
+              <a:t>MetaMask</a:t>
+            </a:r>
+            <a:r>
+              <a:rPr lang="en-US" dirty="0"/>
+              <a:t> wallet integration </a:t>
+            </a:r>
+            <a:r>
+              <a:rPr lang="en-US" sz="3000" dirty="0"/>
+              <a:t>[Figure 3]</a:t>
+            </a:r>
+          </a:p>
+          <a:p>
+            <a:pPr marL="609600" marR="0" lvl="0" indent="-609600" algn="l" defTabSz="2438338" rtl="0" eaLnBrk="1" fontAlgn="auto" latinLnBrk="0" hangingPunct="1">
+              <a:lnSpc>
+                <a:spcPct val="90000"/>
+              </a:lnSpc>
+              <a:spcBef>
+                <a:spcPts val="4500"/>
+              </a:spcBef>
+              <a:spcAft>
+                <a:spcPts val="0"/>
+              </a:spcAft>
+              <a:buClrTx/>
+              <a:buSzPct val="123000"/>
+              <a:buFontTx/>
+              <a:buChar char="•"/>
+              <a:tabLst/>
+              <a:defRPr/>
+            </a:pPr>
+            <a:r>
+              <a:rPr lang="en-US" b="1" dirty="0"/>
+              <a:t>Robust</a:t>
+            </a:r>
+            <a:r>
+              <a:rPr lang="en-US" dirty="0"/>
+              <a:t>, </a:t>
+            </a:r>
+            <a:r>
+              <a:rPr lang="en-US" b="1" dirty="0"/>
+              <a:t>extensible</a:t>
+            </a:r>
+            <a:r>
+              <a:rPr lang="en-US" dirty="0"/>
+              <a:t> smart contract migration chain to any EVM-based network (Polygon here) </a:t>
+            </a:r>
+            <a:r>
+              <a:rPr kumimoji="0" lang="en-US" sz="3000" b="0" i="0" u="none" strike="noStrike" kern="0" cap="none" spc="0" normalizeH="0" baseline="0" noProof="0" dirty="0">
+                <a:ln>
+                  <a:noFill/>
+                </a:ln>
+                <a:solidFill>
+                  <a:srgbClr val="000000"/>
+                </a:solidFill>
+                <a:effectLst/>
+                <a:uLnTx/>
+                <a:uFillTx/>
+                <a:latin typeface="Helvetica Neue"/>
+                <a:sym typeface="Helvetica Neue"/>
+              </a:rPr>
+              <a:t>[Figure 4]</a:t>
+            </a:r>
+          </a:p>
+          <a:p>
+            <a:pPr>
+              <a:defRPr/>
+            </a:pPr>
+            <a:r>
+              <a:rPr lang="en-US" dirty="0">
+                <a:latin typeface="Helvetica Neue"/>
+              </a:rPr>
+              <a:t>Different</a:t>
+            </a:r>
+            <a:r>
+              <a:rPr kumimoji="0" lang="en-US" b="0" i="0" u="none" strike="noStrike" kern="0" cap="none" spc="0" normalizeH="0" baseline="0" noProof="0" dirty="0">
+                <a:ln>
+                  <a:noFill/>
+                </a:ln>
+                <a:solidFill>
+                  <a:srgbClr val="000000"/>
+                </a:solidFill>
+                <a:effectLst/>
+                <a:uLnTx/>
+                <a:uFillTx/>
+                <a:latin typeface="Helvetica Neue"/>
+                <a:sym typeface="Helvetica Neue"/>
+              </a:rPr>
+              <a:t> </a:t>
+            </a:r>
+            <a:r>
+              <a:rPr kumimoji="0" lang="en-US" b="1" i="0" u="none" strike="noStrike" kern="0" cap="none" spc="0" normalizeH="0" baseline="0" noProof="0" dirty="0">
+                <a:ln>
+                  <a:noFill/>
+                </a:ln>
+                <a:solidFill>
+                  <a:srgbClr val="000000"/>
+                </a:solidFill>
+                <a:effectLst/>
+                <a:uLnTx/>
+                <a:uFillTx/>
+                <a:latin typeface="Helvetica Neue"/>
+                <a:sym typeface="Helvetica Neue"/>
+              </a:rPr>
+              <a:t>RNG</a:t>
+            </a:r>
+            <a:r>
+              <a:rPr kumimoji="0" lang="en-US" b="0" i="0" u="none" strike="noStrike" kern="0" cap="none" spc="0" normalizeH="0" baseline="0" noProof="0" dirty="0">
+                <a:ln>
+                  <a:noFill/>
+                </a:ln>
+                <a:solidFill>
+                  <a:srgbClr val="000000"/>
+                </a:solidFill>
+                <a:effectLst/>
+                <a:uLnTx/>
+                <a:uFillTx/>
+                <a:latin typeface="Helvetica Neue"/>
+                <a:sym typeface="Helvetica Neue"/>
+              </a:rPr>
+              <a:t> approaches for </a:t>
+            </a:r>
+            <a:r>
+              <a:rPr kumimoji="0" lang="en-US" b="1" i="0" u="none" strike="noStrike" kern="0" cap="none" spc="0" normalizeH="0" baseline="0" noProof="0" dirty="0">
+                <a:ln>
+                  <a:noFill/>
+                </a:ln>
+                <a:solidFill>
+                  <a:srgbClr val="000000"/>
+                </a:solidFill>
+                <a:effectLst/>
+                <a:uLnTx/>
+                <a:uFillTx/>
+                <a:latin typeface="Helvetica Neue"/>
+                <a:sym typeface="Helvetica Neue"/>
+              </a:rPr>
+              <a:t>comparative evaluation </a:t>
+            </a:r>
+            <a:r>
+              <a:rPr kumimoji="0" lang="en-US" sz="3200" b="0" i="0" u="none" strike="noStrike" kern="0" cap="none" spc="0" normalizeH="0" baseline="0" noProof="0" dirty="0">
+                <a:ln>
+                  <a:noFill/>
+                </a:ln>
+                <a:solidFill>
+                  <a:srgbClr val="000000"/>
+                </a:solidFill>
+                <a:effectLst/>
+                <a:uLnTx/>
+                <a:uFillTx/>
+                <a:latin typeface="Helvetica Neue"/>
+                <a:sym typeface="Helvetica Neue"/>
+              </a:rPr>
+              <a:t>[Figure 5]</a:t>
+            </a:r>
+          </a:p>
+          <a:p>
+            <a:pPr marL="609600" marR="0" lvl="0" indent="-609600" algn="l" defTabSz="2438338" rtl="0" eaLnBrk="1" fontAlgn="auto" latinLnBrk="0" hangingPunct="1">
+              <a:lnSpc>
+                <a:spcPct val="90000"/>
+              </a:lnSpc>
+              <a:spcBef>
+                <a:spcPts val="4500"/>
+              </a:spcBef>
+              <a:spcAft>
+                <a:spcPts val="0"/>
+              </a:spcAft>
+              <a:buClrTx/>
+              <a:buSzPct val="123000"/>
+              <a:buFontTx/>
+              <a:buChar char="•"/>
+              <a:tabLst/>
+              <a:defRPr/>
+            </a:pPr>
+            <a:endParaRPr kumimoji="0" lang="en-US" sz="3200" b="1" i="0" u="none" strike="noStrike" kern="0" cap="none" spc="0" normalizeH="0" baseline="0" noProof="0" dirty="0">
+              <a:ln>
+                <a:noFill/>
+              </a:ln>
+              <a:solidFill>
+                <a:srgbClr val="000000"/>
+              </a:solidFill>
+              <a:effectLst/>
+              <a:uLnTx/>
+              <a:uFillTx/>
+              <a:latin typeface="Helvetica Neue"/>
+              <a:sym typeface="Helvetica Neue"/>
+            </a:endParaRPr>
           </a:p>
         </p:txBody>
       </p:sp>
@@ -5720,7 +6427,7 @@
   <p:clrMapOvr>
     <a:masterClrMapping/>
   </p:clrMapOvr>
-  <p:transition spd="med"/>
+  <p:transition spd="med" advTm="247770"/>
 </p:sld>
 </file>
 
@@ -5762,7 +6469,7 @@
           <a:p>
             <a:r>
               <a:rPr lang="en-US" dirty="0"/>
-              <a:t>The Result</a:t>
+              <a:t>Results</a:t>
             </a:r>
             <a:endParaRPr dirty="0"/>
           </a:p>
@@ -5885,11 +6592,11 @@
             </a:r>
             <a:r>
               <a:rPr lang="en-US" b="1" dirty="0"/>
-              <a:t>robust technology stack </a:t>
+              <a:t>robust technology stack</a:t>
             </a:r>
             <a:r>
               <a:rPr lang="en-US" dirty="0"/>
-              <a:t>– it may be viable. Further research is required.</a:t>
+              <a:t>; it may pass that threshold - further research is required.</a:t>
             </a:r>
           </a:p>
         </p:txBody>
@@ -5904,7 +6611,170 @@
   <p:clrMapOvr>
     <a:masterClrMapping/>
   </p:clrMapOvr>
-  <p:transition spd="med"/>
+  <p:transition spd="med" advTm="41"/>
+  <p:timing>
+    <p:tnLst>
+      <p:par>
+        <p:cTn id="1" dur="indefinite" restart="never" nodeType="tmRoot">
+          <p:childTnLst>
+            <p:seq concurrent="1" nextAc="seek">
+              <p:cTn id="2" dur="indefinite" nodeType="mainSeq">
+                <p:childTnLst>
+                  <p:par>
+                    <p:cTn id="3" fill="hold">
+                      <p:stCondLst>
+                        <p:cond delay="indefinite"/>
+                      </p:stCondLst>
+                      <p:childTnLst>
+                        <p:par>
+                          <p:cTn id="4" fill="hold">
+                            <p:stCondLst>
+                              <p:cond delay="0"/>
+                            </p:stCondLst>
+                            <p:childTnLst>
+                              <p:par>
+                                <p:cTn id="5" presetID="1" presetClass="entr" presetSubtype="0" fill="hold" grpId="0" nodeType="clickEffect">
+                                  <p:stCondLst>
+                                    <p:cond delay="0"/>
+                                  </p:stCondLst>
+                                  <p:childTnLst>
+                                    <p:set>
+                                      <p:cBhvr>
+                                        <p:cTn id="6" dur="1" fill="hold">
+                                          <p:stCondLst>
+                                            <p:cond delay="0"/>
+                                          </p:stCondLst>
+                                        </p:cTn>
+                                        <p:tgtEl>
+                                          <p:spTgt spid="189">
+                                            <p:txEl>
+                                              <p:pRg st="0" end="0"/>
+                                            </p:txEl>
+                                          </p:spTgt>
+                                        </p:tgtEl>
+                                        <p:attrNameLst>
+                                          <p:attrName>style.visibility</p:attrName>
+                                        </p:attrNameLst>
+                                      </p:cBhvr>
+                                      <p:to>
+                                        <p:strVal val="visible"/>
+                                      </p:to>
+                                    </p:set>
+                                  </p:childTnLst>
+                                </p:cTn>
+                              </p:par>
+                              <p:par>
+                                <p:cTn id="7" presetID="1" presetClass="entr" presetSubtype="0" fill="hold" grpId="0" nodeType="withEffect">
+                                  <p:stCondLst>
+                                    <p:cond delay="0"/>
+                                  </p:stCondLst>
+                                  <p:childTnLst>
+                                    <p:set>
+                                      <p:cBhvr>
+                                        <p:cTn id="8" dur="1" fill="hold">
+                                          <p:stCondLst>
+                                            <p:cond delay="0"/>
+                                          </p:stCondLst>
+                                        </p:cTn>
+                                        <p:tgtEl>
+                                          <p:spTgt spid="4">
+                                            <p:txEl>
+                                              <p:pRg st="1" end="1"/>
+                                            </p:txEl>
+                                          </p:spTgt>
+                                        </p:tgtEl>
+                                        <p:attrNameLst>
+                                          <p:attrName>style.visibility</p:attrName>
+                                        </p:attrNameLst>
+                                      </p:cBhvr>
+                                      <p:to>
+                                        <p:strVal val="visible"/>
+                                      </p:to>
+                                    </p:set>
+                                  </p:childTnLst>
+                                </p:cTn>
+                              </p:par>
+                            </p:childTnLst>
+                          </p:cTn>
+                        </p:par>
+                      </p:childTnLst>
+                    </p:cTn>
+                  </p:par>
+                  <p:par>
+                    <p:cTn id="9" fill="hold">
+                      <p:stCondLst>
+                        <p:cond delay="indefinite"/>
+                      </p:stCondLst>
+                      <p:childTnLst>
+                        <p:par>
+                          <p:cTn id="10" fill="hold">
+                            <p:stCondLst>
+                              <p:cond delay="0"/>
+                            </p:stCondLst>
+                            <p:childTnLst>
+                              <p:par>
+                                <p:cTn id="11" presetID="1" presetClass="entr" presetSubtype="0" fill="hold" grpId="0" nodeType="clickEffect">
+                                  <p:stCondLst>
+                                    <p:cond delay="0"/>
+                                  </p:stCondLst>
+                                  <p:childTnLst>
+                                    <p:set>
+                                      <p:cBhvr>
+                                        <p:cTn id="12" dur="1" fill="hold">
+                                          <p:stCondLst>
+                                            <p:cond delay="0"/>
+                                          </p:stCondLst>
+                                        </p:cTn>
+                                        <p:tgtEl>
+                                          <p:spTgt spid="4">
+                                            <p:txEl>
+                                              <p:pRg st="3" end="3"/>
+                                            </p:txEl>
+                                          </p:spTgt>
+                                        </p:tgtEl>
+                                        <p:attrNameLst>
+                                          <p:attrName>style.visibility</p:attrName>
+                                        </p:attrNameLst>
+                                      </p:cBhvr>
+                                      <p:to>
+                                        <p:strVal val="visible"/>
+                                      </p:to>
+                                    </p:set>
+                                  </p:childTnLst>
+                                </p:cTn>
+                              </p:par>
+                            </p:childTnLst>
+                          </p:cTn>
+                        </p:par>
+                      </p:childTnLst>
+                    </p:cTn>
+                  </p:par>
+                </p:childTnLst>
+              </p:cTn>
+              <p:prevCondLst>
+                <p:cond evt="onPrev" delay="0">
+                  <p:tgtEl>
+                    <p:sldTgt/>
+                  </p:tgtEl>
+                </p:cond>
+              </p:prevCondLst>
+              <p:nextCondLst>
+                <p:cond evt="onNext" delay="0">
+                  <p:tgtEl>
+                    <p:sldTgt/>
+                  </p:tgtEl>
+                </p:cond>
+              </p:nextCondLst>
+            </p:seq>
+          </p:childTnLst>
+        </p:cTn>
+      </p:par>
+    </p:tnLst>
+    <p:bldLst>
+      <p:bldP spid="189" grpId="0" uiExpand="1" build="p"/>
+      <p:bldP spid="4" grpId="0" uiExpand="1" build="p"/>
+    </p:bldLst>
+  </p:timing>
 </p:sld>
 </file>
 
@@ -6070,20 +6940,8 @@
               <a:defRPr sz="3600" b="1"/>
             </a:pPr>
             <a:r>
-              <a:rPr dirty="0" err="1"/>
-              <a:t>Gainsbury</a:t>
-            </a:r>
-            <a:r>
               <a:rPr dirty="0"/>
-              <a:t>, S., Parke, J., &amp; </a:t>
-            </a:r>
-            <a:r>
-              <a:rPr dirty="0" err="1"/>
-              <a:t>Suhonen</a:t>
-            </a:r>
-            <a:r>
-              <a:rPr dirty="0"/>
-              <a:t>, N. (2013). Consumer attitudes towards Internet gambling: Perceptions of responsible gambling policies, consumer protection, and regulation of online gambling sites. Computers in Human Behavior, 29 (1). </a:t>
+              <a:t>Gainsbury, S., Parke, J., &amp; Suhonen, N. (2013). Consumer attitudes towards Internet gambling: Perceptions of responsible gambling policies, consumer protection, and regulation of online gambling sites. Computers in Human Behavior, 29 (1). </a:t>
             </a:r>
             <a:r>
               <a:rPr u="sng" dirty="0">
@@ -6114,6 +6972,7 @@
           <a:lstStyle/>
           <a:p>
             <a:r>
+              <a:rPr dirty="0"/>
               <a:t>References</a:t>
             </a:r>
           </a:p>

--- a/docs/GlassCasinoFinalOral.pptx
+++ b/docs/GlassCasinoFinalOral.pptx
@@ -436,7 +436,7 @@
           <a:p>
             <a:fld id="{103E0F31-B0C9-4640-BA44-98E469742BC4}" type="datetimeFigureOut">
               <a:rPr lang="en-US" smtClean="0"/>
-              <a:t>4/25/2022</a:t>
+              <a:t>4/28/2022</a:t>
             </a:fld>
             <a:endParaRPr lang="en-US" dirty="0"/>
           </a:p>
@@ -783,18 +783,32 @@
             </a:r>
             <a:r>
               <a:rPr lang="en-US" dirty="0"/>
-              <a:t>and this is the outline of my project </a:t>
-            </a:r>
-          </a:p>
-          <a:p>
-            <a:endParaRPr lang="en-US" dirty="0"/>
+              <a:t>and this is my project:</a:t>
+            </a:r>
           </a:p>
           <a:p>
             <a:r>
               <a:rPr lang="en-US" b="1" dirty="0"/>
               <a:t>“GlassCasino – Building a Fair Online Casino on the Blockchain”</a:t>
             </a:r>
-            <a:endParaRPr b="1" dirty="0"/>
+          </a:p>
+          <a:p>
+            <a:endParaRPr lang="en-US" b="1" dirty="0"/>
+          </a:p>
+          <a:p>
+            <a:r>
+              <a:rPr lang="en-US" b="0" dirty="0"/>
+              <a:t>These slides are going to give a general overview of the project including defining the problem, giving solution objectives and achievements. Then, lastly followed by its results.</a:t>
+            </a:r>
+          </a:p>
+          <a:p>
+            <a:endParaRPr lang="en-US" b="0" dirty="0"/>
+          </a:p>
+          <a:p>
+            <a:r>
+              <a:rPr lang="en-US" b="0" dirty="0"/>
+              <a:t>After this we’ll proceed to the live demonstration of the final work.</a:t>
+            </a:r>
           </a:p>
         </p:txBody>
       </p:sp>
@@ -1025,7 +1039,17 @@
           <a:p>
             <a:r>
               <a:rPr lang="en-US" dirty="0"/>
-              <a:t>Our work looks at a potential solution to these problem; we post the question: </a:t>
+              <a:t>Our work looks at a potential solution to these problem – blockchain. Thus, we pose the question:</a:t>
+            </a:r>
+          </a:p>
+          <a:p>
+            <a:r>
+              <a:rPr lang="en-US" b="1" dirty="0"/>
+              <a:t>[CLICK]</a:t>
+            </a:r>
+            <a:r>
+              <a:rPr lang="en-US" dirty="0"/>
+              <a:t> </a:t>
             </a:r>
           </a:p>
           <a:p>
@@ -1047,17 +1071,20 @@
               <a:defRPr/>
             </a:pPr>
             <a:r>
-              <a:rPr lang="en-US" dirty="0"/>
+              <a:rPr lang="en-US" b="0" dirty="0"/>
               <a:t>“</a:t>
             </a:r>
             <a:r>
-              <a:rPr lang="en-GB" b="1" dirty="0"/>
+              <a:rPr lang="en-GB" b="0" dirty="0"/>
               <a:t>How technically viable is it to implement an online casino on the blockchain?”</a:t>
             </a:r>
-            <a:endParaRPr lang="en-US" dirty="0"/>
-          </a:p>
-          <a:p>
-            <a:endParaRPr lang="en-US" dirty="0"/>
+            <a:endParaRPr lang="en-US" b="0" dirty="0"/>
+          </a:p>
+          <a:p>
+            <a:r>
+              <a:rPr lang="en-US" b="1" dirty="0"/>
+              <a:t>[CLICK]</a:t>
+            </a:r>
           </a:p>
           <a:p>
             <a:r>
@@ -1070,7 +1097,7 @@
             </a:r>
             <a:r>
               <a:rPr lang="en-GB" dirty="0"/>
-              <a:t> as per their design and with the advancement of </a:t>
+              <a:t>, as per their design as listed here. More recently, with the advancement of </a:t>
             </a:r>
             <a:r>
               <a:rPr dirty="0"/>
@@ -1171,19 +1198,13 @@
           <a:p>
             <a:r>
               <a:rPr lang="en-GB" dirty="0"/>
-              <a:t> - The smart contracts themselves. These are either game logic or banking logic – i.e., deposits, withdrawals and prize allocation etc. </a:t>
+              <a:t> - The smart contracts themselves. This the code governing either game logic or banking logic – i.e., deposits, withdrawals and prize allocation etc. These are annotated ‘Game’ on Figure 1.</a:t>
             </a:r>
           </a:p>
           <a:p>
             <a:r>
               <a:rPr lang="en-GB" dirty="0"/>
-              <a:t>     -&gt; These are annotated ‘Game’ on Figure 1</a:t>
-            </a:r>
-          </a:p>
-          <a:p>
-            <a:r>
-              <a:rPr lang="en-GB" dirty="0"/>
-              <a:t>- The migration chain to get the contracts onto the blockchain and this ties in heavily with the banking logic</a:t>
+              <a:t> - The migration chain to get the contracts onto the blockchain and this ties in heavily with the banking logic</a:t>
             </a:r>
           </a:p>
           <a:p>
@@ -1300,7 +1321,7 @@
           <a:p>
             <a:r>
               <a:rPr lang="en-US" dirty="0"/>
-              <a:t>Firstly, we’ve got two games. This is important as they’re both of slightly different paradigms in that they are both played against the house but either in a group or alone. This has some interesting ramifications in terms of throughput and cost particularly. Both are live on the Polygon Mumbai network with verified source code for transparency and have gone through many rounds of optimization for gas fees.</a:t>
+              <a:t>Firstly, we’ve got two games – roulette and a dice game called Chuck-a-Luck. These are interesting as they’re both of slightly different paradigms in that they are both played against the house but either in a group or alone. This has some interesting ramifications in terms of throughput and cost particularly.</a:t>
             </a:r>
           </a:p>
           <a:p>
@@ -1312,25 +1333,77 @@
           <a:p>
             <a:r>
               <a:rPr lang="en-US" dirty="0"/>
-              <a:t>Next up we’ve got the banking system as shown by figure 2 on your appendix. This was a solution to a problem that presented itself in development. The problem was poor usability and high gas cost for the original plan which was have each game self-contained in that you never deposit any money anywhere except your own wallet.</a:t>
+              <a:t>Next up we’ve got the banking system as shown by figure 2 on your appendix. This was a solution to a problem that presented itself in development. </a:t>
             </a:r>
           </a:p>
           <a:p>
             <a:endParaRPr lang="en-US" dirty="0"/>
           </a:p>
           <a:p>
+            <a:pPr marL="0" marR="0" lvl="0" indent="0" defTabSz="457200" eaLnBrk="1" fontAlgn="auto" latinLnBrk="0" hangingPunct="1">
+              <a:lnSpc>
+                <a:spcPct val="117999"/>
+              </a:lnSpc>
+              <a:spcBef>
+                <a:spcPts val="0"/>
+              </a:spcBef>
+              <a:spcAft>
+                <a:spcPts val="0"/>
+              </a:spcAft>
+              <a:buClrTx/>
+              <a:buSzTx/>
+              <a:buFontTx/>
+              <a:buNone/>
+              <a:tabLst/>
+              <a:defRPr/>
+            </a:pPr>
             <a:r>
               <a:rPr lang="en-US" dirty="0"/>
-              <a:t>So why not store winnings in the game contract? Then you can’t re-bet them on other games. </a:t>
-            </a:r>
-          </a:p>
-          <a:p>
+              <a:t>Originally, the plan was for each game to be self-contained. In that, you never deposit any money anywhere except your own wallet.</a:t>
+            </a:r>
+          </a:p>
+          <a:p>
+            <a:pPr marL="0" marR="0" lvl="0" indent="0" defTabSz="457200" eaLnBrk="1" fontAlgn="auto" latinLnBrk="0" hangingPunct="1">
+              <a:lnSpc>
+                <a:spcPct val="117999"/>
+              </a:lnSpc>
+              <a:spcBef>
+                <a:spcPts val="0"/>
+              </a:spcBef>
+              <a:spcAft>
+                <a:spcPts val="0"/>
+              </a:spcAft>
+              <a:buClrTx/>
+              <a:buSzTx/>
+              <a:buFontTx/>
+              <a:buNone/>
+              <a:tabLst/>
+              <a:defRPr/>
+            </a:pPr>
             <a:endParaRPr lang="en-US" dirty="0"/>
           </a:p>
           <a:p>
             <a:r>
               <a:rPr lang="en-US" dirty="0"/>
-              <a:t>Thus, we produced the system shown in figure 2. It uses a role-based permissions system to retain trust-lessness. </a:t>
+              <a:t>This led to poor usability and high fees.</a:t>
+            </a:r>
+          </a:p>
+          <a:p>
+            <a:endParaRPr lang="en-US" dirty="0"/>
+          </a:p>
+          <a:p>
+            <a:r>
+              <a:rPr lang="en-US" dirty="0"/>
+              <a:t>Thus, we produced the system shown in figure 2. </a:t>
+            </a:r>
+          </a:p>
+          <a:p>
+            <a:endParaRPr lang="en-US" dirty="0"/>
+          </a:p>
+          <a:p>
+            <a:r>
+              <a:rPr lang="en-US" dirty="0"/>
+              <a:t>It uses a role-based permissions system to retain trust-lessness. </a:t>
             </a:r>
           </a:p>
           <a:p>
@@ -1345,25 +1418,13 @@
           <a:p>
             <a:r>
               <a:rPr lang="en-US" dirty="0"/>
-              <a:t>---</a:t>
+              <a:t>--</a:t>
             </a:r>
           </a:p>
           <a:p>
             <a:r>
               <a:rPr lang="en-US" dirty="0"/>
-              <a:t>Thirdly, we have the web interface. While there’s not too much novel to say here it’s worth noting that the interface is very quick, very light and has been fully integrated with the most common EVM-blockchain wallet MetaMask to prevent the need for any sign-ups.</a:t>
-            </a:r>
-          </a:p>
-          <a:p>
-            <a:r>
-              <a:rPr lang="en-US" dirty="0"/>
-              <a:t>--</a:t>
-            </a:r>
-          </a:p>
-          <a:p>
-            <a:r>
-              <a:rPr lang="en-US" dirty="0"/>
-              <a:t>Next, we have the migration chain. This is the code to put the contracts on the blockchain. The flowchart in figure 4 walks through the process of designating and revoking admin and operator roles I spoke about earlier regarding banking. </a:t>
+              <a:t>Thirdly, we have the migration chain. This is the code to put the contracts on the blockchain. The flowchart in figure 4 walks through the process of designating and revoking admin and operator roles I spoke about earlier regarding banking. </a:t>
             </a:r>
           </a:p>
           <a:p>
@@ -1373,6 +1434,18 @@
             <a:r>
               <a:rPr lang="en-US" dirty="0"/>
               <a:t>The result of this chain is that there will be no bank admins and thus the list of operators (which will be a list of all deployed game contracts) is fixed, public and enumerable.</a:t>
+            </a:r>
+          </a:p>
+          <a:p>
+            <a:r>
+              <a:rPr lang="en-US" dirty="0"/>
+              <a:t>---</a:t>
+            </a:r>
+          </a:p>
+          <a:p>
+            <a:r>
+              <a:rPr lang="en-US" dirty="0"/>
+              <a:t>Next, we have the web interface. While there’s not too much novel to say here it’s worth noting that the interface is very quick, very light and has been fully integrated with the most common EVM-blockchain wallet MetaMask to prevent the need for any sign-ups.</a:t>
             </a:r>
           </a:p>
           <a:p>
@@ -1518,14 +1591,47 @@
           <a:p>
             <a:r>
               <a:rPr lang="en-US" dirty="0"/>
-              <a:t>So, the scores we achieve in speed, cost and scalability are given to you ____. What we see is terrible performance on the VRF-backed game (Chuck-a-Luck) which is something innate to ChainLink’s implementation. In fact, while developing this project they came out with a complete re-implementation of their oracle network called v2. Even on the better performing games the speed just isn’t there. As for cost and scalability which tie together in Figure _ we see some poor numbers. In the paper we make some very optimistic estimates of the scalability required to rival mainstream platforms and find we would need at minimum 20% of the Polygon network’s global gas limit to run these games 24/7 and this could easily spike to 100% or more (thus flooding the network) during peak times.</a:t>
-            </a:r>
+              <a:t>So, the scores we achieve in speed, cost and scalability are given to you Figures 6 through 8. </a:t>
+            </a:r>
+          </a:p>
+          <a:p>
+            <a:endParaRPr lang="en-US" dirty="0"/>
           </a:p>
           <a:p>
             <a:r>
               <a:rPr lang="en-US" dirty="0"/>
-              <a:t>---</a:t>
-            </a:r>
+              <a:t>Figure 6 shows excellent performance for the web app, but it must be kept in mind that GlassCasino is not nearly as feature rich as bc.game. </a:t>
+            </a:r>
+          </a:p>
+          <a:p>
+            <a:endParaRPr lang="en-US" dirty="0"/>
+          </a:p>
+          <a:p>
+            <a:r>
+              <a:rPr lang="en-US" dirty="0"/>
+              <a:t>However, for the smart contract speed shown in Figure 7, we see poor speeds. Even on the better performing games and the bank it still takes around 10 seconds for transaction confirmation. </a:t>
+            </a:r>
+          </a:p>
+          <a:p>
+            <a:endParaRPr lang="en-US" dirty="0"/>
+          </a:p>
+          <a:p>
+            <a:r>
+              <a:rPr lang="en-US" dirty="0"/>
+              <a:t>Dice, as the VRF-backed game, sees speeds of an order of magnitude slower! This is something innate to ChainLink’s implementation. In fact, while developing this project they came out with a complete re-implementation of their oracle network.</a:t>
+            </a:r>
+          </a:p>
+          <a:p>
+            <a:endParaRPr lang="en-US" dirty="0"/>
+          </a:p>
+          <a:p>
+            <a:r>
+              <a:rPr lang="en-US" dirty="0"/>
+              <a:t>As for scalability shown in Figure 8, we see some poor numbers. In the paper we make some very optimistic estimates of the scalability required to rival mainstream platforms and find we would need at minimum 20% of the Polygon network’s global gas limit to run these games 24/7. However, this could easily spike to 100% or more during peak times, thus flooding the network.</a:t>
+            </a:r>
+          </a:p>
+          <a:p>
+            <a:endParaRPr lang="en-US" dirty="0"/>
           </a:p>
           <a:p>
             <a:r>
@@ -1544,18 +1650,69 @@
             </a:r>
           </a:p>
           <a:p>
+            <a:endParaRPr lang="en-US" b="0" dirty="0"/>
+          </a:p>
+          <a:p>
+            <a:pPr marL="0" marR="0" lvl="0" indent="0" defTabSz="457200" eaLnBrk="1" fontAlgn="auto" latinLnBrk="0" hangingPunct="1">
+              <a:lnSpc>
+                <a:spcPct val="117999"/>
+              </a:lnSpc>
+              <a:spcBef>
+                <a:spcPts val="0"/>
+              </a:spcBef>
+              <a:spcAft>
+                <a:spcPts val="0"/>
+              </a:spcAft>
+              <a:buClrTx/>
+              <a:buSzTx/>
+              <a:buFontTx/>
+              <a:buNone/>
+              <a:tabLst/>
+              <a:defRPr/>
+            </a:pPr>
             <a:r>
               <a:rPr lang="en-US" b="0" dirty="0"/>
-              <a:t>Basically, while what we’ve achieved is more of a proof-of-concept and as we conclude in the paper, it’s not past the performance threshold it needs to be.</a:t>
-            </a:r>
-          </a:p>
-          <a:p>
-            <a:r>
-              <a:rPr lang="en-US" b="0" dirty="0"/>
-              <a:t>---</a:t>
-            </a:r>
-          </a:p>
-          <a:p>
+              <a:t>What we’ve created is a good proof-of-concept for blockchain based online gambling. So, we find that while the technical possibility of decentralized iGaming exists, our platform cannot be deemed technically viable for mainstream adoption. This is due to speed and throughput limitations. </a:t>
+            </a:r>
+          </a:p>
+          <a:p>
+            <a:pPr marL="0" marR="0" lvl="0" indent="0" defTabSz="457200" eaLnBrk="1" fontAlgn="auto" latinLnBrk="0" hangingPunct="1">
+              <a:lnSpc>
+                <a:spcPct val="117999"/>
+              </a:lnSpc>
+              <a:spcBef>
+                <a:spcPts val="0"/>
+              </a:spcBef>
+              <a:spcAft>
+                <a:spcPts val="0"/>
+              </a:spcAft>
+              <a:buClrTx/>
+              <a:buSzTx/>
+              <a:buFontTx/>
+              <a:buNone/>
+              <a:tabLst/>
+              <a:defRPr/>
+            </a:pPr>
+            <a:endParaRPr lang="en-US" b="0" dirty="0"/>
+          </a:p>
+          <a:p>
+            <a:pPr marL="0" marR="0" lvl="0" indent="0" defTabSz="457200" eaLnBrk="1" fontAlgn="auto" latinLnBrk="0" hangingPunct="1">
+              <a:lnSpc>
+                <a:spcPct val="117999"/>
+              </a:lnSpc>
+              <a:spcBef>
+                <a:spcPts val="0"/>
+              </a:spcBef>
+              <a:spcAft>
+                <a:spcPts val="0"/>
+              </a:spcAft>
+              <a:buClrTx/>
+              <a:buSzTx/>
+              <a:buFontTx/>
+              <a:buNone/>
+              <a:tabLst/>
+              <a:defRPr/>
+            </a:pPr>
             <a:r>
               <a:rPr lang="en-US" b="0" dirty="0"/>
               <a:t>However </a:t>
@@ -1651,7 +1808,278 @@
           <a:bodyPr/>
           <a:lstStyle/>
           <a:p>
-            <a:endParaRPr dirty="0"/>
+            <a:r>
+              <a:rPr lang="en-US" dirty="0"/>
+              <a:t>3And that’s it. Now let’s look at the demo.</a:t>
+            </a:r>
+          </a:p>
+          <a:p>
+            <a:r>
+              <a:rPr lang="en-US" b="1" dirty="0"/>
+              <a:t>[OPEN PAGE]</a:t>
+            </a:r>
+          </a:p>
+          <a:p>
+            <a:pPr marL="342900" indent="-342900">
+              <a:buFontTx/>
+              <a:buChar char="-"/>
+            </a:pPr>
+            <a:r>
+              <a:rPr lang="en-US" b="0" dirty="0"/>
+              <a:t>This is a live version available at glasscasino.io </a:t>
+            </a:r>
+          </a:p>
+          <a:p>
+            <a:pPr marL="342900" indent="-342900">
+              <a:buFontTx/>
+              <a:buChar char="-"/>
+            </a:pPr>
+            <a:r>
+              <a:rPr lang="en-US" b="0" dirty="0"/>
+              <a:t>Should be responsive to phone viewports also so if it’s allowed feel free to pull it up on your phones too</a:t>
+            </a:r>
+          </a:p>
+          <a:p>
+            <a:pPr marL="342900" indent="-342900">
+              <a:buFontTx/>
+              <a:buChar char="-"/>
+            </a:pPr>
+            <a:r>
+              <a:rPr lang="en-US" b="0" dirty="0"/>
+              <a:t>It doesn’t require a wallet or anything to watch others play</a:t>
+            </a:r>
+          </a:p>
+          <a:p>
+            <a:pPr marL="342900" indent="-342900">
+              <a:buFontTx/>
+              <a:buChar char="-"/>
+            </a:pPr>
+            <a:r>
+              <a:rPr lang="en-US" b="0" dirty="0"/>
+              <a:t>Contracts are on Polygon Mumbai test network which is just a 1:1 copy of our blockchain of choice Polygon. </a:t>
+            </a:r>
+          </a:p>
+          <a:p>
+            <a:pPr marL="342900" indent="-342900">
+              <a:buFontTx/>
+              <a:buChar char="-"/>
+            </a:pPr>
+            <a:r>
+              <a:rPr lang="en-US" b="0" dirty="0"/>
+              <a:t>Tokens are worth nothing so it’s all just for fun. </a:t>
+            </a:r>
+          </a:p>
+          <a:p>
+            <a:pPr marL="342900" indent="-342900">
+              <a:buFontTx/>
+              <a:buChar char="-"/>
+            </a:pPr>
+            <a:r>
+              <a:rPr lang="en-US" b="0" dirty="0"/>
+              <a:t>Deploying to the main network is as simple as changing one or two variables when deploying.</a:t>
+            </a:r>
+          </a:p>
+          <a:p>
+            <a:endParaRPr lang="en-US" b="0" dirty="0"/>
+          </a:p>
+          <a:p>
+            <a:r>
+              <a:rPr lang="en-US" b="0" dirty="0"/>
+              <a:t>So, we’re already on the roulette page here but we need to connect our wallet as shown by this little help menu up here. </a:t>
+            </a:r>
+          </a:p>
+          <a:p>
+            <a:r>
+              <a:rPr lang="en-US" b="1" dirty="0"/>
+              <a:t>[CLICK HELP]</a:t>
+            </a:r>
+          </a:p>
+          <a:p>
+            <a:r>
+              <a:rPr lang="en-US" b="0" dirty="0"/>
+              <a:t>This is just a few small pieces of dialog that will detect a wallet and if it’s signed in to guide a user not familiar with </a:t>
+            </a:r>
+            <a:r>
+              <a:rPr lang="en-US" b="0" dirty="0" err="1"/>
+              <a:t>DApps</a:t>
+            </a:r>
+            <a:r>
+              <a:rPr lang="en-US" b="0" dirty="0"/>
+              <a:t> through the process.</a:t>
+            </a:r>
+          </a:p>
+          <a:p>
+            <a:endParaRPr lang="en-US" b="0" dirty="0"/>
+          </a:p>
+          <a:p>
+            <a:r>
+              <a:rPr lang="en-US" b="0" dirty="0"/>
+              <a:t>Now I’ll connect to my MetaMask wallet – this is a widely used wallet available as a browser extension or mobile app. </a:t>
+            </a:r>
+          </a:p>
+          <a:p>
+            <a:r>
+              <a:rPr lang="en-US" b="0" dirty="0"/>
+              <a:t>However, there’s currently a bug with iOS and certain Android devices where the mobile app can’t connect with web apps.</a:t>
+            </a:r>
+          </a:p>
+          <a:p>
+            <a:r>
+              <a:rPr lang="en-US" b="1" dirty="0"/>
+              <a:t>[CONNECT TO METAMASK]</a:t>
+            </a:r>
+          </a:p>
+          <a:p>
+            <a:endParaRPr lang="en-US" b="1" dirty="0"/>
+          </a:p>
+          <a:p>
+            <a:r>
+              <a:rPr lang="en-US" b="0" dirty="0"/>
+              <a:t>Now we’re logged in. So, let’s deposit some MATIC. This is the primary token of the Polygon network and the accepted currency of GlassCasino.</a:t>
+            </a:r>
+          </a:p>
+          <a:p>
+            <a:r>
+              <a:rPr lang="en-US" b="0" dirty="0"/>
+              <a:t>We open up this menu </a:t>
+            </a:r>
+            <a:r>
+              <a:rPr lang="en-US" b="1" dirty="0"/>
+              <a:t>[CLICK] </a:t>
+            </a:r>
+            <a:r>
+              <a:rPr lang="en-US" b="0" dirty="0"/>
+              <a:t>which can be used to deposit or withdraw currency you have won whilst playing.</a:t>
+            </a:r>
+          </a:p>
+          <a:p>
+            <a:endParaRPr lang="en-US" b="0" dirty="0"/>
+          </a:p>
+          <a:p>
+            <a:r>
+              <a:rPr lang="en-US" b="0" dirty="0"/>
+              <a:t>I’ll just deposit __ and wait for confirmation… </a:t>
+            </a:r>
+          </a:p>
+          <a:p>
+            <a:endParaRPr lang="en-US" b="0" dirty="0"/>
+          </a:p>
+          <a:p>
+            <a:r>
+              <a:rPr lang="en-US" b="0" dirty="0"/>
+              <a:t>Now we start by playing some roulette. We can adjust our stake here and hit our desired bet with these buttons. This will trigger a new round to begin and will start to populate some of the other UI elements on screen. </a:t>
+            </a:r>
+          </a:p>
+          <a:p>
+            <a:endParaRPr lang="en-US" b="0" dirty="0"/>
+          </a:p>
+          <a:p>
+            <a:r>
+              <a:rPr lang="en-US" b="0" dirty="0"/>
+              <a:t>Is there any preference for red, black odd or even?</a:t>
+            </a:r>
+          </a:p>
+          <a:p>
+            <a:endParaRPr lang="en-US" b="0" dirty="0"/>
+          </a:p>
+          <a:p>
+            <a:r>
+              <a:rPr lang="en-US" b="0" dirty="0"/>
+              <a:t>Okay, ___. </a:t>
+            </a:r>
+          </a:p>
+          <a:p>
+            <a:r>
+              <a:rPr lang="en-US" sz="2000" b="1" dirty="0"/>
+              <a:t>[BET]</a:t>
+            </a:r>
+          </a:p>
+          <a:p>
+            <a:r>
+              <a:rPr lang="en-US" sz="2000" b="0" dirty="0"/>
+              <a:t>Now we approve the transaction from our wallet. This is a MetaMask interface that is required to sign any transaction and verify its sender. And we wait…</a:t>
+            </a:r>
+          </a:p>
+          <a:p>
+            <a:endParaRPr lang="en-US" sz="2000" b="0" dirty="0"/>
+          </a:p>
+          <a:p>
+            <a:r>
+              <a:rPr lang="en-US" sz="2000" b="0" dirty="0"/>
+              <a:t>So now the countdown begins until the house server will spin the wheel. We see active bets up on the right with a sum above it.</a:t>
+            </a:r>
+          </a:p>
+          <a:p>
+            <a:endParaRPr lang="en-US" sz="2000" b="0" dirty="0"/>
+          </a:p>
+          <a:p>
+            <a:r>
+              <a:rPr lang="en-US" sz="2000" b="1" dirty="0"/>
+              <a:t>[WAIT GAME]</a:t>
+            </a:r>
+          </a:p>
+          <a:p>
+            <a:r>
+              <a:rPr lang="en-US" sz="2000" b="0" dirty="0"/>
+              <a:t>Ah so we ___. And the outcome is listed down here by querying the contract logs.</a:t>
+            </a:r>
+          </a:p>
+          <a:p>
+            <a:r>
+              <a:rPr lang="en-US" sz="2000" b="0" dirty="0"/>
+              <a:t>Now, we can dive into the contract here.</a:t>
+            </a:r>
+          </a:p>
+          <a:p>
+            <a:endParaRPr lang="en-US" sz="2000" b="0" dirty="0"/>
+          </a:p>
+          <a:p>
+            <a:r>
+              <a:rPr lang="en-US" sz="2000" b="1" dirty="0"/>
+              <a:t>[CLICK POLYGONSCAN]</a:t>
+            </a:r>
+          </a:p>
+          <a:p>
+            <a:r>
+              <a:rPr lang="en-US" sz="2000" b="0" dirty="0"/>
+              <a:t>Here’s the transaction logs .</a:t>
+            </a:r>
+          </a:p>
+          <a:p>
+            <a:endParaRPr lang="en-US" sz="2000" b="0" dirty="0"/>
+          </a:p>
+          <a:p>
+            <a:r>
+              <a:rPr lang="en-US" sz="2000" b="1" dirty="0"/>
+              <a:t>[CLICK OUR BET]</a:t>
+            </a:r>
+          </a:p>
+          <a:p>
+            <a:r>
+              <a:rPr lang="en-US" sz="2000" b="0" dirty="0"/>
+              <a:t>and here’s our bet.</a:t>
+            </a:r>
+          </a:p>
+          <a:p>
+            <a:endParaRPr lang="en-US" sz="2000" b="0" dirty="0"/>
+          </a:p>
+          <a:p>
+            <a:r>
+              <a:rPr lang="en-US" sz="2000" b="1" dirty="0"/>
+              <a:t>[CLICK SOURCE]</a:t>
+            </a:r>
+          </a:p>
+          <a:p>
+            <a:r>
+              <a:rPr lang="en-US" sz="2000" b="0" dirty="0"/>
+              <a:t>Over here we can see the verified source code.</a:t>
+            </a:r>
+          </a:p>
+          <a:p>
+            <a:endParaRPr lang="en-US" sz="2000" b="0" dirty="0"/>
+          </a:p>
+          <a:p>
+            <a:endParaRPr lang="en-US" b="0" dirty="0"/>
           </a:p>
         </p:txBody>
       </p:sp>
@@ -1945,7 +2373,7 @@
           </a:ln>
           <a:extLst>
             <a:ext uri="{C572A759-6A51-4108-AA02-DFA0A04FC94B}">
-              <ma14:wrappingTextBoxFlag xmlns="" xmlns:m="http://schemas.openxmlformats.org/officeDocument/2006/math" xmlns:a14="http://schemas.microsoft.com/office/drawing/2010/main" xmlns:ma14="http://schemas.microsoft.com/office/mac/drawingml/2011/main" val="1"/>
+              <ma14:wrappingTextBoxFlag xmlns:ma14="http://schemas.microsoft.com/office/mac/drawingml/2011/main" xmlns:a14="http://schemas.microsoft.com/office/drawing/2010/main" xmlns:m="http://schemas.openxmlformats.org/officeDocument/2006/math" xmlns="" val="1"/>
             </a:ext>
           </a:extLst>
         </p:spPr>
@@ -4158,7 +4586,7 @@
           </a:ln>
           <a:extLst>
             <a:ext uri="{C572A759-6A51-4108-AA02-DFA0A04FC94B}">
-              <ma14:wrappingTextBoxFlag xmlns="" xmlns:m="http://schemas.openxmlformats.org/officeDocument/2006/math" xmlns:a14="http://schemas.microsoft.com/office/drawing/2010/main" xmlns:ma14="http://schemas.microsoft.com/office/mac/drawingml/2011/main" val="1"/>
+              <ma14:wrappingTextBoxFlag xmlns:ma14="http://schemas.microsoft.com/office/mac/drawingml/2011/main" xmlns:a14="http://schemas.microsoft.com/office/drawing/2010/main" xmlns:m="http://schemas.openxmlformats.org/officeDocument/2006/math" xmlns="" val="1"/>
             </a:ext>
           </a:extLst>
         </p:spPr>
@@ -4197,7 +4625,7 @@
           </a:ln>
           <a:extLst>
             <a:ext uri="{C572A759-6A51-4108-AA02-DFA0A04FC94B}">
-              <ma14:wrappingTextBoxFlag xmlns="" xmlns:m="http://schemas.openxmlformats.org/officeDocument/2006/math" xmlns:a14="http://schemas.microsoft.com/office/drawing/2010/main" xmlns:ma14="http://schemas.microsoft.com/office/mac/drawingml/2011/main" val="1"/>
+              <ma14:wrappingTextBoxFlag xmlns:ma14="http://schemas.microsoft.com/office/mac/drawingml/2011/main" xmlns:a14="http://schemas.microsoft.com/office/drawing/2010/main" xmlns:m="http://schemas.openxmlformats.org/officeDocument/2006/math" xmlns="" val="1"/>
             </a:ext>
           </a:extLst>
         </p:spPr>
@@ -5042,7 +5470,7 @@
           </a:prstGeom>
           <a:extLst>
             <a:ext uri="{C572A759-6A51-4108-AA02-DFA0A04FC94B}">
-              <ma14:wrappingTextBoxFlag xmlns="" xmlns:m="http://schemas.openxmlformats.org/officeDocument/2006/math" xmlns:a14="http://schemas.microsoft.com/office/drawing/2010/main" xmlns:ma14="http://schemas.microsoft.com/office/mac/drawingml/2011/main" val="1"/>
+              <ma14:wrappingTextBoxFlag xmlns:ma14="http://schemas.microsoft.com/office/mac/drawingml/2011/main" xmlns:a14="http://schemas.microsoft.com/office/drawing/2010/main" xmlns:m="http://schemas.openxmlformats.org/officeDocument/2006/math" xmlns="" val="1"/>
             </a:ext>
           </a:extLst>
         </p:spPr>
@@ -5278,7 +5706,7 @@
   <p:clrMapOvr>
     <a:masterClrMapping/>
   </p:clrMapOvr>
-  <p:transition spd="med" advTm="11167"/>
+  <p:transition spd="med"/>
 </p:sld>
 </file>
 
@@ -5346,7 +5774,7 @@
           </a:prstGeom>
           <a:extLst>
             <a:ext uri="{C572A759-6A51-4108-AA02-DFA0A04FC94B}">
-              <ma14:wrappingTextBoxFlag xmlns="" xmlns:m="http://schemas.openxmlformats.org/officeDocument/2006/math" xmlns:a14="http://schemas.microsoft.com/office/drawing/2010/main" xmlns:ma14="http://schemas.microsoft.com/office/mac/drawingml/2011/main" val="1"/>
+              <ma14:wrappingTextBoxFlag xmlns:ma14="http://schemas.microsoft.com/office/mac/drawingml/2011/main" xmlns:a14="http://schemas.microsoft.com/office/drawing/2010/main" xmlns:m="http://schemas.openxmlformats.org/officeDocument/2006/math" xmlns="" val="1"/>
             </a:ext>
           </a:extLst>
         </p:spPr>
@@ -5499,7 +5927,7 @@
   <p:clrMapOvr>
     <a:masterClrMapping/>
   </p:clrMapOvr>
-  <p:transition spd="med" advTm="47251"/>
+  <p:transition spd="med"/>
 </p:sld>
 </file>
 
@@ -5563,7 +5991,7 @@
           </a:prstGeom>
           <a:extLst>
             <a:ext uri="{C572A759-6A51-4108-AA02-DFA0A04FC94B}">
-              <ma14:wrappingTextBoxFlag xmlns="" xmlns:m="http://schemas.openxmlformats.org/officeDocument/2006/math" xmlns:a14="http://schemas.microsoft.com/office/drawing/2010/main" xmlns:ma14="http://schemas.microsoft.com/office/mac/drawingml/2011/main" val="1"/>
+              <ma14:wrappingTextBoxFlag xmlns:ma14="http://schemas.microsoft.com/office/mac/drawingml/2011/main" xmlns:a14="http://schemas.microsoft.com/office/drawing/2010/main" xmlns:m="http://schemas.openxmlformats.org/officeDocument/2006/math" xmlns="" val="1"/>
             </a:ext>
           </a:extLst>
         </p:spPr>
@@ -5710,7 +6138,261 @@
   <p:clrMapOvr>
     <a:masterClrMapping/>
   </p:clrMapOvr>
-  <p:transition spd="med" advTm="42549"/>
+  <p:transition spd="med"/>
+  <p:timing>
+    <p:tnLst>
+      <p:par>
+        <p:cTn id="1" dur="indefinite" restart="never" nodeType="tmRoot">
+          <p:childTnLst>
+            <p:seq concurrent="1" nextAc="seek">
+              <p:cTn id="2" dur="indefinite" nodeType="mainSeq">
+                <p:childTnLst>
+                  <p:par>
+                    <p:cTn id="3" fill="hold">
+                      <p:stCondLst>
+                        <p:cond delay="indefinite"/>
+                      </p:stCondLst>
+                      <p:childTnLst>
+                        <p:par>
+                          <p:cTn id="4" fill="hold">
+                            <p:stCondLst>
+                              <p:cond delay="0"/>
+                            </p:stCondLst>
+                            <p:childTnLst>
+                              <p:par>
+                                <p:cTn id="5" presetID="1" presetClass="entr" presetSubtype="0" fill="hold" grpId="0" nodeType="clickEffect">
+                                  <p:stCondLst>
+                                    <p:cond delay="0"/>
+                                  </p:stCondLst>
+                                  <p:childTnLst>
+                                    <p:set>
+                                      <p:cBhvr>
+                                        <p:cTn id="6" dur="1" fill="hold">
+                                          <p:stCondLst>
+                                            <p:cond delay="0"/>
+                                          </p:stCondLst>
+                                        </p:cTn>
+                                        <p:tgtEl>
+                                          <p:spTgt spid="174">
+                                            <p:txEl>
+                                              <p:pRg st="0" end="0"/>
+                                            </p:txEl>
+                                          </p:spTgt>
+                                        </p:tgtEl>
+                                        <p:attrNameLst>
+                                          <p:attrName>style.visibility</p:attrName>
+                                        </p:attrNameLst>
+                                      </p:cBhvr>
+                                      <p:to>
+                                        <p:strVal val="visible"/>
+                                      </p:to>
+                                    </p:set>
+                                  </p:childTnLst>
+                                </p:cTn>
+                              </p:par>
+                            </p:childTnLst>
+                          </p:cTn>
+                        </p:par>
+                      </p:childTnLst>
+                    </p:cTn>
+                  </p:par>
+                  <p:par>
+                    <p:cTn id="7" fill="hold">
+                      <p:stCondLst>
+                        <p:cond delay="indefinite"/>
+                      </p:stCondLst>
+                      <p:childTnLst>
+                        <p:par>
+                          <p:cTn id="8" fill="hold">
+                            <p:stCondLst>
+                              <p:cond delay="0"/>
+                            </p:stCondLst>
+                            <p:childTnLst>
+                              <p:par>
+                                <p:cTn id="9" presetID="1" presetClass="entr" presetSubtype="0" fill="hold" grpId="0" nodeType="clickEffect">
+                                  <p:stCondLst>
+                                    <p:cond delay="0"/>
+                                  </p:stCondLst>
+                                  <p:childTnLst>
+                                    <p:set>
+                                      <p:cBhvr>
+                                        <p:cTn id="10" dur="1" fill="hold">
+                                          <p:stCondLst>
+                                            <p:cond delay="0"/>
+                                          </p:stCondLst>
+                                        </p:cTn>
+                                        <p:tgtEl>
+                                          <p:spTgt spid="175">
+                                            <p:bg/>
+                                          </p:spTgt>
+                                        </p:tgtEl>
+                                        <p:attrNameLst>
+                                          <p:attrName>style.visibility</p:attrName>
+                                        </p:attrNameLst>
+                                      </p:cBhvr>
+                                      <p:to>
+                                        <p:strVal val="visible"/>
+                                      </p:to>
+                                    </p:set>
+                                  </p:childTnLst>
+                                </p:cTn>
+                              </p:par>
+                              <p:par>
+                                <p:cTn id="11" presetID="1" presetClass="entr" presetSubtype="0" fill="hold" grpId="0" nodeType="withEffect">
+                                  <p:stCondLst>
+                                    <p:cond delay="0"/>
+                                  </p:stCondLst>
+                                  <p:childTnLst>
+                                    <p:set>
+                                      <p:cBhvr>
+                                        <p:cTn id="12" dur="1" fill="hold">
+                                          <p:stCondLst>
+                                            <p:cond delay="0"/>
+                                          </p:stCondLst>
+                                        </p:cTn>
+                                        <p:tgtEl>
+                                          <p:spTgt spid="175">
+                                            <p:txEl>
+                                              <p:pRg st="0" end="0"/>
+                                            </p:txEl>
+                                          </p:spTgt>
+                                        </p:tgtEl>
+                                        <p:attrNameLst>
+                                          <p:attrName>style.visibility</p:attrName>
+                                        </p:attrNameLst>
+                                      </p:cBhvr>
+                                      <p:to>
+                                        <p:strVal val="visible"/>
+                                      </p:to>
+                                    </p:set>
+                                  </p:childTnLst>
+                                </p:cTn>
+                              </p:par>
+                              <p:par>
+                                <p:cTn id="13" presetID="1" presetClass="entr" presetSubtype="0" fill="hold" grpId="0" nodeType="withEffect">
+                                  <p:stCondLst>
+                                    <p:cond delay="0"/>
+                                  </p:stCondLst>
+                                  <p:childTnLst>
+                                    <p:set>
+                                      <p:cBhvr>
+                                        <p:cTn id="14" dur="1" fill="hold">
+                                          <p:stCondLst>
+                                            <p:cond delay="0"/>
+                                          </p:stCondLst>
+                                        </p:cTn>
+                                        <p:tgtEl>
+                                          <p:spTgt spid="175">
+                                            <p:txEl>
+                                              <p:pRg st="1" end="1"/>
+                                            </p:txEl>
+                                          </p:spTgt>
+                                        </p:tgtEl>
+                                        <p:attrNameLst>
+                                          <p:attrName>style.visibility</p:attrName>
+                                        </p:attrNameLst>
+                                      </p:cBhvr>
+                                      <p:to>
+                                        <p:strVal val="visible"/>
+                                      </p:to>
+                                    </p:set>
+                                  </p:childTnLst>
+                                </p:cTn>
+                              </p:par>
+                              <p:par>
+                                <p:cTn id="15" presetID="1" presetClass="entr" presetSubtype="0" fill="hold" grpId="0" nodeType="withEffect">
+                                  <p:stCondLst>
+                                    <p:cond delay="0"/>
+                                  </p:stCondLst>
+                                  <p:childTnLst>
+                                    <p:set>
+                                      <p:cBhvr>
+                                        <p:cTn id="16" dur="1" fill="hold">
+                                          <p:stCondLst>
+                                            <p:cond delay="0"/>
+                                          </p:stCondLst>
+                                        </p:cTn>
+                                        <p:tgtEl>
+                                          <p:spTgt spid="175">
+                                            <p:txEl>
+                                              <p:pRg st="2" end="2"/>
+                                            </p:txEl>
+                                          </p:spTgt>
+                                        </p:tgtEl>
+                                        <p:attrNameLst>
+                                          <p:attrName>style.visibility</p:attrName>
+                                        </p:attrNameLst>
+                                      </p:cBhvr>
+                                      <p:to>
+                                        <p:strVal val="visible"/>
+                                      </p:to>
+                                    </p:set>
+                                  </p:childTnLst>
+                                </p:cTn>
+                              </p:par>
+                              <p:par>
+                                <p:cTn id="17" presetID="1" presetClass="entr" presetSubtype="0" fill="hold" grpId="0" nodeType="withEffect">
+                                  <p:stCondLst>
+                                    <p:cond delay="0"/>
+                                  </p:stCondLst>
+                                  <p:childTnLst>
+                                    <p:set>
+                                      <p:cBhvr>
+                                        <p:cTn id="18" dur="1" fill="hold">
+                                          <p:stCondLst>
+                                            <p:cond delay="0"/>
+                                          </p:stCondLst>
+                                        </p:cTn>
+                                        <p:tgtEl>
+                                          <p:spTgt spid="175">
+                                            <p:txEl>
+                                              <p:pRg st="3" end="3"/>
+                                            </p:txEl>
+                                          </p:spTgt>
+                                        </p:tgtEl>
+                                        <p:attrNameLst>
+                                          <p:attrName>style.visibility</p:attrName>
+                                        </p:attrNameLst>
+                                      </p:cBhvr>
+                                      <p:to>
+                                        <p:strVal val="visible"/>
+                                      </p:to>
+                                    </p:set>
+                                  </p:childTnLst>
+                                </p:cTn>
+                              </p:par>
+                            </p:childTnLst>
+                          </p:cTn>
+                        </p:par>
+                      </p:childTnLst>
+                    </p:cTn>
+                  </p:par>
+                </p:childTnLst>
+              </p:cTn>
+              <p:prevCondLst>
+                <p:cond evt="onPrev" delay="0">
+                  <p:tgtEl>
+                    <p:sldTgt/>
+                  </p:tgtEl>
+                </p:cond>
+              </p:prevCondLst>
+              <p:nextCondLst>
+                <p:cond evt="onNext" delay="0">
+                  <p:tgtEl>
+                    <p:sldTgt/>
+                  </p:tgtEl>
+                </p:cond>
+              </p:nextCondLst>
+            </p:seq>
+          </p:childTnLst>
+        </p:cTn>
+      </p:par>
+    </p:tnLst>
+    <p:bldLst>
+      <p:bldP spid="174" grpId="0" uiExpand="1" build="p"/>
+      <p:bldP spid="175" grpId="0" uiExpand="1" build="p" animBg="1"/>
+    </p:bldLst>
+  </p:timing>
 </p:sld>
 </file>
 
@@ -5774,7 +6456,7 @@
           </a:prstGeom>
           <a:extLst>
             <a:ext uri="{C572A759-6A51-4108-AA02-DFA0A04FC94B}">
-              <ma14:wrappingTextBoxFlag xmlns="" xmlns:m="http://schemas.openxmlformats.org/officeDocument/2006/math" xmlns:a14="http://schemas.microsoft.com/office/drawing/2010/main" xmlns:ma14="http://schemas.microsoft.com/office/mac/drawingml/2011/main" val="1"/>
+              <ma14:wrappingTextBoxFlag xmlns:ma14="http://schemas.microsoft.com/office/mac/drawingml/2011/main" xmlns:a14="http://schemas.microsoft.com/office/drawing/2010/main" xmlns:m="http://schemas.openxmlformats.org/officeDocument/2006/math" xmlns="" val="1"/>
             </a:ext>
           </a:extLst>
         </p:spPr>
@@ -6047,7 +6729,7 @@
   <p:clrMapOvr>
     <a:masterClrMapping/>
   </p:clrMapOvr>
-  <p:transition spd="med" advTm="62974"/>
+  <p:transition spd="med"/>
 </p:sld>
 </file>
 
@@ -6111,7 +6793,7 @@
           </a:prstGeom>
           <a:extLst>
             <a:ext uri="{C572A759-6A51-4108-AA02-DFA0A04FC94B}">
-              <ma14:wrappingTextBoxFlag xmlns="" xmlns:m="http://schemas.openxmlformats.org/officeDocument/2006/math" xmlns:a14="http://schemas.microsoft.com/office/drawing/2010/main" xmlns:ma14="http://schemas.microsoft.com/office/mac/drawingml/2011/main" val="1"/>
+              <ma14:wrappingTextBoxFlag xmlns:ma14="http://schemas.microsoft.com/office/mac/drawingml/2011/main" xmlns:a14="http://schemas.microsoft.com/office/drawing/2010/main" xmlns:m="http://schemas.openxmlformats.org/officeDocument/2006/math" xmlns="" val="1"/>
             </a:ext>
           </a:extLst>
         </p:spPr>
@@ -6220,28 +6902,6 @@
             <a:endParaRPr lang="en-US" dirty="0"/>
           </a:p>
           <a:p>
-            <a:r>
-              <a:rPr lang="en-US" b="1" dirty="0"/>
-              <a:t>High-performance, responsive </a:t>
-            </a:r>
-            <a:r>
-              <a:rPr lang="en-US" dirty="0"/>
-              <a:t>web 3.0 user interface with </a:t>
-            </a:r>
-            <a:r>
-              <a:rPr lang="en-US" b="1" dirty="0"/>
-              <a:t>MetaMask</a:t>
-            </a:r>
-            <a:r>
-              <a:rPr lang="en-US" dirty="0"/>
-              <a:t> wallet integration </a:t>
-            </a:r>
-            <a:r>
-              <a:rPr lang="en-US" sz="3000" dirty="0"/>
-              <a:t>[Figure 3]</a:t>
-            </a:r>
-          </a:p>
-          <a:p>
             <a:pPr marL="609600" marR="0" lvl="0" indent="-609600" algn="l" defTabSz="2438338" rtl="0" eaLnBrk="1" fontAlgn="auto" latinLnBrk="0" hangingPunct="1">
               <a:lnSpc>
                 <a:spcPct val="90000"/>
@@ -6289,8 +6949,46 @@
                 <a:latin typeface="Helvetica Neue"/>
                 <a:sym typeface="Helvetica Neue"/>
               </a:rPr>
-              <a:t>[Figure 4]</a:t>
-            </a:r>
+              <a:t>[Figure 3]</a:t>
+            </a:r>
+          </a:p>
+          <a:p>
+            <a:pPr>
+              <a:defRPr/>
+            </a:pPr>
+            <a:r>
+              <a:rPr lang="en-US" b="1" dirty="0"/>
+              <a:t>High-performance, responsive </a:t>
+            </a:r>
+            <a:r>
+              <a:rPr lang="en-US" dirty="0"/>
+              <a:t>web 3.0 user interface with </a:t>
+            </a:r>
+            <a:r>
+              <a:rPr lang="en-US" b="1" dirty="0"/>
+              <a:t>MetaMask</a:t>
+            </a:r>
+            <a:r>
+              <a:rPr lang="en-US" dirty="0"/>
+              <a:t> wallet integration </a:t>
+            </a:r>
+            <a:r>
+              <a:rPr lang="en-US" sz="3000" dirty="0"/>
+              <a:t>[Figure 3]</a:t>
+            </a:r>
+            <a:endParaRPr kumimoji="0" lang="en-US" sz="3000" b="0" i="0" u="none" strike="noStrike" kern="0" cap="none" spc="0" normalizeH="0" baseline="0" noProof="0" dirty="0">
+              <a:ln>
+                <a:noFill/>
+              </a:ln>
+              <a:solidFill>
+                <a:srgbClr val="000000"/>
+              </a:solidFill>
+              <a:effectLst/>
+              <a:uLnTx/>
+              <a:uFillTx/>
+              <a:latin typeface="Helvetica Neue"/>
+              <a:sym typeface="Helvetica Neue"/>
+            </a:endParaRPr>
           </a:p>
           <a:p>
             <a:pPr>
@@ -6427,7 +7125,7 @@
   <p:clrMapOvr>
     <a:masterClrMapping/>
   </p:clrMapOvr>
-  <p:transition spd="med" advTm="247770"/>
+  <p:transition spd="med"/>
 </p:sld>
 </file>
 
@@ -6491,7 +7189,7 @@
           </a:prstGeom>
           <a:extLst>
             <a:ext uri="{C572A759-6A51-4108-AA02-DFA0A04FC94B}">
-              <ma14:wrappingTextBoxFlag xmlns="" xmlns:m="http://schemas.openxmlformats.org/officeDocument/2006/math" xmlns:a14="http://schemas.microsoft.com/office/drawing/2010/main" xmlns:ma14="http://schemas.microsoft.com/office/mac/drawingml/2011/main" val="1"/>
+              <ma14:wrappingTextBoxFlag xmlns:ma14="http://schemas.microsoft.com/office/mac/drawingml/2011/main" xmlns:a14="http://schemas.microsoft.com/office/drawing/2010/main" xmlns:m="http://schemas.openxmlformats.org/officeDocument/2006/math" xmlns="" val="1"/>
             </a:ext>
           </a:extLst>
         </p:spPr>
@@ -6611,7 +7309,7 @@
   <p:clrMapOvr>
     <a:masterClrMapping/>
   </p:clrMapOvr>
-  <p:transition spd="med" advTm="41"/>
+  <p:transition spd="med"/>
   <p:timing>
     <p:tnLst>
       <p:par>

--- a/docs/GlassCasinoFinalOral.pptx
+++ b/docs/GlassCasinoFinalOral.pptx
@@ -21,7 +21,7 @@
     <p:sldId id="270" r:id="rId9"/>
   </p:sldIdLst>
   <p:sldSz cx="24384000" cy="13716000"/>
-  <p:notesSz cx="6888163" cy="10020300"/>
+  <p:notesSz cx="10020300" cy="6888163"/>
   <p:defaultTextStyle>
     <a:defPPr marL="0" marR="0" indent="0" algn="l" defTabSz="914400" rtl="0" fontAlgn="auto" latinLnBrk="1" hangingPunct="0">
       <a:lnSpc>
@@ -383,7 +383,7 @@
         <p:spPr>
           <a:xfrm>
             <a:off x="0" y="0"/>
-            <a:ext cx="2984871" cy="502755"/>
+            <a:ext cx="4342131" cy="345604"/>
           </a:xfrm>
           <a:prstGeom prst="rect">
             <a:avLst/>
@@ -419,8 +419,8 @@
         </p:nvSpPr>
         <p:spPr>
           <a:xfrm>
-            <a:off x="3901698" y="0"/>
-            <a:ext cx="2984871" cy="502755"/>
+            <a:off x="5675851" y="0"/>
+            <a:ext cx="4342131" cy="345604"/>
           </a:xfrm>
           <a:prstGeom prst="rect">
             <a:avLst/>
@@ -436,7 +436,7 @@
           <a:p>
             <a:fld id="{103E0F31-B0C9-4640-BA44-98E469742BC4}" type="datetimeFigureOut">
               <a:rPr lang="en-US" smtClean="0"/>
-              <a:t>4/28/2022</a:t>
+              <a:t>4/29/2022</a:t>
             </a:fld>
             <a:endParaRPr lang="en-US" dirty="0"/>
           </a:p>
@@ -460,8 +460,8 @@
         </p:nvSpPr>
         <p:spPr>
           <a:xfrm>
-            <a:off x="0" y="9517547"/>
-            <a:ext cx="2984871" cy="502754"/>
+            <a:off x="0" y="6542560"/>
+            <a:ext cx="4342131" cy="345604"/>
           </a:xfrm>
           <a:prstGeom prst="rect">
             <a:avLst/>
@@ -497,8 +497,8 @@
         </p:nvSpPr>
         <p:spPr>
           <a:xfrm>
-            <a:off x="3901698" y="9517547"/>
-            <a:ext cx="2984871" cy="502754"/>
+            <a:off x="5675851" y="6542560"/>
+            <a:ext cx="4342131" cy="345604"/>
           </a:xfrm>
           <a:prstGeom prst="rect">
             <a:avLst/>
@@ -565,8 +565,8 @@
         </p:nvSpPr>
         <p:spPr>
           <a:xfrm>
-            <a:off x="104775" y="750888"/>
-            <a:ext cx="6678613" cy="3757612"/>
+            <a:off x="2714625" y="515938"/>
+            <a:ext cx="4591050" cy="2582862"/>
           </a:xfrm>
           <a:prstGeom prst="rect">
             <a:avLst/>
@@ -592,8 +592,8 @@
         </p:nvSpPr>
         <p:spPr>
           <a:xfrm>
-            <a:off x="918422" y="4759643"/>
-            <a:ext cx="5051320" cy="4509135"/>
+            <a:off x="1336040" y="3271878"/>
+            <a:ext cx="7348221" cy="3099673"/>
           </a:xfrm>
           <a:prstGeom prst="rect">
             <a:avLst/>
@@ -743,8 +743,8 @@
         </p:nvSpPr>
         <p:spPr>
           <a:xfrm>
-            <a:off x="104775" y="750888"/>
-            <a:ext cx="6678613" cy="3757612"/>
+            <a:off x="2714625" y="515938"/>
+            <a:ext cx="4591050" cy="2582862"/>
           </a:xfrm>
           <a:prstGeom prst="rect">
             <a:avLst/>
@@ -849,8 +849,8 @@
         </p:nvSpPr>
         <p:spPr>
           <a:xfrm>
-            <a:off x="104775" y="750888"/>
-            <a:ext cx="6678613" cy="3757612"/>
+            <a:off x="2714625" y="515938"/>
+            <a:ext cx="4591050" cy="2582862"/>
           </a:xfrm>
           <a:prstGeom prst="rect">
             <a:avLst/>
@@ -1003,8 +1003,8 @@
         </p:nvSpPr>
         <p:spPr>
           <a:xfrm>
-            <a:off x="104775" y="750888"/>
-            <a:ext cx="6678613" cy="3757612"/>
+            <a:off x="2714625" y="515938"/>
+            <a:ext cx="4591050" cy="2582862"/>
           </a:xfrm>
           <a:prstGeom prst="rect">
             <a:avLst/>
@@ -1147,8 +1147,8 @@
         </p:nvSpPr>
         <p:spPr>
           <a:xfrm>
-            <a:off x="104775" y="750888"/>
-            <a:ext cx="6678613" cy="3757612"/>
+            <a:off x="2714625" y="515938"/>
+            <a:ext cx="4591050" cy="2582862"/>
           </a:xfrm>
           <a:prstGeom prst="rect">
             <a:avLst/>
@@ -1273,8 +1273,8 @@
         </p:nvSpPr>
         <p:spPr>
           <a:xfrm>
-            <a:off x="104775" y="750888"/>
-            <a:ext cx="6678613" cy="3757612"/>
+            <a:off x="2714625" y="515938"/>
+            <a:ext cx="4591050" cy="2582862"/>
           </a:xfrm>
           <a:prstGeom prst="rect">
             <a:avLst/>
@@ -1555,8 +1555,8 @@
         </p:nvSpPr>
         <p:spPr>
           <a:xfrm>
-            <a:off x="104775" y="750888"/>
-            <a:ext cx="6678613" cy="3757612"/>
+            <a:off x="2714625" y="515938"/>
+            <a:ext cx="4591050" cy="2582862"/>
           </a:xfrm>
           <a:prstGeom prst="rect">
             <a:avLst/>
@@ -1774,8 +1774,8 @@
         </p:nvSpPr>
         <p:spPr>
           <a:xfrm>
-            <a:off x="104775" y="750888"/>
-            <a:ext cx="6678613" cy="3757612"/>
+            <a:off x="2714625" y="515938"/>
+            <a:ext cx="4591050" cy="2582862"/>
           </a:xfrm>
           <a:prstGeom prst="rect">
             <a:avLst/>
@@ -2125,8 +2125,8 @@
         </p:nvSpPr>
         <p:spPr>
           <a:xfrm>
-            <a:off x="104775" y="750888"/>
-            <a:ext cx="6678613" cy="3757612"/>
+            <a:off x="2714625" y="515938"/>
+            <a:ext cx="4591050" cy="2582862"/>
           </a:xfrm>
         </p:spPr>
       </p:sp>
@@ -2373,7 +2373,7 @@
           </a:ln>
           <a:extLst>
             <a:ext uri="{C572A759-6A51-4108-AA02-DFA0A04FC94B}">
-              <ma14:wrappingTextBoxFlag xmlns:ma14="http://schemas.microsoft.com/office/mac/drawingml/2011/main" xmlns:a14="http://schemas.microsoft.com/office/drawing/2010/main" xmlns:m="http://schemas.openxmlformats.org/officeDocument/2006/math" xmlns="" val="1"/>
+              <ma14:wrappingTextBoxFlag xmlns="" xmlns:m="http://schemas.openxmlformats.org/officeDocument/2006/math" xmlns:a14="http://schemas.microsoft.com/office/drawing/2010/main" xmlns:ma14="http://schemas.microsoft.com/office/mac/drawingml/2011/main" val="1"/>
             </a:ext>
           </a:extLst>
         </p:spPr>
@@ -4586,7 +4586,7 @@
           </a:ln>
           <a:extLst>
             <a:ext uri="{C572A759-6A51-4108-AA02-DFA0A04FC94B}">
-              <ma14:wrappingTextBoxFlag xmlns:ma14="http://schemas.microsoft.com/office/mac/drawingml/2011/main" xmlns:a14="http://schemas.microsoft.com/office/drawing/2010/main" xmlns:m="http://schemas.openxmlformats.org/officeDocument/2006/math" xmlns="" val="1"/>
+              <ma14:wrappingTextBoxFlag xmlns="" xmlns:m="http://schemas.openxmlformats.org/officeDocument/2006/math" xmlns:a14="http://schemas.microsoft.com/office/drawing/2010/main" xmlns:ma14="http://schemas.microsoft.com/office/mac/drawingml/2011/main" val="1"/>
             </a:ext>
           </a:extLst>
         </p:spPr>
@@ -4625,7 +4625,7 @@
           </a:ln>
           <a:extLst>
             <a:ext uri="{C572A759-6A51-4108-AA02-DFA0A04FC94B}">
-              <ma14:wrappingTextBoxFlag xmlns:ma14="http://schemas.microsoft.com/office/mac/drawingml/2011/main" xmlns:a14="http://schemas.microsoft.com/office/drawing/2010/main" xmlns:m="http://schemas.openxmlformats.org/officeDocument/2006/math" xmlns="" val="1"/>
+              <ma14:wrappingTextBoxFlag xmlns="" xmlns:m="http://schemas.openxmlformats.org/officeDocument/2006/math" xmlns:a14="http://schemas.microsoft.com/office/drawing/2010/main" xmlns:ma14="http://schemas.microsoft.com/office/mac/drawingml/2011/main" val="1"/>
             </a:ext>
           </a:extLst>
         </p:spPr>
@@ -5470,7 +5470,7 @@
           </a:prstGeom>
           <a:extLst>
             <a:ext uri="{C572A759-6A51-4108-AA02-DFA0A04FC94B}">
-              <ma14:wrappingTextBoxFlag xmlns:ma14="http://schemas.microsoft.com/office/mac/drawingml/2011/main" xmlns:a14="http://schemas.microsoft.com/office/drawing/2010/main" xmlns:m="http://schemas.openxmlformats.org/officeDocument/2006/math" xmlns="" val="1"/>
+              <ma14:wrappingTextBoxFlag xmlns="" xmlns:m="http://schemas.openxmlformats.org/officeDocument/2006/math" xmlns:a14="http://schemas.microsoft.com/office/drawing/2010/main" xmlns:ma14="http://schemas.microsoft.com/office/mac/drawingml/2011/main" val="1"/>
             </a:ext>
           </a:extLst>
         </p:spPr>
@@ -5747,12 +5747,8 @@
           <a:lstStyle/>
           <a:p>
             <a:r>
-              <a:rPr dirty="0"/>
-              <a:t>The Problem</a:t>
-            </a:r>
-            <a:r>
               <a:rPr lang="en-US" dirty="0"/>
-              <a:t> to be Solved</a:t>
+              <a:t>Motivation</a:t>
             </a:r>
             <a:endParaRPr dirty="0"/>
           </a:p>
@@ -5774,7 +5770,7 @@
           </a:prstGeom>
           <a:extLst>
             <a:ext uri="{C572A759-6A51-4108-AA02-DFA0A04FC94B}">
-              <ma14:wrappingTextBoxFlag xmlns:ma14="http://schemas.microsoft.com/office/mac/drawingml/2011/main" xmlns:a14="http://schemas.microsoft.com/office/drawing/2010/main" xmlns:m="http://schemas.openxmlformats.org/officeDocument/2006/math" xmlns="" val="1"/>
+              <ma14:wrappingTextBoxFlag xmlns="" xmlns:m="http://schemas.openxmlformats.org/officeDocument/2006/math" xmlns:a14="http://schemas.microsoft.com/office/drawing/2010/main" xmlns:ma14="http://schemas.microsoft.com/office/mac/drawingml/2011/main" val="1"/>
             </a:ext>
           </a:extLst>
         </p:spPr>
@@ -5786,6 +5782,11 @@
               <a:rPr dirty="0"/>
               <a:t>Lack of transparency and reliance on blind trust</a:t>
             </a:r>
+            <a:r>
+              <a:rPr lang="en-US" dirty="0"/>
+              <a:t> in iGaming</a:t>
+            </a:r>
+            <a:endParaRPr dirty="0"/>
           </a:p>
         </p:txBody>
       </p:sp>
@@ -5991,7 +5992,7 @@
           </a:prstGeom>
           <a:extLst>
             <a:ext uri="{C572A759-6A51-4108-AA02-DFA0A04FC94B}">
-              <ma14:wrappingTextBoxFlag xmlns:ma14="http://schemas.microsoft.com/office/mac/drawingml/2011/main" xmlns:a14="http://schemas.microsoft.com/office/drawing/2010/main" xmlns:m="http://schemas.openxmlformats.org/officeDocument/2006/math" xmlns="" val="1"/>
+              <ma14:wrappingTextBoxFlag xmlns="" xmlns:m="http://schemas.openxmlformats.org/officeDocument/2006/math" xmlns:a14="http://schemas.microsoft.com/office/drawing/2010/main" xmlns:ma14="http://schemas.microsoft.com/office/mac/drawingml/2011/main" val="1"/>
             </a:ext>
           </a:extLst>
         </p:spPr>
@@ -6110,7 +6111,11 @@
             </a:r>
             <a:r>
               <a:rPr dirty="0" err="1"/>
-              <a:t>contr</a:t>
+              <a:t>cont</a:t>
+            </a:r>
+            <a:r>
+              <a:rPr lang="en-US" dirty="0" err="1"/>
+              <a:t>r</a:t>
             </a:r>
             <a:r>
               <a:rPr lang="en-GB" dirty="0"/>
@@ -6456,7 +6461,7 @@
           </a:prstGeom>
           <a:extLst>
             <a:ext uri="{C572A759-6A51-4108-AA02-DFA0A04FC94B}">
-              <ma14:wrappingTextBoxFlag xmlns:ma14="http://schemas.microsoft.com/office/mac/drawingml/2011/main" xmlns:a14="http://schemas.microsoft.com/office/drawing/2010/main" xmlns:m="http://schemas.openxmlformats.org/officeDocument/2006/math" xmlns="" val="1"/>
+              <ma14:wrappingTextBoxFlag xmlns="" xmlns:m="http://schemas.openxmlformats.org/officeDocument/2006/math" xmlns:a14="http://schemas.microsoft.com/office/drawing/2010/main" xmlns:ma14="http://schemas.microsoft.com/office/mac/drawingml/2011/main" val="1"/>
             </a:ext>
           </a:extLst>
         </p:spPr>
@@ -6793,7 +6798,7 @@
           </a:prstGeom>
           <a:extLst>
             <a:ext uri="{C572A759-6A51-4108-AA02-DFA0A04FC94B}">
-              <ma14:wrappingTextBoxFlag xmlns:ma14="http://schemas.microsoft.com/office/mac/drawingml/2011/main" xmlns:a14="http://schemas.microsoft.com/office/drawing/2010/main" xmlns:m="http://schemas.openxmlformats.org/officeDocument/2006/math" xmlns="" val="1"/>
+              <ma14:wrappingTextBoxFlag xmlns="" xmlns:m="http://schemas.openxmlformats.org/officeDocument/2006/math" xmlns:a14="http://schemas.microsoft.com/office/drawing/2010/main" xmlns:ma14="http://schemas.microsoft.com/office/mac/drawingml/2011/main" val="1"/>
             </a:ext>
           </a:extLst>
         </p:spPr>
@@ -7189,7 +7194,7 @@
           </a:prstGeom>
           <a:extLst>
             <a:ext uri="{C572A759-6A51-4108-AA02-DFA0A04FC94B}">
-              <ma14:wrappingTextBoxFlag xmlns:ma14="http://schemas.microsoft.com/office/mac/drawingml/2011/main" xmlns:a14="http://schemas.microsoft.com/office/drawing/2010/main" xmlns:m="http://schemas.openxmlformats.org/officeDocument/2006/math" xmlns="" val="1"/>
+              <ma14:wrappingTextBoxFlag xmlns="" xmlns:m="http://schemas.openxmlformats.org/officeDocument/2006/math" xmlns:a14="http://schemas.microsoft.com/office/drawing/2010/main" xmlns:ma14="http://schemas.microsoft.com/office/mac/drawingml/2011/main" val="1"/>
             </a:ext>
           </a:extLst>
         </p:spPr>

--- a/docs/GlassCasinoFinalOral.pptx
+++ b/docs/GlassCasinoFinalOral.pptx
@@ -436,7 +436,7 @@
           <a:p>
             <a:fld id="{103E0F31-B0C9-4640-BA44-98E469742BC4}" type="datetimeFigureOut">
               <a:rPr lang="en-US" smtClean="0"/>
-              <a:t>4/29/2022</a:t>
+              <a:t>5/1/2022</a:t>
             </a:fld>
             <a:endParaRPr lang="en-US" dirty="0"/>
           </a:p>
@@ -798,7 +798,7 @@
           <a:p>
             <a:r>
               <a:rPr lang="en-US" b="0" dirty="0"/>
-              <a:t>These slides are going to give a general overview of the project including defining the problem, giving solution objectives and achievements. Then, lastly followed by its results.</a:t>
+              <a:t>These slides are going to give a general overview of the project including its motivation, objectives, achievements and lastly, its results.</a:t>
             </a:r>
           </a:p>
           <a:p>
@@ -2373,7 +2373,7 @@
           </a:ln>
           <a:extLst>
             <a:ext uri="{C572A759-6A51-4108-AA02-DFA0A04FC94B}">
-              <ma14:wrappingTextBoxFlag xmlns="" xmlns:m="http://schemas.openxmlformats.org/officeDocument/2006/math" xmlns:a14="http://schemas.microsoft.com/office/drawing/2010/main" xmlns:ma14="http://schemas.microsoft.com/office/mac/drawingml/2011/main" val="1"/>
+              <ma14:wrappingTextBoxFlag xmlns:ma14="http://schemas.microsoft.com/office/mac/drawingml/2011/main" xmlns:a14="http://schemas.microsoft.com/office/drawing/2010/main" xmlns:m="http://schemas.openxmlformats.org/officeDocument/2006/math" xmlns="" val="1"/>
             </a:ext>
           </a:extLst>
         </p:spPr>
@@ -4586,7 +4586,7 @@
           </a:ln>
           <a:extLst>
             <a:ext uri="{C572A759-6A51-4108-AA02-DFA0A04FC94B}">
-              <ma14:wrappingTextBoxFlag xmlns="" xmlns:m="http://schemas.openxmlformats.org/officeDocument/2006/math" xmlns:a14="http://schemas.microsoft.com/office/drawing/2010/main" xmlns:ma14="http://schemas.microsoft.com/office/mac/drawingml/2011/main" val="1"/>
+              <ma14:wrappingTextBoxFlag xmlns:ma14="http://schemas.microsoft.com/office/mac/drawingml/2011/main" xmlns:a14="http://schemas.microsoft.com/office/drawing/2010/main" xmlns:m="http://schemas.openxmlformats.org/officeDocument/2006/math" xmlns="" val="1"/>
             </a:ext>
           </a:extLst>
         </p:spPr>
@@ -4625,7 +4625,7 @@
           </a:ln>
           <a:extLst>
             <a:ext uri="{C572A759-6A51-4108-AA02-DFA0A04FC94B}">
-              <ma14:wrappingTextBoxFlag xmlns="" xmlns:m="http://schemas.openxmlformats.org/officeDocument/2006/math" xmlns:a14="http://schemas.microsoft.com/office/drawing/2010/main" xmlns:ma14="http://schemas.microsoft.com/office/mac/drawingml/2011/main" val="1"/>
+              <ma14:wrappingTextBoxFlag xmlns:ma14="http://schemas.microsoft.com/office/mac/drawingml/2011/main" xmlns:a14="http://schemas.microsoft.com/office/drawing/2010/main" xmlns:m="http://schemas.openxmlformats.org/officeDocument/2006/math" xmlns="" val="1"/>
             </a:ext>
           </a:extLst>
         </p:spPr>
@@ -5470,7 +5470,7 @@
           </a:prstGeom>
           <a:extLst>
             <a:ext uri="{C572A759-6A51-4108-AA02-DFA0A04FC94B}">
-              <ma14:wrappingTextBoxFlag xmlns="" xmlns:m="http://schemas.openxmlformats.org/officeDocument/2006/math" xmlns:a14="http://schemas.microsoft.com/office/drawing/2010/main" xmlns:ma14="http://schemas.microsoft.com/office/mac/drawingml/2011/main" val="1"/>
+              <ma14:wrappingTextBoxFlag xmlns:ma14="http://schemas.microsoft.com/office/mac/drawingml/2011/main" xmlns:a14="http://schemas.microsoft.com/office/drawing/2010/main" xmlns:m="http://schemas.openxmlformats.org/officeDocument/2006/math" xmlns="" val="1"/>
             </a:ext>
           </a:extLst>
         </p:spPr>
@@ -5770,7 +5770,7 @@
           </a:prstGeom>
           <a:extLst>
             <a:ext uri="{C572A759-6A51-4108-AA02-DFA0A04FC94B}">
-              <ma14:wrappingTextBoxFlag xmlns="" xmlns:m="http://schemas.openxmlformats.org/officeDocument/2006/math" xmlns:a14="http://schemas.microsoft.com/office/drawing/2010/main" xmlns:ma14="http://schemas.microsoft.com/office/mac/drawingml/2011/main" val="1"/>
+              <ma14:wrappingTextBoxFlag xmlns:ma14="http://schemas.microsoft.com/office/mac/drawingml/2011/main" xmlns:a14="http://schemas.microsoft.com/office/drawing/2010/main" xmlns:m="http://schemas.openxmlformats.org/officeDocument/2006/math" xmlns="" val="1"/>
             </a:ext>
           </a:extLst>
         </p:spPr>
@@ -5992,7 +5992,7 @@
           </a:prstGeom>
           <a:extLst>
             <a:ext uri="{C572A759-6A51-4108-AA02-DFA0A04FC94B}">
-              <ma14:wrappingTextBoxFlag xmlns="" xmlns:m="http://schemas.openxmlformats.org/officeDocument/2006/math" xmlns:a14="http://schemas.microsoft.com/office/drawing/2010/main" xmlns:ma14="http://schemas.microsoft.com/office/mac/drawingml/2011/main" val="1"/>
+              <ma14:wrappingTextBoxFlag xmlns:ma14="http://schemas.microsoft.com/office/mac/drawingml/2011/main" xmlns:a14="http://schemas.microsoft.com/office/drawing/2010/main" xmlns:m="http://schemas.openxmlformats.org/officeDocument/2006/math" xmlns="" val="1"/>
             </a:ext>
           </a:extLst>
         </p:spPr>
@@ -6461,7 +6461,7 @@
           </a:prstGeom>
           <a:extLst>
             <a:ext uri="{C572A759-6A51-4108-AA02-DFA0A04FC94B}">
-              <ma14:wrappingTextBoxFlag xmlns="" xmlns:m="http://schemas.openxmlformats.org/officeDocument/2006/math" xmlns:a14="http://schemas.microsoft.com/office/drawing/2010/main" xmlns:ma14="http://schemas.microsoft.com/office/mac/drawingml/2011/main" val="1"/>
+              <ma14:wrappingTextBoxFlag xmlns:ma14="http://schemas.microsoft.com/office/mac/drawingml/2011/main" xmlns:a14="http://schemas.microsoft.com/office/drawing/2010/main" xmlns:m="http://schemas.openxmlformats.org/officeDocument/2006/math" xmlns="" val="1"/>
             </a:ext>
           </a:extLst>
         </p:spPr>
@@ -6798,7 +6798,7 @@
           </a:prstGeom>
           <a:extLst>
             <a:ext uri="{C572A759-6A51-4108-AA02-DFA0A04FC94B}">
-              <ma14:wrappingTextBoxFlag xmlns="" xmlns:m="http://schemas.openxmlformats.org/officeDocument/2006/math" xmlns:a14="http://schemas.microsoft.com/office/drawing/2010/main" xmlns:ma14="http://schemas.microsoft.com/office/mac/drawingml/2011/main" val="1"/>
+              <ma14:wrappingTextBoxFlag xmlns:ma14="http://schemas.microsoft.com/office/mac/drawingml/2011/main" xmlns:a14="http://schemas.microsoft.com/office/drawing/2010/main" xmlns:m="http://schemas.openxmlformats.org/officeDocument/2006/math" xmlns="" val="1"/>
             </a:ext>
           </a:extLst>
         </p:spPr>
@@ -7194,7 +7194,7 @@
           </a:prstGeom>
           <a:extLst>
             <a:ext uri="{C572A759-6A51-4108-AA02-DFA0A04FC94B}">
-              <ma14:wrappingTextBoxFlag xmlns="" xmlns:m="http://schemas.openxmlformats.org/officeDocument/2006/math" xmlns:a14="http://schemas.microsoft.com/office/drawing/2010/main" xmlns:ma14="http://schemas.microsoft.com/office/mac/drawingml/2011/main" val="1"/>
+              <ma14:wrappingTextBoxFlag xmlns:ma14="http://schemas.microsoft.com/office/mac/drawingml/2011/main" xmlns:a14="http://schemas.microsoft.com/office/drawing/2010/main" xmlns:m="http://schemas.openxmlformats.org/officeDocument/2006/math" xmlns="" val="1"/>
             </a:ext>
           </a:extLst>
         </p:spPr>

--- a/docs/GlassCasinoFinalOral.pptx
+++ b/docs/GlassCasinoFinalOral.pptx
@@ -5,10 +5,10 @@
     <p:sldMasterId id="2147483648" r:id="rId1"/>
   </p:sldMasterIdLst>
   <p:notesMasterIdLst>
-    <p:notesMasterId r:id="rId10"/>
+    <p:notesMasterId r:id="rId14"/>
   </p:notesMasterIdLst>
   <p:handoutMasterIdLst>
-    <p:handoutMasterId r:id="rId11"/>
+    <p:handoutMasterId r:id="rId15"/>
   </p:handoutMasterIdLst>
   <p:sldIdLst>
     <p:sldId id="256" r:id="rId2"/>
@@ -16,9 +16,13 @@
     <p:sldId id="259" r:id="rId4"/>
     <p:sldId id="261" r:id="rId5"/>
     <p:sldId id="272" r:id="rId6"/>
-    <p:sldId id="274" r:id="rId7"/>
-    <p:sldId id="271" r:id="rId8"/>
-    <p:sldId id="270" r:id="rId9"/>
+    <p:sldId id="275" r:id="rId7"/>
+    <p:sldId id="278" r:id="rId8"/>
+    <p:sldId id="276" r:id="rId9"/>
+    <p:sldId id="277" r:id="rId10"/>
+    <p:sldId id="274" r:id="rId11"/>
+    <p:sldId id="271" r:id="rId12"/>
+    <p:sldId id="270" r:id="rId13"/>
   </p:sldIdLst>
   <p:sldSz cx="24384000" cy="13716000"/>
   <p:notesSz cx="10020300" cy="6888163"/>
@@ -436,7 +440,7 @@
           <a:p>
             <a:fld id="{103E0F31-B0C9-4640-BA44-98E469742BC4}" type="datetimeFigureOut">
               <a:rPr lang="en-US" smtClean="0"/>
-              <a:t>5/1/2022</a:t>
+              <a:t>5/2/2022</a:t>
             </a:fld>
             <a:endParaRPr lang="en-US" dirty="0"/>
           </a:p>
@@ -820,6 +824,642 @@
 </p:notes>
 </file>
 
+<file path=ppt/notesSlides/notesSlide10.xml><?xml version="1.0" encoding="utf-8"?>
+<p:notes xmlns:a="http://schemas.openxmlformats.org/drawingml/2006/main" xmlns:r="http://schemas.openxmlformats.org/officeDocument/2006/relationships" xmlns:p="http://schemas.openxmlformats.org/presentationml/2006/main">
+  <p:cSld>
+    <p:spTree>
+      <p:nvGrpSpPr>
+        <p:cNvPr id="1" name=""/>
+        <p:cNvGrpSpPr/>
+        <p:nvPr/>
+      </p:nvGrpSpPr>
+      <p:grpSpPr>
+        <a:xfrm>
+          <a:off x="0" y="0"/>
+          <a:ext cx="0" cy="0"/>
+          <a:chOff x="0" y="0"/>
+          <a:chExt cx="0" cy="0"/>
+        </a:xfrm>
+      </p:grpSpPr>
+      <p:sp>
+        <p:nvSpPr>
+          <p:cNvPr id="191" name="Shape 191"/>
+          <p:cNvSpPr>
+            <a:spLocks noGrp="1" noRot="1" noChangeAspect="1"/>
+          </p:cNvSpPr>
+          <p:nvPr>
+            <p:ph type="sldImg"/>
+          </p:nvPr>
+        </p:nvSpPr>
+        <p:spPr>
+          <a:xfrm>
+            <a:off x="2714625" y="515938"/>
+            <a:ext cx="4591050" cy="2582862"/>
+          </a:xfrm>
+          <a:prstGeom prst="rect">
+            <a:avLst/>
+          </a:prstGeom>
+        </p:spPr>
+        <p:txBody>
+          <a:bodyPr/>
+          <a:lstStyle/>
+          <a:p>
+            <a:endParaRPr dirty="0"/>
+          </a:p>
+        </p:txBody>
+      </p:sp>
+      <p:sp>
+        <p:nvSpPr>
+          <p:cNvPr id="192" name="Shape 192"/>
+          <p:cNvSpPr>
+            <a:spLocks noGrp="1"/>
+          </p:cNvSpPr>
+          <p:nvPr>
+            <p:ph type="body" sz="quarter" idx="1"/>
+          </p:nvPr>
+        </p:nvSpPr>
+        <p:spPr>
+          <a:prstGeom prst="rect">
+            <a:avLst/>
+          </a:prstGeom>
+        </p:spPr>
+        <p:txBody>
+          <a:bodyPr/>
+          <a:lstStyle/>
+          <a:p>
+            <a:r>
+              <a:rPr lang="en-US" dirty="0"/>
+              <a:t>So, the scores we achieve in speed, cost and scalability are given to you Figures 6 through 8. </a:t>
+            </a:r>
+          </a:p>
+          <a:p>
+            <a:endParaRPr lang="en-US" dirty="0"/>
+          </a:p>
+          <a:p>
+            <a:r>
+              <a:rPr lang="en-US" dirty="0"/>
+              <a:t>Figure 6 shows excellent performance for the web app, but it must be kept in mind that GlassCasino is not nearly as feature rich as bc.game. </a:t>
+            </a:r>
+          </a:p>
+          <a:p>
+            <a:endParaRPr lang="en-US" dirty="0"/>
+          </a:p>
+          <a:p>
+            <a:r>
+              <a:rPr lang="en-US" dirty="0"/>
+              <a:t>However, for the smart contract speed shown in Figure 7, we see poor speeds. Even on the better performing games and the bank it still takes around 10 seconds for transaction confirmation. </a:t>
+            </a:r>
+          </a:p>
+          <a:p>
+            <a:endParaRPr lang="en-US" dirty="0"/>
+          </a:p>
+          <a:p>
+            <a:r>
+              <a:rPr lang="en-US" dirty="0"/>
+              <a:t>Dice, as the VRF-backed game, sees speeds of an order of magnitude slower! This is something innate to ChainLink’s implementation. In fact, while developing this project they came out with a complete re-implementation of their oracle network.</a:t>
+            </a:r>
+          </a:p>
+          <a:p>
+            <a:endParaRPr lang="en-US" dirty="0"/>
+          </a:p>
+          <a:p>
+            <a:r>
+              <a:rPr lang="en-US" dirty="0"/>
+              <a:t>As for scalability shown in Figure 8, we see some poor numbers. In the paper we make some very optimistic estimates of the scalability required to rival mainstream platforms and find we would need at minimum 20% of the Polygon network’s global gas limit to run these games 24/7. However, this could easily spike to 100% or more during peak times, thus flooding the network.</a:t>
+            </a:r>
+          </a:p>
+          <a:p>
+            <a:endParaRPr lang="en-US" dirty="0"/>
+          </a:p>
+          <a:p>
+            <a:r>
+              <a:rPr lang="en-US" dirty="0"/>
+              <a:t>Because of all this we conclude </a:t>
+            </a:r>
+            <a:r>
+              <a:rPr lang="en-US" b="1" dirty="0"/>
+              <a:t>[CLICK]. </a:t>
+            </a:r>
+          </a:p>
+          <a:p>
+            <a:r>
+              <a:rPr lang="en-US" b="0" dirty="0"/>
+              <a:t>This. </a:t>
+            </a:r>
+          </a:p>
+          <a:p>
+            <a:endParaRPr lang="en-US" b="0" dirty="0"/>
+          </a:p>
+          <a:p>
+            <a:pPr marL="0" marR="0" lvl="0" indent="0" defTabSz="457200" eaLnBrk="1" fontAlgn="auto" latinLnBrk="0" hangingPunct="1">
+              <a:lnSpc>
+                <a:spcPct val="117999"/>
+              </a:lnSpc>
+              <a:spcBef>
+                <a:spcPts val="0"/>
+              </a:spcBef>
+              <a:spcAft>
+                <a:spcPts val="0"/>
+              </a:spcAft>
+              <a:buClrTx/>
+              <a:buSzTx/>
+              <a:buFontTx/>
+              <a:buNone/>
+              <a:tabLst/>
+              <a:defRPr/>
+            </a:pPr>
+            <a:r>
+              <a:rPr lang="en-US" b="0" dirty="0"/>
+              <a:t>What we’ve created is a good proof-of-concept for blockchain based online gambling. So, we find that while the technical possibility of decentralized iGaming exists, our platform cannot be deemed technically viable for mainstream adoption. This is due to speed and throughput limitations. </a:t>
+            </a:r>
+          </a:p>
+          <a:p>
+            <a:pPr marL="0" marR="0" lvl="0" indent="0" defTabSz="457200" eaLnBrk="1" fontAlgn="auto" latinLnBrk="0" hangingPunct="1">
+              <a:lnSpc>
+                <a:spcPct val="117999"/>
+              </a:lnSpc>
+              <a:spcBef>
+                <a:spcPts val="0"/>
+              </a:spcBef>
+              <a:spcAft>
+                <a:spcPts val="0"/>
+              </a:spcAft>
+              <a:buClrTx/>
+              <a:buSzTx/>
+              <a:buFontTx/>
+              <a:buNone/>
+              <a:tabLst/>
+              <a:defRPr/>
+            </a:pPr>
+            <a:endParaRPr lang="en-US" b="0" dirty="0"/>
+          </a:p>
+          <a:p>
+            <a:pPr marL="0" marR="0" lvl="0" indent="0" defTabSz="457200" eaLnBrk="1" fontAlgn="auto" latinLnBrk="0" hangingPunct="1">
+              <a:lnSpc>
+                <a:spcPct val="117999"/>
+              </a:lnSpc>
+              <a:spcBef>
+                <a:spcPts val="0"/>
+              </a:spcBef>
+              <a:spcAft>
+                <a:spcPts val="0"/>
+              </a:spcAft>
+              <a:buClrTx/>
+              <a:buSzTx/>
+              <a:buFontTx/>
+              <a:buNone/>
+              <a:tabLst/>
+              <a:defRPr/>
+            </a:pPr>
+            <a:r>
+              <a:rPr lang="en-US" b="0" dirty="0"/>
+              <a:t>However </a:t>
+            </a:r>
+            <a:r>
+              <a:rPr lang="en-US" b="1" dirty="0"/>
+              <a:t>[CLICK]</a:t>
+            </a:r>
+            <a:r>
+              <a:rPr lang="en-US" b="0" dirty="0"/>
+              <a:t> a key stipulation is that this work is limited by the current smart contract ecosystem which, while growing rapidly, is still relatively immature. Given a better platform that hopefully doesn’t sacrifice decentralization for speed/throughput we believe this threshold could easily be passed.</a:t>
+            </a:r>
+            <a:endParaRPr lang="en-US" b="1" dirty="0"/>
+          </a:p>
+          <a:p>
+            <a:endParaRPr lang="en-US" dirty="0"/>
+          </a:p>
+        </p:txBody>
+      </p:sp>
+    </p:spTree>
+    <p:extLst>
+      <p:ext uri="{BB962C8B-B14F-4D97-AF65-F5344CB8AC3E}">
+        <p14:creationId xmlns:p14="http://schemas.microsoft.com/office/powerpoint/2010/main" val="2141359252"/>
+      </p:ext>
+    </p:extLst>
+  </p:cSld>
+  <p:clrMapOvr>
+    <a:masterClrMapping/>
+  </p:clrMapOvr>
+</p:notes>
+</file>
+
+<file path=ppt/notesSlides/notesSlide11.xml><?xml version="1.0" encoding="utf-8"?>
+<p:notes xmlns:a="http://schemas.openxmlformats.org/drawingml/2006/main" xmlns:r="http://schemas.openxmlformats.org/officeDocument/2006/relationships" xmlns:p="http://schemas.openxmlformats.org/presentationml/2006/main">
+  <p:cSld>
+    <p:spTree>
+      <p:nvGrpSpPr>
+        <p:cNvPr id="1" name=""/>
+        <p:cNvGrpSpPr/>
+        <p:nvPr/>
+      </p:nvGrpSpPr>
+      <p:grpSpPr>
+        <a:xfrm>
+          <a:off x="0" y="0"/>
+          <a:ext cx="0" cy="0"/>
+          <a:chOff x="0" y="0"/>
+          <a:chExt cx="0" cy="0"/>
+        </a:xfrm>
+      </p:grpSpPr>
+      <p:sp>
+        <p:nvSpPr>
+          <p:cNvPr id="250" name="Shape 250"/>
+          <p:cNvSpPr>
+            <a:spLocks noGrp="1" noRot="1" noChangeAspect="1"/>
+          </p:cNvSpPr>
+          <p:nvPr>
+            <p:ph type="sldImg"/>
+          </p:nvPr>
+        </p:nvSpPr>
+        <p:spPr>
+          <a:xfrm>
+            <a:off x="2714625" y="515938"/>
+            <a:ext cx="4591050" cy="2582862"/>
+          </a:xfrm>
+          <a:prstGeom prst="rect">
+            <a:avLst/>
+          </a:prstGeom>
+        </p:spPr>
+        <p:txBody>
+          <a:bodyPr/>
+          <a:lstStyle/>
+          <a:p>
+            <a:endParaRPr dirty="0"/>
+          </a:p>
+        </p:txBody>
+      </p:sp>
+      <p:sp>
+        <p:nvSpPr>
+          <p:cNvPr id="251" name="Shape 251"/>
+          <p:cNvSpPr>
+            <a:spLocks noGrp="1"/>
+          </p:cNvSpPr>
+          <p:nvPr>
+            <p:ph type="body" sz="quarter" idx="1"/>
+          </p:nvPr>
+        </p:nvSpPr>
+        <p:spPr>
+          <a:prstGeom prst="rect">
+            <a:avLst/>
+          </a:prstGeom>
+        </p:spPr>
+        <p:txBody>
+          <a:bodyPr/>
+          <a:lstStyle/>
+          <a:p>
+            <a:r>
+              <a:rPr lang="en-US" dirty="0"/>
+              <a:t>3And that’s it. Now let’s look at the demo.</a:t>
+            </a:r>
+          </a:p>
+          <a:p>
+            <a:r>
+              <a:rPr lang="en-US" b="1" dirty="0"/>
+              <a:t>[OPEN PAGE]</a:t>
+            </a:r>
+          </a:p>
+          <a:p>
+            <a:pPr marL="342900" indent="-342900">
+              <a:buFontTx/>
+              <a:buChar char="-"/>
+            </a:pPr>
+            <a:r>
+              <a:rPr lang="en-US" b="0" dirty="0"/>
+              <a:t>This is a live version available at glasscasino.io </a:t>
+            </a:r>
+          </a:p>
+          <a:p>
+            <a:pPr marL="342900" indent="-342900">
+              <a:buFontTx/>
+              <a:buChar char="-"/>
+            </a:pPr>
+            <a:r>
+              <a:rPr lang="en-US" b="0" dirty="0"/>
+              <a:t>Should be responsive to phone viewports also so if it’s allowed feel free to pull it up on your phones too</a:t>
+            </a:r>
+          </a:p>
+          <a:p>
+            <a:pPr marL="342900" indent="-342900">
+              <a:buFontTx/>
+              <a:buChar char="-"/>
+            </a:pPr>
+            <a:r>
+              <a:rPr lang="en-US" b="0" dirty="0"/>
+              <a:t>It doesn’t require a wallet or anything to watch others play</a:t>
+            </a:r>
+          </a:p>
+          <a:p>
+            <a:pPr marL="342900" indent="-342900">
+              <a:buFontTx/>
+              <a:buChar char="-"/>
+            </a:pPr>
+            <a:r>
+              <a:rPr lang="en-US" b="0" dirty="0"/>
+              <a:t>Contracts are on Polygon Mumbai test network which is just a 1:1 copy of our blockchain of choice Polygon. </a:t>
+            </a:r>
+          </a:p>
+          <a:p>
+            <a:pPr marL="342900" indent="-342900">
+              <a:buFontTx/>
+              <a:buChar char="-"/>
+            </a:pPr>
+            <a:r>
+              <a:rPr lang="en-US" b="0" dirty="0"/>
+              <a:t>Tokens are worth nothing so it’s all just for fun. </a:t>
+            </a:r>
+          </a:p>
+          <a:p>
+            <a:pPr marL="342900" indent="-342900">
+              <a:buFontTx/>
+              <a:buChar char="-"/>
+            </a:pPr>
+            <a:r>
+              <a:rPr lang="en-US" b="0" dirty="0"/>
+              <a:t>Deploying to the main network is as simple as changing one or two variables when deploying.</a:t>
+            </a:r>
+          </a:p>
+          <a:p>
+            <a:endParaRPr lang="en-US" b="0" dirty="0"/>
+          </a:p>
+          <a:p>
+            <a:r>
+              <a:rPr lang="en-US" b="0" dirty="0"/>
+              <a:t>So, we’re already on the roulette page here but we need to connect our wallet as shown by this little help menu up here. </a:t>
+            </a:r>
+          </a:p>
+          <a:p>
+            <a:r>
+              <a:rPr lang="en-US" b="1" dirty="0"/>
+              <a:t>[CLICK HELP]</a:t>
+            </a:r>
+          </a:p>
+          <a:p>
+            <a:r>
+              <a:rPr lang="en-US" b="0" dirty="0"/>
+              <a:t>This is just a few small pieces of dialog that will detect a wallet and if it’s signed in to guide a user not familiar with </a:t>
+            </a:r>
+            <a:r>
+              <a:rPr lang="en-US" b="0" dirty="0" err="1"/>
+              <a:t>DApps</a:t>
+            </a:r>
+            <a:r>
+              <a:rPr lang="en-US" b="0" dirty="0"/>
+              <a:t> through the process.</a:t>
+            </a:r>
+          </a:p>
+          <a:p>
+            <a:endParaRPr lang="en-US" b="0" dirty="0"/>
+          </a:p>
+          <a:p>
+            <a:r>
+              <a:rPr lang="en-US" b="0" dirty="0"/>
+              <a:t>Now I’ll connect to my MetaMask wallet – this is a widely used wallet available as a browser extension or mobile app. </a:t>
+            </a:r>
+          </a:p>
+          <a:p>
+            <a:r>
+              <a:rPr lang="en-US" b="0" dirty="0"/>
+              <a:t>However, there’s currently a bug with iOS and certain Android devices where the mobile app can’t connect with web apps.</a:t>
+            </a:r>
+          </a:p>
+          <a:p>
+            <a:r>
+              <a:rPr lang="en-US" b="1" dirty="0"/>
+              <a:t>[CONNECT TO METAMASK]</a:t>
+            </a:r>
+          </a:p>
+          <a:p>
+            <a:endParaRPr lang="en-US" b="1" dirty="0"/>
+          </a:p>
+          <a:p>
+            <a:r>
+              <a:rPr lang="en-US" b="0" dirty="0"/>
+              <a:t>Now we’re logged in. So, let’s deposit some MATIC. This is the primary token of the Polygon network and the accepted currency of GlassCasino.</a:t>
+            </a:r>
+          </a:p>
+          <a:p>
+            <a:r>
+              <a:rPr lang="en-US" b="0" dirty="0"/>
+              <a:t>We open up this menu </a:t>
+            </a:r>
+            <a:r>
+              <a:rPr lang="en-US" b="1" dirty="0"/>
+              <a:t>[CLICK] </a:t>
+            </a:r>
+            <a:r>
+              <a:rPr lang="en-US" b="0" dirty="0"/>
+              <a:t>which can be used to deposit or withdraw currency you have won whilst playing.</a:t>
+            </a:r>
+          </a:p>
+          <a:p>
+            <a:endParaRPr lang="en-US" b="0" dirty="0"/>
+          </a:p>
+          <a:p>
+            <a:r>
+              <a:rPr lang="en-US" b="0" dirty="0"/>
+              <a:t>I’ll just deposit __ and wait for confirmation… </a:t>
+            </a:r>
+          </a:p>
+          <a:p>
+            <a:endParaRPr lang="en-US" b="0" dirty="0"/>
+          </a:p>
+          <a:p>
+            <a:r>
+              <a:rPr lang="en-US" b="0" dirty="0"/>
+              <a:t>Now we start by playing some roulette. We can adjust our stake here and hit our desired bet with these buttons. This will trigger a new round to begin and will start to populate some of the other UI elements on screen. </a:t>
+            </a:r>
+          </a:p>
+          <a:p>
+            <a:endParaRPr lang="en-US" b="0" dirty="0"/>
+          </a:p>
+          <a:p>
+            <a:r>
+              <a:rPr lang="en-US" b="0" dirty="0"/>
+              <a:t>Is there any preference for red, black odd or even?</a:t>
+            </a:r>
+          </a:p>
+          <a:p>
+            <a:endParaRPr lang="en-US" b="0" dirty="0"/>
+          </a:p>
+          <a:p>
+            <a:r>
+              <a:rPr lang="en-US" b="0" dirty="0"/>
+              <a:t>Okay, ___. </a:t>
+            </a:r>
+          </a:p>
+          <a:p>
+            <a:r>
+              <a:rPr lang="en-US" sz="2000" b="1" dirty="0"/>
+              <a:t>[BET]</a:t>
+            </a:r>
+          </a:p>
+          <a:p>
+            <a:r>
+              <a:rPr lang="en-US" sz="2000" b="0" dirty="0"/>
+              <a:t>Now we approve the transaction from our wallet. This is a MetaMask interface that is required to sign any transaction and verify its sender. And we wait…</a:t>
+            </a:r>
+          </a:p>
+          <a:p>
+            <a:endParaRPr lang="en-US" sz="2000" b="0" dirty="0"/>
+          </a:p>
+          <a:p>
+            <a:r>
+              <a:rPr lang="en-US" sz="2000" b="0" dirty="0"/>
+              <a:t>So now the countdown begins until the house server will spin the wheel. We see active bets up on the right with a sum above it.</a:t>
+            </a:r>
+          </a:p>
+          <a:p>
+            <a:endParaRPr lang="en-US" sz="2000" b="0" dirty="0"/>
+          </a:p>
+          <a:p>
+            <a:r>
+              <a:rPr lang="en-US" sz="2000" b="1" dirty="0"/>
+              <a:t>[WAIT GAME]</a:t>
+            </a:r>
+          </a:p>
+          <a:p>
+            <a:r>
+              <a:rPr lang="en-US" sz="2000" b="0" dirty="0"/>
+              <a:t>Ah so we ___. And the outcome is listed down here by querying the contract logs.</a:t>
+            </a:r>
+          </a:p>
+          <a:p>
+            <a:r>
+              <a:rPr lang="en-US" sz="2000" b="0" dirty="0"/>
+              <a:t>Now, we can dive into the contract here.</a:t>
+            </a:r>
+          </a:p>
+          <a:p>
+            <a:endParaRPr lang="en-US" sz="2000" b="0" dirty="0"/>
+          </a:p>
+          <a:p>
+            <a:r>
+              <a:rPr lang="en-US" sz="2000" b="1" dirty="0"/>
+              <a:t>[CLICK POLYGONSCAN]</a:t>
+            </a:r>
+          </a:p>
+          <a:p>
+            <a:r>
+              <a:rPr lang="en-US" sz="2000" b="0" dirty="0"/>
+              <a:t>Here’s the transaction logs .</a:t>
+            </a:r>
+          </a:p>
+          <a:p>
+            <a:endParaRPr lang="en-US" sz="2000" b="0" dirty="0"/>
+          </a:p>
+          <a:p>
+            <a:r>
+              <a:rPr lang="en-US" sz="2000" b="1" dirty="0"/>
+              <a:t>[CLICK OUR BET]</a:t>
+            </a:r>
+          </a:p>
+          <a:p>
+            <a:r>
+              <a:rPr lang="en-US" sz="2000" b="0" dirty="0"/>
+              <a:t>and here’s our bet.</a:t>
+            </a:r>
+          </a:p>
+          <a:p>
+            <a:endParaRPr lang="en-US" sz="2000" b="0" dirty="0"/>
+          </a:p>
+          <a:p>
+            <a:r>
+              <a:rPr lang="en-US" sz="2000" b="1" dirty="0"/>
+              <a:t>[CLICK SOURCE]</a:t>
+            </a:r>
+          </a:p>
+          <a:p>
+            <a:r>
+              <a:rPr lang="en-US" sz="2000" b="0" dirty="0"/>
+              <a:t>Over here we can see the verified source code.</a:t>
+            </a:r>
+          </a:p>
+          <a:p>
+            <a:endParaRPr lang="en-US" sz="2000" b="0" dirty="0"/>
+          </a:p>
+          <a:p>
+            <a:endParaRPr lang="en-US" b="0" dirty="0"/>
+          </a:p>
+        </p:txBody>
+      </p:sp>
+    </p:spTree>
+    <p:extLst>
+      <p:ext uri="{BB962C8B-B14F-4D97-AF65-F5344CB8AC3E}">
+        <p14:creationId xmlns:p14="http://schemas.microsoft.com/office/powerpoint/2010/main" val="3540747771"/>
+      </p:ext>
+    </p:extLst>
+  </p:cSld>
+  <p:clrMapOvr>
+    <a:masterClrMapping/>
+  </p:clrMapOvr>
+</p:notes>
+</file>
+
+<file path=ppt/notesSlides/notesSlide12.xml><?xml version="1.0" encoding="utf-8"?>
+<p:notes xmlns:a="http://schemas.openxmlformats.org/drawingml/2006/main" xmlns:r="http://schemas.openxmlformats.org/officeDocument/2006/relationships" xmlns:p="http://schemas.openxmlformats.org/presentationml/2006/main">
+  <p:cSld>
+    <p:spTree>
+      <p:nvGrpSpPr>
+        <p:cNvPr id="1" name=""/>
+        <p:cNvGrpSpPr/>
+        <p:nvPr/>
+      </p:nvGrpSpPr>
+      <p:grpSpPr>
+        <a:xfrm>
+          <a:off x="0" y="0"/>
+          <a:ext cx="0" cy="0"/>
+          <a:chOff x="0" y="0"/>
+          <a:chExt cx="0" cy="0"/>
+        </a:xfrm>
+      </p:grpSpPr>
+      <p:sp>
+        <p:nvSpPr>
+          <p:cNvPr id="2" name="Slide Image Placeholder 1"/>
+          <p:cNvSpPr>
+            <a:spLocks noGrp="1" noRot="1" noChangeAspect="1"/>
+          </p:cNvSpPr>
+          <p:nvPr>
+            <p:ph type="sldImg"/>
+          </p:nvPr>
+        </p:nvSpPr>
+        <p:spPr>
+          <a:xfrm>
+            <a:off x="2714625" y="515938"/>
+            <a:ext cx="4591050" cy="2582862"/>
+          </a:xfrm>
+        </p:spPr>
+      </p:sp>
+      <p:sp>
+        <p:nvSpPr>
+          <p:cNvPr id="3" name="Notes Placeholder 2"/>
+          <p:cNvSpPr>
+            <a:spLocks noGrp="1"/>
+          </p:cNvSpPr>
+          <p:nvPr>
+            <p:ph type="body" idx="1"/>
+          </p:nvPr>
+        </p:nvSpPr>
+        <p:spPr/>
+        <p:txBody>
+          <a:bodyPr/>
+          <a:lstStyle/>
+          <a:p>
+            <a:endParaRPr lang="en-US" dirty="0"/>
+          </a:p>
+        </p:txBody>
+      </p:sp>
+    </p:spTree>
+    <p:extLst>
+      <p:ext uri="{BB962C8B-B14F-4D97-AF65-F5344CB8AC3E}">
+        <p14:creationId xmlns:p14="http://schemas.microsoft.com/office/powerpoint/2010/main" val="2665246039"/>
+      </p:ext>
+    </p:extLst>
+  </p:cSld>
+  <p:clrMapOvr>
+    <a:masterClrMapping/>
+  </p:clrMapOvr>
+</p:notes>
+</file>
+
 <file path=ppt/notesSlides/notesSlide2.xml><?xml version="1.0" encoding="utf-8"?>
 <p:notes xmlns:a="http://schemas.openxmlformats.org/drawingml/2006/main" xmlns:r="http://schemas.openxmlformats.org/officeDocument/2006/relationships" xmlns:p="http://schemas.openxmlformats.org/presentationml/2006/main">
   <p:cSld>
@@ -1735,7 +2375,7 @@
     </p:spTree>
     <p:extLst>
       <p:ext uri="{BB962C8B-B14F-4D97-AF65-F5344CB8AC3E}">
-        <p14:creationId xmlns:p14="http://schemas.microsoft.com/office/powerpoint/2010/main" val="2141359252"/>
+        <p14:creationId xmlns:p14="http://schemas.microsoft.com/office/powerpoint/2010/main" val="3295208861"/>
       </p:ext>
     </p:extLst>
   </p:cSld>
@@ -1764,7 +2404,7 @@
       </p:grpSpPr>
       <p:sp>
         <p:nvSpPr>
-          <p:cNvPr id="250" name="Shape 250"/>
+          <p:cNvPr id="191" name="Shape 191"/>
           <p:cNvSpPr>
             <a:spLocks noGrp="1" noRot="1" noChangeAspect="1"/>
           </p:cNvSpPr>
@@ -1791,7 +2431,7 @@
       </p:sp>
       <p:sp>
         <p:nvSpPr>
-          <p:cNvPr id="251" name="Shape 251"/>
+          <p:cNvPr id="192" name="Shape 192"/>
           <p:cNvSpPr>
             <a:spLocks noGrp="1"/>
           </p:cNvSpPr>
@@ -1810,283 +2450,151 @@
           <a:p>
             <a:r>
               <a:rPr lang="en-US" dirty="0"/>
-              <a:t>3And that’s it. Now let’s look at the demo.</a:t>
-            </a:r>
-          </a:p>
-          <a:p>
+              <a:t>So, the scores we achieve in speed, cost and scalability are given to you Figures 6 through 8. </a:t>
+            </a:r>
+          </a:p>
+          <a:p>
+            <a:endParaRPr lang="en-US" dirty="0"/>
+          </a:p>
+          <a:p>
+            <a:r>
+              <a:rPr lang="en-US" dirty="0"/>
+              <a:t>Figure 6 shows excellent performance for the web app, but it must be kept in mind that GlassCasino is not nearly as feature rich as bc.game. </a:t>
+            </a:r>
+          </a:p>
+          <a:p>
+            <a:endParaRPr lang="en-US" dirty="0"/>
+          </a:p>
+          <a:p>
+            <a:r>
+              <a:rPr lang="en-US" dirty="0"/>
+              <a:t>However, for the smart contract speed shown in Figure 7, we see poor speeds. Even on the better performing games and the bank it still takes around 10 seconds for transaction confirmation. </a:t>
+            </a:r>
+          </a:p>
+          <a:p>
+            <a:endParaRPr lang="en-US" dirty="0"/>
+          </a:p>
+          <a:p>
+            <a:r>
+              <a:rPr lang="en-US" dirty="0"/>
+              <a:t>Dice, as the VRF-backed game, sees speeds of an order of magnitude slower! This is something innate to ChainLink’s implementation. In fact, while developing this project they came out with a complete re-implementation of their oracle network.</a:t>
+            </a:r>
+          </a:p>
+          <a:p>
+            <a:endParaRPr lang="en-US" dirty="0"/>
+          </a:p>
+          <a:p>
+            <a:r>
+              <a:rPr lang="en-US" dirty="0"/>
+              <a:t>As for scalability shown in Figure 8, we see some poor numbers. In the paper we make some very optimistic estimates of the scalability required to rival mainstream platforms and find we would need at minimum 20% of the Polygon network’s global gas limit to run these games 24/7. However, this could easily spike to 100% or more during peak times, thus flooding the network.</a:t>
+            </a:r>
+          </a:p>
+          <a:p>
+            <a:endParaRPr lang="en-US" dirty="0"/>
+          </a:p>
+          <a:p>
+            <a:r>
+              <a:rPr lang="en-US" dirty="0"/>
+              <a:t>Because of all this we conclude </a:t>
+            </a:r>
             <a:r>
               <a:rPr lang="en-US" b="1" dirty="0"/>
-              <a:t>[OPEN PAGE]</a:t>
-            </a:r>
-          </a:p>
-          <a:p>
-            <a:pPr marL="342900" indent="-342900">
+              <a:t>[CLICK]. </a:t>
+            </a:r>
+          </a:p>
+          <a:p>
+            <a:r>
+              <a:rPr lang="en-US" b="0" dirty="0"/>
+              <a:t>This. </a:t>
+            </a:r>
+          </a:p>
+          <a:p>
+            <a:endParaRPr lang="en-US" b="0" dirty="0"/>
+          </a:p>
+          <a:p>
+            <a:pPr marL="0" marR="0" lvl="0" indent="0" defTabSz="457200" eaLnBrk="1" fontAlgn="auto" latinLnBrk="0" hangingPunct="1">
+              <a:lnSpc>
+                <a:spcPct val="117999"/>
+              </a:lnSpc>
+              <a:spcBef>
+                <a:spcPts val="0"/>
+              </a:spcBef>
+              <a:spcAft>
+                <a:spcPts val="0"/>
+              </a:spcAft>
+              <a:buClrTx/>
+              <a:buSzTx/>
               <a:buFontTx/>
-              <a:buChar char="-"/>
+              <a:buNone/>
+              <a:tabLst/>
+              <a:defRPr/>
             </a:pPr>
             <a:r>
               <a:rPr lang="en-US" b="0" dirty="0"/>
-              <a:t>This is a live version available at glasscasino.io </a:t>
-            </a:r>
-          </a:p>
-          <a:p>
-            <a:pPr marL="342900" indent="-342900">
+              <a:t>What we’ve created is a good proof-of-concept for blockchain based online gambling. So, we find that while the technical possibility of decentralized iGaming exists, our platform cannot be deemed technically viable for mainstream adoption. This is due to speed and throughput limitations. </a:t>
+            </a:r>
+          </a:p>
+          <a:p>
+            <a:pPr marL="0" marR="0" lvl="0" indent="0" defTabSz="457200" eaLnBrk="1" fontAlgn="auto" latinLnBrk="0" hangingPunct="1">
+              <a:lnSpc>
+                <a:spcPct val="117999"/>
+              </a:lnSpc>
+              <a:spcBef>
+                <a:spcPts val="0"/>
+              </a:spcBef>
+              <a:spcAft>
+                <a:spcPts val="0"/>
+              </a:spcAft>
+              <a:buClrTx/>
+              <a:buSzTx/>
               <a:buFontTx/>
-              <a:buChar char="-"/>
+              <a:buNone/>
+              <a:tabLst/>
+              <a:defRPr/>
             </a:pPr>
+            <a:endParaRPr lang="en-US" b="0" dirty="0"/>
+          </a:p>
+          <a:p>
+            <a:pPr marL="0" marR="0" lvl="0" indent="0" defTabSz="457200" eaLnBrk="1" fontAlgn="auto" latinLnBrk="0" hangingPunct="1">
+              <a:lnSpc>
+                <a:spcPct val="117999"/>
+              </a:lnSpc>
+              <a:spcBef>
+                <a:spcPts val="0"/>
+              </a:spcBef>
+              <a:spcAft>
+                <a:spcPts val="0"/>
+              </a:spcAft>
+              <a:buClrTx/>
+              <a:buSzTx/>
+              <a:buFontTx/>
+              <a:buNone/>
+              <a:tabLst/>
+              <a:defRPr/>
+            </a:pPr>
             <a:r>
               <a:rPr lang="en-US" b="0" dirty="0"/>
-              <a:t>Should be responsive to phone viewports also so if it’s allowed feel free to pull it up on your phones too</a:t>
-            </a:r>
-          </a:p>
-          <a:p>
-            <a:pPr marL="342900" indent="-342900">
-              <a:buFontTx/>
-              <a:buChar char="-"/>
-            </a:pPr>
+              <a:t>However </a:t>
+            </a:r>
+            <a:r>
+              <a:rPr lang="en-US" b="1" dirty="0"/>
+              <a:t>[CLICK]</a:t>
+            </a:r>
             <a:r>
               <a:rPr lang="en-US" b="0" dirty="0"/>
-              <a:t>It doesn’t require a wallet or anything to watch others play</a:t>
-            </a:r>
-          </a:p>
-          <a:p>
-            <a:pPr marL="342900" indent="-342900">
-              <a:buFontTx/>
-              <a:buChar char="-"/>
-            </a:pPr>
-            <a:r>
-              <a:rPr lang="en-US" b="0" dirty="0"/>
-              <a:t>Contracts are on Polygon Mumbai test network which is just a 1:1 copy of our blockchain of choice Polygon. </a:t>
-            </a:r>
-          </a:p>
-          <a:p>
-            <a:pPr marL="342900" indent="-342900">
-              <a:buFontTx/>
-              <a:buChar char="-"/>
-            </a:pPr>
-            <a:r>
-              <a:rPr lang="en-US" b="0" dirty="0"/>
-              <a:t>Tokens are worth nothing so it’s all just for fun. </a:t>
-            </a:r>
-          </a:p>
-          <a:p>
-            <a:pPr marL="342900" indent="-342900">
-              <a:buFontTx/>
-              <a:buChar char="-"/>
-            </a:pPr>
-            <a:r>
-              <a:rPr lang="en-US" b="0" dirty="0"/>
-              <a:t>Deploying to the main network is as simple as changing one or two variables when deploying.</a:t>
-            </a:r>
-          </a:p>
-          <a:p>
-            <a:endParaRPr lang="en-US" b="0" dirty="0"/>
-          </a:p>
-          <a:p>
-            <a:r>
-              <a:rPr lang="en-US" b="0" dirty="0"/>
-              <a:t>So, we’re already on the roulette page here but we need to connect our wallet as shown by this little help menu up here. </a:t>
-            </a:r>
-          </a:p>
-          <a:p>
-            <a:r>
-              <a:rPr lang="en-US" b="1" dirty="0"/>
-              <a:t>[CLICK HELP]</a:t>
-            </a:r>
-          </a:p>
-          <a:p>
-            <a:r>
-              <a:rPr lang="en-US" b="0" dirty="0"/>
-              <a:t>This is just a few small pieces of dialog that will detect a wallet and if it’s signed in to guide a user not familiar with </a:t>
-            </a:r>
-            <a:r>
-              <a:rPr lang="en-US" b="0" dirty="0" err="1"/>
-              <a:t>DApps</a:t>
-            </a:r>
-            <a:r>
-              <a:rPr lang="en-US" b="0" dirty="0"/>
-              <a:t> through the process.</a:t>
-            </a:r>
-          </a:p>
-          <a:p>
-            <a:endParaRPr lang="en-US" b="0" dirty="0"/>
-          </a:p>
-          <a:p>
-            <a:r>
-              <a:rPr lang="en-US" b="0" dirty="0"/>
-              <a:t>Now I’ll connect to my MetaMask wallet – this is a widely used wallet available as a browser extension or mobile app. </a:t>
-            </a:r>
-          </a:p>
-          <a:p>
-            <a:r>
-              <a:rPr lang="en-US" b="0" dirty="0"/>
-              <a:t>However, there’s currently a bug with iOS and certain Android devices where the mobile app can’t connect with web apps.</a:t>
-            </a:r>
-          </a:p>
-          <a:p>
-            <a:r>
-              <a:rPr lang="en-US" b="1" dirty="0"/>
-              <a:t>[CONNECT TO METAMASK]</a:t>
-            </a:r>
-          </a:p>
-          <a:p>
+              <a:t> a key stipulation is that this work is limited by the current smart contract ecosystem which, while growing rapidly, is still relatively immature. Given a better platform that hopefully doesn’t sacrifice decentralization for speed/throughput we believe this threshold could easily be passed.</a:t>
+            </a:r>
             <a:endParaRPr lang="en-US" b="1" dirty="0"/>
           </a:p>
           <a:p>
-            <a:r>
-              <a:rPr lang="en-US" b="0" dirty="0"/>
-              <a:t>Now we’re logged in. So, let’s deposit some MATIC. This is the primary token of the Polygon network and the accepted currency of GlassCasino.</a:t>
-            </a:r>
-          </a:p>
-          <a:p>
-            <a:r>
-              <a:rPr lang="en-US" b="0" dirty="0"/>
-              <a:t>We open up this menu </a:t>
-            </a:r>
-            <a:r>
-              <a:rPr lang="en-US" b="1" dirty="0"/>
-              <a:t>[CLICK] </a:t>
-            </a:r>
-            <a:r>
-              <a:rPr lang="en-US" b="0" dirty="0"/>
-              <a:t>which can be used to deposit or withdraw currency you have won whilst playing.</a:t>
-            </a:r>
-          </a:p>
-          <a:p>
-            <a:endParaRPr lang="en-US" b="0" dirty="0"/>
-          </a:p>
-          <a:p>
-            <a:r>
-              <a:rPr lang="en-US" b="0" dirty="0"/>
-              <a:t>I’ll just deposit __ and wait for confirmation… </a:t>
-            </a:r>
-          </a:p>
-          <a:p>
-            <a:endParaRPr lang="en-US" b="0" dirty="0"/>
-          </a:p>
-          <a:p>
-            <a:r>
-              <a:rPr lang="en-US" b="0" dirty="0"/>
-              <a:t>Now we start by playing some roulette. We can adjust our stake here and hit our desired bet with these buttons. This will trigger a new round to begin and will start to populate some of the other UI elements on screen. </a:t>
-            </a:r>
-          </a:p>
-          <a:p>
-            <a:endParaRPr lang="en-US" b="0" dirty="0"/>
-          </a:p>
-          <a:p>
-            <a:r>
-              <a:rPr lang="en-US" b="0" dirty="0"/>
-              <a:t>Is there any preference for red, black odd or even?</a:t>
-            </a:r>
-          </a:p>
-          <a:p>
-            <a:endParaRPr lang="en-US" b="0" dirty="0"/>
-          </a:p>
-          <a:p>
-            <a:r>
-              <a:rPr lang="en-US" b="0" dirty="0"/>
-              <a:t>Okay, ___. </a:t>
-            </a:r>
-          </a:p>
-          <a:p>
-            <a:r>
-              <a:rPr lang="en-US" sz="2000" b="1" dirty="0"/>
-              <a:t>[BET]</a:t>
-            </a:r>
-          </a:p>
-          <a:p>
-            <a:r>
-              <a:rPr lang="en-US" sz="2000" b="0" dirty="0"/>
-              <a:t>Now we approve the transaction from our wallet. This is a MetaMask interface that is required to sign any transaction and verify its sender. And we wait…</a:t>
-            </a:r>
-          </a:p>
-          <a:p>
-            <a:endParaRPr lang="en-US" sz="2000" b="0" dirty="0"/>
-          </a:p>
-          <a:p>
-            <a:r>
-              <a:rPr lang="en-US" sz="2000" b="0" dirty="0"/>
-              <a:t>So now the countdown begins until the house server will spin the wheel. We see active bets up on the right with a sum above it.</a:t>
-            </a:r>
-          </a:p>
-          <a:p>
-            <a:endParaRPr lang="en-US" sz="2000" b="0" dirty="0"/>
-          </a:p>
-          <a:p>
-            <a:r>
-              <a:rPr lang="en-US" sz="2000" b="1" dirty="0"/>
-              <a:t>[WAIT GAME]</a:t>
-            </a:r>
-          </a:p>
-          <a:p>
-            <a:r>
-              <a:rPr lang="en-US" sz="2000" b="0" dirty="0"/>
-              <a:t>Ah so we ___. And the outcome is listed down here by querying the contract logs.</a:t>
-            </a:r>
-          </a:p>
-          <a:p>
-            <a:r>
-              <a:rPr lang="en-US" sz="2000" b="0" dirty="0"/>
-              <a:t>Now, we can dive into the contract here.</a:t>
-            </a:r>
-          </a:p>
-          <a:p>
-            <a:endParaRPr lang="en-US" sz="2000" b="0" dirty="0"/>
-          </a:p>
-          <a:p>
-            <a:r>
-              <a:rPr lang="en-US" sz="2000" b="1" dirty="0"/>
-              <a:t>[CLICK POLYGONSCAN]</a:t>
-            </a:r>
-          </a:p>
-          <a:p>
-            <a:r>
-              <a:rPr lang="en-US" sz="2000" b="0" dirty="0"/>
-              <a:t>Here’s the transaction logs .</a:t>
-            </a:r>
-          </a:p>
-          <a:p>
-            <a:endParaRPr lang="en-US" sz="2000" b="0" dirty="0"/>
-          </a:p>
-          <a:p>
-            <a:r>
-              <a:rPr lang="en-US" sz="2000" b="1" dirty="0"/>
-              <a:t>[CLICK OUR BET]</a:t>
-            </a:r>
-          </a:p>
-          <a:p>
-            <a:r>
-              <a:rPr lang="en-US" sz="2000" b="0" dirty="0"/>
-              <a:t>and here’s our bet.</a:t>
-            </a:r>
-          </a:p>
-          <a:p>
-            <a:endParaRPr lang="en-US" sz="2000" b="0" dirty="0"/>
-          </a:p>
-          <a:p>
-            <a:r>
-              <a:rPr lang="en-US" sz="2000" b="1" dirty="0"/>
-              <a:t>[CLICK SOURCE]</a:t>
-            </a:r>
-          </a:p>
-          <a:p>
-            <a:r>
-              <a:rPr lang="en-US" sz="2000" b="0" dirty="0"/>
-              <a:t>Over here we can see the verified source code.</a:t>
-            </a:r>
-          </a:p>
-          <a:p>
-            <a:endParaRPr lang="en-US" sz="2000" b="0" dirty="0"/>
-          </a:p>
-          <a:p>
-            <a:endParaRPr lang="en-US" b="0" dirty="0"/>
+            <a:endParaRPr lang="en-US" dirty="0"/>
           </a:p>
         </p:txBody>
       </p:sp>
     </p:spTree>
     <p:extLst>
       <p:ext uri="{BB962C8B-B14F-4D97-AF65-F5344CB8AC3E}">
-        <p14:creationId xmlns:p14="http://schemas.microsoft.com/office/powerpoint/2010/main" val="3540747771"/>
+        <p14:creationId xmlns:p14="http://schemas.microsoft.com/office/powerpoint/2010/main" val="1420229866"/>
       </p:ext>
     </p:extLst>
   </p:cSld>
@@ -2115,7 +2623,7 @@
       </p:grpSpPr>
       <p:sp>
         <p:nvSpPr>
-          <p:cNvPr id="2" name="Slide Image Placeholder 1"/>
+          <p:cNvPr id="191" name="Shape 191"/>
           <p:cNvSpPr>
             <a:spLocks noGrp="1" noRot="1" noChangeAspect="1"/>
           </p:cNvSpPr>
@@ -2128,22 +2636,175 @@
             <a:off x="2714625" y="515938"/>
             <a:ext cx="4591050" cy="2582862"/>
           </a:xfrm>
+          <a:prstGeom prst="rect">
+            <a:avLst/>
+          </a:prstGeom>
         </p:spPr>
+        <p:txBody>
+          <a:bodyPr/>
+          <a:lstStyle/>
+          <a:p>
+            <a:endParaRPr dirty="0"/>
+          </a:p>
+        </p:txBody>
       </p:sp>
       <p:sp>
         <p:nvSpPr>
-          <p:cNvPr id="3" name="Notes Placeholder 2"/>
+          <p:cNvPr id="192" name="Shape 192"/>
           <p:cNvSpPr>
             <a:spLocks noGrp="1"/>
           </p:cNvSpPr>
           <p:nvPr>
-            <p:ph type="body" idx="1"/>
+            <p:ph type="body" sz="quarter" idx="1"/>
           </p:nvPr>
         </p:nvSpPr>
-        <p:spPr/>
+        <p:spPr>
+          <a:prstGeom prst="rect">
+            <a:avLst/>
+          </a:prstGeom>
+        </p:spPr>
         <p:txBody>
           <a:bodyPr/>
           <a:lstStyle/>
+          <a:p>
+            <a:r>
+              <a:rPr lang="en-US" dirty="0"/>
+              <a:t>So, the scores we achieve in speed, cost and scalability are given to you Figures 6 through 8. </a:t>
+            </a:r>
+          </a:p>
+          <a:p>
+            <a:endParaRPr lang="en-US" dirty="0"/>
+          </a:p>
+          <a:p>
+            <a:r>
+              <a:rPr lang="en-US" dirty="0"/>
+              <a:t>Figure 6 shows excellent performance for the web app, but it must be kept in mind that GlassCasino is not nearly as feature rich as bc.game. </a:t>
+            </a:r>
+          </a:p>
+          <a:p>
+            <a:endParaRPr lang="en-US" dirty="0"/>
+          </a:p>
+          <a:p>
+            <a:r>
+              <a:rPr lang="en-US" dirty="0"/>
+              <a:t>However, for the smart contract speed shown in Figure 7, we see poor speeds. Even on the better performing games and the bank it still takes around 10 seconds for transaction confirmation. </a:t>
+            </a:r>
+          </a:p>
+          <a:p>
+            <a:endParaRPr lang="en-US" dirty="0"/>
+          </a:p>
+          <a:p>
+            <a:r>
+              <a:rPr lang="en-US" dirty="0"/>
+              <a:t>Dice, as the VRF-backed game, sees speeds of an order of magnitude slower! This is something innate to ChainLink’s implementation. In fact, while developing this project they came out with a complete re-implementation of their oracle network.</a:t>
+            </a:r>
+          </a:p>
+          <a:p>
+            <a:endParaRPr lang="en-US" dirty="0"/>
+          </a:p>
+          <a:p>
+            <a:r>
+              <a:rPr lang="en-US" dirty="0"/>
+              <a:t>As for scalability shown in Figure 8, we see some poor numbers. In the paper we make some very optimistic estimates of the scalability required to rival mainstream platforms and find we would need at minimum 20% of the Polygon network’s global gas limit to run these games 24/7. However, this could easily spike to 100% or more during peak times, thus flooding the network.</a:t>
+            </a:r>
+          </a:p>
+          <a:p>
+            <a:endParaRPr lang="en-US" dirty="0"/>
+          </a:p>
+          <a:p>
+            <a:r>
+              <a:rPr lang="en-US" dirty="0"/>
+              <a:t>Because of all this we conclude </a:t>
+            </a:r>
+            <a:r>
+              <a:rPr lang="en-US" b="1" dirty="0"/>
+              <a:t>[CLICK]. </a:t>
+            </a:r>
+          </a:p>
+          <a:p>
+            <a:r>
+              <a:rPr lang="en-US" b="0" dirty="0"/>
+              <a:t>This. </a:t>
+            </a:r>
+          </a:p>
+          <a:p>
+            <a:endParaRPr lang="en-US" b="0" dirty="0"/>
+          </a:p>
+          <a:p>
+            <a:pPr marL="0" marR="0" lvl="0" indent="0" defTabSz="457200" eaLnBrk="1" fontAlgn="auto" latinLnBrk="0" hangingPunct="1">
+              <a:lnSpc>
+                <a:spcPct val="117999"/>
+              </a:lnSpc>
+              <a:spcBef>
+                <a:spcPts val="0"/>
+              </a:spcBef>
+              <a:spcAft>
+                <a:spcPts val="0"/>
+              </a:spcAft>
+              <a:buClrTx/>
+              <a:buSzTx/>
+              <a:buFontTx/>
+              <a:buNone/>
+              <a:tabLst/>
+              <a:defRPr/>
+            </a:pPr>
+            <a:r>
+              <a:rPr lang="en-US" b="0" dirty="0"/>
+              <a:t>What we’ve created is a good proof-of-concept for blockchain based online gambling. So, we find that while the technical possibility of decentralized iGaming exists, our platform cannot be deemed technically viable for mainstream adoption. This is due to speed and throughput limitations. </a:t>
+            </a:r>
+          </a:p>
+          <a:p>
+            <a:pPr marL="0" marR="0" lvl="0" indent="0" defTabSz="457200" eaLnBrk="1" fontAlgn="auto" latinLnBrk="0" hangingPunct="1">
+              <a:lnSpc>
+                <a:spcPct val="117999"/>
+              </a:lnSpc>
+              <a:spcBef>
+                <a:spcPts val="0"/>
+              </a:spcBef>
+              <a:spcAft>
+                <a:spcPts val="0"/>
+              </a:spcAft>
+              <a:buClrTx/>
+              <a:buSzTx/>
+              <a:buFontTx/>
+              <a:buNone/>
+              <a:tabLst/>
+              <a:defRPr/>
+            </a:pPr>
+            <a:endParaRPr lang="en-US" b="0" dirty="0"/>
+          </a:p>
+          <a:p>
+            <a:pPr marL="0" marR="0" lvl="0" indent="0" defTabSz="457200" eaLnBrk="1" fontAlgn="auto" latinLnBrk="0" hangingPunct="1">
+              <a:lnSpc>
+                <a:spcPct val="117999"/>
+              </a:lnSpc>
+              <a:spcBef>
+                <a:spcPts val="0"/>
+              </a:spcBef>
+              <a:spcAft>
+                <a:spcPts val="0"/>
+              </a:spcAft>
+              <a:buClrTx/>
+              <a:buSzTx/>
+              <a:buFontTx/>
+              <a:buNone/>
+              <a:tabLst/>
+              <a:defRPr/>
+            </a:pPr>
+            <a:r>
+              <a:rPr lang="en-US" b="0" dirty="0"/>
+              <a:t>However </a:t>
+            </a:r>
+            <a:r>
+              <a:rPr lang="en-US" b="1" dirty="0"/>
+              <a:t>[CLICK]</a:t>
+            </a:r>
+            <a:r>
+              <a:rPr lang="en-US" b="0" dirty="0"/>
+              <a:t> a key stipulation is that this work is limited by the current smart contract ecosystem which, while growing rapidly, is still relatively immature. Given a better platform that hopefully doesn’t sacrifice decentralization for speed/throughput we believe this threshold could easily be passed.</a:t>
+            </a:r>
+            <a:endParaRPr lang="en-US" b="1" dirty="0"/>
+          </a:p>
           <a:p>
             <a:endParaRPr lang="en-US" dirty="0"/>
           </a:p>
@@ -2152,7 +2813,226 @@
     </p:spTree>
     <p:extLst>
       <p:ext uri="{BB962C8B-B14F-4D97-AF65-F5344CB8AC3E}">
-        <p14:creationId xmlns:p14="http://schemas.microsoft.com/office/powerpoint/2010/main" val="2665246039"/>
+        <p14:creationId xmlns:p14="http://schemas.microsoft.com/office/powerpoint/2010/main" val="3521976570"/>
+      </p:ext>
+    </p:extLst>
+  </p:cSld>
+  <p:clrMapOvr>
+    <a:masterClrMapping/>
+  </p:clrMapOvr>
+</p:notes>
+</file>
+
+<file path=ppt/notesSlides/notesSlide9.xml><?xml version="1.0" encoding="utf-8"?>
+<p:notes xmlns:a="http://schemas.openxmlformats.org/drawingml/2006/main" xmlns:r="http://schemas.openxmlformats.org/officeDocument/2006/relationships" xmlns:p="http://schemas.openxmlformats.org/presentationml/2006/main">
+  <p:cSld>
+    <p:spTree>
+      <p:nvGrpSpPr>
+        <p:cNvPr id="1" name=""/>
+        <p:cNvGrpSpPr/>
+        <p:nvPr/>
+      </p:nvGrpSpPr>
+      <p:grpSpPr>
+        <a:xfrm>
+          <a:off x="0" y="0"/>
+          <a:ext cx="0" cy="0"/>
+          <a:chOff x="0" y="0"/>
+          <a:chExt cx="0" cy="0"/>
+        </a:xfrm>
+      </p:grpSpPr>
+      <p:sp>
+        <p:nvSpPr>
+          <p:cNvPr id="191" name="Shape 191"/>
+          <p:cNvSpPr>
+            <a:spLocks noGrp="1" noRot="1" noChangeAspect="1"/>
+          </p:cNvSpPr>
+          <p:nvPr>
+            <p:ph type="sldImg"/>
+          </p:nvPr>
+        </p:nvSpPr>
+        <p:spPr>
+          <a:xfrm>
+            <a:off x="2714625" y="515938"/>
+            <a:ext cx="4591050" cy="2582862"/>
+          </a:xfrm>
+          <a:prstGeom prst="rect">
+            <a:avLst/>
+          </a:prstGeom>
+        </p:spPr>
+        <p:txBody>
+          <a:bodyPr/>
+          <a:lstStyle/>
+          <a:p>
+            <a:endParaRPr dirty="0"/>
+          </a:p>
+        </p:txBody>
+      </p:sp>
+      <p:sp>
+        <p:nvSpPr>
+          <p:cNvPr id="192" name="Shape 192"/>
+          <p:cNvSpPr>
+            <a:spLocks noGrp="1"/>
+          </p:cNvSpPr>
+          <p:nvPr>
+            <p:ph type="body" sz="quarter" idx="1"/>
+          </p:nvPr>
+        </p:nvSpPr>
+        <p:spPr>
+          <a:prstGeom prst="rect">
+            <a:avLst/>
+          </a:prstGeom>
+        </p:spPr>
+        <p:txBody>
+          <a:bodyPr/>
+          <a:lstStyle/>
+          <a:p>
+            <a:r>
+              <a:rPr lang="en-US" dirty="0"/>
+              <a:t>So, the scores we achieve in speed, cost and scalability are given to you Figures 6 through 8. </a:t>
+            </a:r>
+          </a:p>
+          <a:p>
+            <a:endParaRPr lang="en-US" dirty="0"/>
+          </a:p>
+          <a:p>
+            <a:r>
+              <a:rPr lang="en-US" dirty="0"/>
+              <a:t>Figure 6 shows excellent performance for the web app, but it must be kept in mind that GlassCasino is not nearly as feature rich as bc.game. </a:t>
+            </a:r>
+          </a:p>
+          <a:p>
+            <a:endParaRPr lang="en-US" dirty="0"/>
+          </a:p>
+          <a:p>
+            <a:r>
+              <a:rPr lang="en-US" dirty="0"/>
+              <a:t>However, for the smart contract speed shown in Figure 7, we see poor speeds. Even on the better performing games and the bank it still takes around 10 seconds for transaction confirmation. </a:t>
+            </a:r>
+          </a:p>
+          <a:p>
+            <a:endParaRPr lang="en-US" dirty="0"/>
+          </a:p>
+          <a:p>
+            <a:r>
+              <a:rPr lang="en-US" dirty="0"/>
+              <a:t>Dice, as the VRF-backed game, sees speeds of an order of magnitude slower! This is something innate to ChainLink’s implementation. In fact, while developing this project they came out with a complete re-implementation of their oracle network.</a:t>
+            </a:r>
+          </a:p>
+          <a:p>
+            <a:endParaRPr lang="en-US" dirty="0"/>
+          </a:p>
+          <a:p>
+            <a:r>
+              <a:rPr lang="en-US" dirty="0"/>
+              <a:t>As for scalability shown in Figure 8, we see some poor numbers. In the paper we make some very optimistic estimates of the scalability required to rival mainstream platforms and find we would need at minimum 20% of the Polygon network’s global gas limit to run these games 24/7. However, this could easily spike to 100% or more during peak times, thus flooding the network.</a:t>
+            </a:r>
+          </a:p>
+          <a:p>
+            <a:endParaRPr lang="en-US" dirty="0"/>
+          </a:p>
+          <a:p>
+            <a:r>
+              <a:rPr lang="en-US" dirty="0"/>
+              <a:t>Because of all this we conclude </a:t>
+            </a:r>
+            <a:r>
+              <a:rPr lang="en-US" b="1" dirty="0"/>
+              <a:t>[CLICK]. </a:t>
+            </a:r>
+          </a:p>
+          <a:p>
+            <a:r>
+              <a:rPr lang="en-US" b="0" dirty="0"/>
+              <a:t>This. </a:t>
+            </a:r>
+          </a:p>
+          <a:p>
+            <a:endParaRPr lang="en-US" b="0" dirty="0"/>
+          </a:p>
+          <a:p>
+            <a:pPr marL="0" marR="0" lvl="0" indent="0" defTabSz="457200" eaLnBrk="1" fontAlgn="auto" latinLnBrk="0" hangingPunct="1">
+              <a:lnSpc>
+                <a:spcPct val="117999"/>
+              </a:lnSpc>
+              <a:spcBef>
+                <a:spcPts val="0"/>
+              </a:spcBef>
+              <a:spcAft>
+                <a:spcPts val="0"/>
+              </a:spcAft>
+              <a:buClrTx/>
+              <a:buSzTx/>
+              <a:buFontTx/>
+              <a:buNone/>
+              <a:tabLst/>
+              <a:defRPr/>
+            </a:pPr>
+            <a:r>
+              <a:rPr lang="en-US" b="0" dirty="0"/>
+              <a:t>What we’ve created is a good proof-of-concept for blockchain based online gambling. So, we find that while the technical possibility of decentralized iGaming exists, our platform cannot be deemed technically viable for mainstream adoption. This is due to speed and throughput limitations. </a:t>
+            </a:r>
+          </a:p>
+          <a:p>
+            <a:pPr marL="0" marR="0" lvl="0" indent="0" defTabSz="457200" eaLnBrk="1" fontAlgn="auto" latinLnBrk="0" hangingPunct="1">
+              <a:lnSpc>
+                <a:spcPct val="117999"/>
+              </a:lnSpc>
+              <a:spcBef>
+                <a:spcPts val="0"/>
+              </a:spcBef>
+              <a:spcAft>
+                <a:spcPts val="0"/>
+              </a:spcAft>
+              <a:buClrTx/>
+              <a:buSzTx/>
+              <a:buFontTx/>
+              <a:buNone/>
+              <a:tabLst/>
+              <a:defRPr/>
+            </a:pPr>
+            <a:endParaRPr lang="en-US" b="0" dirty="0"/>
+          </a:p>
+          <a:p>
+            <a:pPr marL="0" marR="0" lvl="0" indent="0" defTabSz="457200" eaLnBrk="1" fontAlgn="auto" latinLnBrk="0" hangingPunct="1">
+              <a:lnSpc>
+                <a:spcPct val="117999"/>
+              </a:lnSpc>
+              <a:spcBef>
+                <a:spcPts val="0"/>
+              </a:spcBef>
+              <a:spcAft>
+                <a:spcPts val="0"/>
+              </a:spcAft>
+              <a:buClrTx/>
+              <a:buSzTx/>
+              <a:buFontTx/>
+              <a:buNone/>
+              <a:tabLst/>
+              <a:defRPr/>
+            </a:pPr>
+            <a:r>
+              <a:rPr lang="en-US" b="0" dirty="0"/>
+              <a:t>However </a:t>
+            </a:r>
+            <a:r>
+              <a:rPr lang="en-US" b="1" dirty="0"/>
+              <a:t>[CLICK]</a:t>
+            </a:r>
+            <a:r>
+              <a:rPr lang="en-US" b="0" dirty="0"/>
+              <a:t> a key stipulation is that this work is limited by the current smart contract ecosystem which, while growing rapidly, is still relatively immature. Given a better platform that hopefully doesn’t sacrifice decentralization for speed/throughput we believe this threshold could easily be passed.</a:t>
+            </a:r>
+            <a:endParaRPr lang="en-US" b="1" dirty="0"/>
+          </a:p>
+          <a:p>
+            <a:endParaRPr lang="en-US" dirty="0"/>
+          </a:p>
+        </p:txBody>
+      </p:sp>
+    </p:spTree>
+    <p:extLst>
+      <p:ext uri="{BB962C8B-B14F-4D97-AF65-F5344CB8AC3E}">
+        <p14:creationId xmlns:p14="http://schemas.microsoft.com/office/powerpoint/2010/main" val="1750496038"/>
       </p:ext>
     </p:extLst>
   </p:cSld>
@@ -2373,7 +3253,7 @@
           </a:ln>
           <a:extLst>
             <a:ext uri="{C572A759-6A51-4108-AA02-DFA0A04FC94B}">
-              <ma14:wrappingTextBoxFlag xmlns:ma14="http://schemas.microsoft.com/office/mac/drawingml/2011/main" xmlns:a14="http://schemas.microsoft.com/office/drawing/2010/main" xmlns:m="http://schemas.openxmlformats.org/officeDocument/2006/math" xmlns="" val="1"/>
+              <ma14:wrappingTextBoxFlag xmlns="" xmlns:m="http://schemas.openxmlformats.org/officeDocument/2006/math" xmlns:a14="http://schemas.microsoft.com/office/drawing/2010/main" xmlns:ma14="http://schemas.microsoft.com/office/mac/drawingml/2011/main" val="1"/>
             </a:ext>
           </a:extLst>
         </p:spPr>
@@ -4586,7 +5466,7 @@
           </a:ln>
           <a:extLst>
             <a:ext uri="{C572A759-6A51-4108-AA02-DFA0A04FC94B}">
-              <ma14:wrappingTextBoxFlag xmlns:ma14="http://schemas.microsoft.com/office/mac/drawingml/2011/main" xmlns:a14="http://schemas.microsoft.com/office/drawing/2010/main" xmlns:m="http://schemas.openxmlformats.org/officeDocument/2006/math" xmlns="" val="1"/>
+              <ma14:wrappingTextBoxFlag xmlns="" xmlns:m="http://schemas.openxmlformats.org/officeDocument/2006/math" xmlns:a14="http://schemas.microsoft.com/office/drawing/2010/main" xmlns:ma14="http://schemas.microsoft.com/office/mac/drawingml/2011/main" val="1"/>
             </a:ext>
           </a:extLst>
         </p:spPr>
@@ -4625,7 +5505,7 @@
           </a:ln>
           <a:extLst>
             <a:ext uri="{C572A759-6A51-4108-AA02-DFA0A04FC94B}">
-              <ma14:wrappingTextBoxFlag xmlns:ma14="http://schemas.microsoft.com/office/mac/drawingml/2011/main" xmlns:a14="http://schemas.microsoft.com/office/drawing/2010/main" xmlns:m="http://schemas.openxmlformats.org/officeDocument/2006/math" xmlns="" val="1"/>
+              <ma14:wrappingTextBoxFlag xmlns="" xmlns:m="http://schemas.openxmlformats.org/officeDocument/2006/math" xmlns:a14="http://schemas.microsoft.com/office/drawing/2010/main" xmlns:ma14="http://schemas.microsoft.com/office/mac/drawingml/2011/main" val="1"/>
             </a:ext>
           </a:extLst>
         </p:spPr>
@@ -5470,7 +6350,7 @@
           </a:prstGeom>
           <a:extLst>
             <a:ext uri="{C572A759-6A51-4108-AA02-DFA0A04FC94B}">
-              <ma14:wrappingTextBoxFlag xmlns:ma14="http://schemas.microsoft.com/office/mac/drawingml/2011/main" xmlns:a14="http://schemas.microsoft.com/office/drawing/2010/main" xmlns:m="http://schemas.openxmlformats.org/officeDocument/2006/math" xmlns="" val="1"/>
+              <ma14:wrappingTextBoxFlag xmlns="" xmlns:m="http://schemas.openxmlformats.org/officeDocument/2006/math" xmlns:a14="http://schemas.microsoft.com/office/drawing/2010/main" xmlns:ma14="http://schemas.microsoft.com/office/mac/drawingml/2011/main" val="1"/>
             </a:ext>
           </a:extLst>
         </p:spPr>
@@ -5710,6 +6590,562 @@
 </p:sld>
 </file>
 
+<file path=ppt/slides/slide10.xml><?xml version="1.0" encoding="utf-8"?>
+<p:sld xmlns:a="http://schemas.openxmlformats.org/drawingml/2006/main" xmlns:r="http://schemas.openxmlformats.org/officeDocument/2006/relationships" xmlns:p="http://schemas.openxmlformats.org/presentationml/2006/main">
+  <p:cSld>
+    <p:spTree>
+      <p:nvGrpSpPr>
+        <p:cNvPr id="1" name=""/>
+        <p:cNvGrpSpPr/>
+        <p:nvPr/>
+      </p:nvGrpSpPr>
+      <p:grpSpPr>
+        <a:xfrm>
+          <a:off x="0" y="0"/>
+          <a:ext cx="0" cy="0"/>
+          <a:chOff x="0" y="0"/>
+          <a:chExt cx="0" cy="0"/>
+        </a:xfrm>
+      </p:grpSpPr>
+      <p:sp>
+        <p:nvSpPr>
+          <p:cNvPr id="188" name="The Implementation"/>
+          <p:cNvSpPr txBox="1">
+            <a:spLocks noGrp="1"/>
+          </p:cNvSpPr>
+          <p:nvPr>
+            <p:ph type="title"/>
+          </p:nvPr>
+        </p:nvSpPr>
+        <p:spPr>
+          <a:prstGeom prst="rect">
+            <a:avLst/>
+          </a:prstGeom>
+        </p:spPr>
+        <p:txBody>
+          <a:bodyPr/>
+          <a:lstStyle/>
+          <a:p>
+            <a:r>
+              <a:rPr lang="en-US" dirty="0"/>
+              <a:t>Results</a:t>
+            </a:r>
+            <a:endParaRPr dirty="0"/>
+          </a:p>
+        </p:txBody>
+      </p:sp>
+      <p:sp>
+        <p:nvSpPr>
+          <p:cNvPr id="189" name="A design overview"/>
+          <p:cNvSpPr txBox="1">
+            <a:spLocks noGrp="1"/>
+          </p:cNvSpPr>
+          <p:nvPr>
+            <p:ph type="body" idx="21"/>
+          </p:nvPr>
+        </p:nvSpPr>
+        <p:spPr>
+          <a:prstGeom prst="rect">
+            <a:avLst/>
+          </a:prstGeom>
+          <a:extLst>
+            <a:ext uri="{C572A759-6A51-4108-AA02-DFA0A04FC94B}">
+              <ma14:wrappingTextBoxFlag xmlns="" xmlns:m="http://schemas.openxmlformats.org/officeDocument/2006/math" xmlns:a14="http://schemas.microsoft.com/office/drawing/2010/main" xmlns:ma14="http://schemas.microsoft.com/office/mac/drawingml/2011/main" val="1"/>
+            </a:ext>
+          </a:extLst>
+        </p:spPr>
+        <p:txBody>
+          <a:bodyPr>
+            <a:normAutofit/>
+          </a:bodyPr>
+          <a:lstStyle/>
+          <a:p>
+            <a:r>
+              <a:rPr lang="en-US" dirty="0"/>
+              <a:t>Almost there, but not quite.</a:t>
+            </a:r>
+            <a:endParaRPr dirty="0"/>
+          </a:p>
+        </p:txBody>
+      </p:sp>
+      <p:sp>
+        <p:nvSpPr>
+          <p:cNvPr id="4" name="The blockchain removes the factor of trust with concrete cryptographic proof of transactions.…">
+            <a:extLst>
+              <a:ext uri="{FF2B5EF4-FFF2-40B4-BE49-F238E27FC236}">
+                <a16:creationId xmlns:a16="http://schemas.microsoft.com/office/drawing/2014/main" id="{566BBFC2-2343-4C3A-BD2E-66AC921D0B2D}"/>
+              </a:ext>
+            </a:extLst>
+          </p:cNvPr>
+          <p:cNvSpPr txBox="1">
+            <a:spLocks noGrp="1"/>
+          </p:cNvSpPr>
+          <p:nvPr>
+            <p:ph type="body" idx="1"/>
+          </p:nvPr>
+        </p:nvSpPr>
+        <p:spPr>
+          <a:xfrm>
+            <a:off x="1206500" y="4397037"/>
+            <a:ext cx="21754981" cy="7674002"/>
+          </a:xfrm>
+          <a:prstGeom prst="rect">
+            <a:avLst/>
+          </a:prstGeom>
+        </p:spPr>
+        <p:txBody>
+          <a:bodyPr/>
+          <a:lstStyle/>
+          <a:p>
+            <a:pPr marL="0" indent="0" algn="ctr">
+              <a:buNone/>
+            </a:pPr>
+            <a:endParaRPr lang="en-US" dirty="0"/>
+          </a:p>
+          <a:p>
+            <a:pPr marL="0" indent="0" algn="ctr">
+              <a:buNone/>
+            </a:pPr>
+            <a:r>
+              <a:rPr lang="en-US" dirty="0"/>
+              <a:t>While the technical possibility </a:t>
+            </a:r>
+            <a:r>
+              <a:rPr lang="en-US" b="1" dirty="0"/>
+              <a:t>exists</a:t>
+            </a:r>
+            <a:r>
+              <a:rPr lang="en-US" dirty="0"/>
+              <a:t>, the speed and scalability of our work has not surpassed the </a:t>
+            </a:r>
+            <a:r>
+              <a:rPr lang="en-US" b="1" dirty="0"/>
+              <a:t>threshold</a:t>
+            </a:r>
+            <a:r>
+              <a:rPr lang="en-US" dirty="0"/>
+              <a:t> required to replace traditional (centralized) systems.</a:t>
+            </a:r>
+          </a:p>
+          <a:p>
+            <a:pPr marL="0" indent="0" algn="ctr">
+              <a:buNone/>
+            </a:pPr>
+            <a:endParaRPr lang="en-US" dirty="0"/>
+          </a:p>
+          <a:p>
+            <a:pPr marL="0" indent="0" algn="ctr">
+              <a:buNone/>
+            </a:pPr>
+            <a:r>
+              <a:rPr lang="en-US" dirty="0"/>
+              <a:t>However, </a:t>
+            </a:r>
+            <a:r>
+              <a:rPr lang="en-US" b="1" dirty="0"/>
+              <a:t>given a faster platform </a:t>
+            </a:r>
+            <a:r>
+              <a:rPr lang="en-US" dirty="0"/>
+              <a:t>or more </a:t>
+            </a:r>
+            <a:r>
+              <a:rPr lang="en-US" b="1" dirty="0"/>
+              <a:t>robust technology stack</a:t>
+            </a:r>
+            <a:r>
+              <a:rPr lang="en-US" dirty="0"/>
+              <a:t>; it may pass that threshold - further research is required.</a:t>
+            </a:r>
+          </a:p>
+        </p:txBody>
+      </p:sp>
+    </p:spTree>
+    <p:extLst>
+      <p:ext uri="{BB962C8B-B14F-4D97-AF65-F5344CB8AC3E}">
+        <p14:creationId xmlns:p14="http://schemas.microsoft.com/office/powerpoint/2010/main" val="847998957"/>
+      </p:ext>
+    </p:extLst>
+  </p:cSld>
+  <p:clrMapOvr>
+    <a:masterClrMapping/>
+  </p:clrMapOvr>
+  <p:transition spd="med"/>
+  <p:timing>
+    <p:tnLst>
+      <p:par>
+        <p:cTn id="1" dur="indefinite" restart="never" nodeType="tmRoot">
+          <p:childTnLst>
+            <p:seq concurrent="1" nextAc="seek">
+              <p:cTn id="2" dur="indefinite" nodeType="mainSeq">
+                <p:childTnLst>
+                  <p:par>
+                    <p:cTn id="3" fill="hold">
+                      <p:stCondLst>
+                        <p:cond delay="indefinite"/>
+                      </p:stCondLst>
+                      <p:childTnLst>
+                        <p:par>
+                          <p:cTn id="4" fill="hold">
+                            <p:stCondLst>
+                              <p:cond delay="0"/>
+                            </p:stCondLst>
+                            <p:childTnLst>
+                              <p:par>
+                                <p:cTn id="5" presetID="1" presetClass="entr" presetSubtype="0" fill="hold" grpId="0" nodeType="clickEffect">
+                                  <p:stCondLst>
+                                    <p:cond delay="0"/>
+                                  </p:stCondLst>
+                                  <p:childTnLst>
+                                    <p:set>
+                                      <p:cBhvr>
+                                        <p:cTn id="6" dur="1" fill="hold">
+                                          <p:stCondLst>
+                                            <p:cond delay="0"/>
+                                          </p:stCondLst>
+                                        </p:cTn>
+                                        <p:tgtEl>
+                                          <p:spTgt spid="189">
+                                            <p:txEl>
+                                              <p:pRg st="0" end="0"/>
+                                            </p:txEl>
+                                          </p:spTgt>
+                                        </p:tgtEl>
+                                        <p:attrNameLst>
+                                          <p:attrName>style.visibility</p:attrName>
+                                        </p:attrNameLst>
+                                      </p:cBhvr>
+                                      <p:to>
+                                        <p:strVal val="visible"/>
+                                      </p:to>
+                                    </p:set>
+                                  </p:childTnLst>
+                                </p:cTn>
+                              </p:par>
+                              <p:par>
+                                <p:cTn id="7" presetID="1" presetClass="entr" presetSubtype="0" fill="hold" grpId="0" nodeType="withEffect">
+                                  <p:stCondLst>
+                                    <p:cond delay="0"/>
+                                  </p:stCondLst>
+                                  <p:childTnLst>
+                                    <p:set>
+                                      <p:cBhvr>
+                                        <p:cTn id="8" dur="1" fill="hold">
+                                          <p:stCondLst>
+                                            <p:cond delay="0"/>
+                                          </p:stCondLst>
+                                        </p:cTn>
+                                        <p:tgtEl>
+                                          <p:spTgt spid="4">
+                                            <p:txEl>
+                                              <p:pRg st="1" end="1"/>
+                                            </p:txEl>
+                                          </p:spTgt>
+                                        </p:tgtEl>
+                                        <p:attrNameLst>
+                                          <p:attrName>style.visibility</p:attrName>
+                                        </p:attrNameLst>
+                                      </p:cBhvr>
+                                      <p:to>
+                                        <p:strVal val="visible"/>
+                                      </p:to>
+                                    </p:set>
+                                  </p:childTnLst>
+                                </p:cTn>
+                              </p:par>
+                            </p:childTnLst>
+                          </p:cTn>
+                        </p:par>
+                      </p:childTnLst>
+                    </p:cTn>
+                  </p:par>
+                  <p:par>
+                    <p:cTn id="9" fill="hold">
+                      <p:stCondLst>
+                        <p:cond delay="indefinite"/>
+                      </p:stCondLst>
+                      <p:childTnLst>
+                        <p:par>
+                          <p:cTn id="10" fill="hold">
+                            <p:stCondLst>
+                              <p:cond delay="0"/>
+                            </p:stCondLst>
+                            <p:childTnLst>
+                              <p:par>
+                                <p:cTn id="11" presetID="1" presetClass="entr" presetSubtype="0" fill="hold" grpId="0" nodeType="clickEffect">
+                                  <p:stCondLst>
+                                    <p:cond delay="0"/>
+                                  </p:stCondLst>
+                                  <p:childTnLst>
+                                    <p:set>
+                                      <p:cBhvr>
+                                        <p:cTn id="12" dur="1" fill="hold">
+                                          <p:stCondLst>
+                                            <p:cond delay="0"/>
+                                          </p:stCondLst>
+                                        </p:cTn>
+                                        <p:tgtEl>
+                                          <p:spTgt spid="4">
+                                            <p:txEl>
+                                              <p:pRg st="3" end="3"/>
+                                            </p:txEl>
+                                          </p:spTgt>
+                                        </p:tgtEl>
+                                        <p:attrNameLst>
+                                          <p:attrName>style.visibility</p:attrName>
+                                        </p:attrNameLst>
+                                      </p:cBhvr>
+                                      <p:to>
+                                        <p:strVal val="visible"/>
+                                      </p:to>
+                                    </p:set>
+                                  </p:childTnLst>
+                                </p:cTn>
+                              </p:par>
+                            </p:childTnLst>
+                          </p:cTn>
+                        </p:par>
+                      </p:childTnLst>
+                    </p:cTn>
+                  </p:par>
+                </p:childTnLst>
+              </p:cTn>
+              <p:prevCondLst>
+                <p:cond evt="onPrev" delay="0">
+                  <p:tgtEl>
+                    <p:sldTgt/>
+                  </p:tgtEl>
+                </p:cond>
+              </p:prevCondLst>
+              <p:nextCondLst>
+                <p:cond evt="onNext" delay="0">
+                  <p:tgtEl>
+                    <p:sldTgt/>
+                  </p:tgtEl>
+                </p:cond>
+              </p:nextCondLst>
+            </p:seq>
+          </p:childTnLst>
+        </p:cTn>
+      </p:par>
+    </p:tnLst>
+    <p:bldLst>
+      <p:bldP spid="189" grpId="0" uiExpand="1" build="p"/>
+      <p:bldP spid="4" grpId="0" uiExpand="1" build="p"/>
+    </p:bldLst>
+  </p:timing>
+</p:sld>
+</file>
+
+<file path=ppt/slides/slide11.xml><?xml version="1.0" encoding="utf-8"?>
+<p:sld xmlns:a="http://schemas.openxmlformats.org/drawingml/2006/main" xmlns:r="http://schemas.openxmlformats.org/officeDocument/2006/relationships" xmlns:p="http://schemas.openxmlformats.org/presentationml/2006/main">
+  <p:cSld>
+    <p:spTree>
+      <p:nvGrpSpPr>
+        <p:cNvPr id="1" name=""/>
+        <p:cNvGrpSpPr/>
+        <p:nvPr/>
+      </p:nvGrpSpPr>
+      <p:grpSpPr>
+        <a:xfrm>
+          <a:off x="0" y="0"/>
+          <a:ext cx="0" cy="0"/>
+          <a:chOff x="0" y="0"/>
+          <a:chExt cx="0" cy="0"/>
+        </a:xfrm>
+      </p:grpSpPr>
+      <p:sp>
+        <p:nvSpPr>
+          <p:cNvPr id="248" name="In Summary"/>
+          <p:cNvSpPr txBox="1">
+            <a:spLocks noGrp="1"/>
+          </p:cNvSpPr>
+          <p:nvPr>
+            <p:ph type="title"/>
+          </p:nvPr>
+        </p:nvSpPr>
+        <p:spPr>
+          <a:prstGeom prst="rect">
+            <a:avLst/>
+          </a:prstGeom>
+        </p:spPr>
+        <p:txBody>
+          <a:bodyPr/>
+          <a:lstStyle/>
+          <a:p>
+            <a:r>
+              <a:rPr lang="en-US" dirty="0"/>
+              <a:t>Live Demonstration</a:t>
+            </a:r>
+            <a:endParaRPr dirty="0"/>
+          </a:p>
+        </p:txBody>
+      </p:sp>
+      <p:pic>
+        <p:nvPicPr>
+          <p:cNvPr id="3" name="Picture 2">
+            <a:hlinkClick r:id="rId3"/>
+            <a:extLst>
+              <a:ext uri="{FF2B5EF4-FFF2-40B4-BE49-F238E27FC236}">
+                <a16:creationId xmlns:a16="http://schemas.microsoft.com/office/drawing/2014/main" id="{088FA5D3-91D4-47F1-A62F-A8166A1A6CAF}"/>
+              </a:ext>
+            </a:extLst>
+          </p:cNvPr>
+          <p:cNvPicPr>
+            <a:picLocks noChangeAspect="1"/>
+          </p:cNvPicPr>
+          <p:nvPr/>
+        </p:nvPicPr>
+        <p:blipFill>
+          <a:blip r:embed="rId4"/>
+          <a:stretch>
+            <a:fillRect/>
+          </a:stretch>
+        </p:blipFill>
+        <p:spPr>
+          <a:xfrm>
+            <a:off x="2266457" y="2816772"/>
+            <a:ext cx="19851086" cy="9687743"/>
+          </a:xfrm>
+          <a:prstGeom prst="rect">
+            <a:avLst/>
+          </a:prstGeom>
+        </p:spPr>
+      </p:pic>
+    </p:spTree>
+    <p:extLst>
+      <p:ext uri="{BB962C8B-B14F-4D97-AF65-F5344CB8AC3E}">
+        <p14:creationId xmlns:p14="http://schemas.microsoft.com/office/powerpoint/2010/main" val="2455548888"/>
+      </p:ext>
+    </p:extLst>
+  </p:cSld>
+  <p:clrMapOvr>
+    <a:masterClrMapping/>
+  </p:clrMapOvr>
+  <p:transition spd="med"/>
+</p:sld>
+</file>
+
+<file path=ppt/slides/slide12.xml><?xml version="1.0" encoding="utf-8"?>
+<p:sld xmlns:a="http://schemas.openxmlformats.org/drawingml/2006/main" xmlns:r="http://schemas.openxmlformats.org/officeDocument/2006/relationships" xmlns:p="http://schemas.openxmlformats.org/presentationml/2006/main">
+  <p:cSld>
+    <p:spTree>
+      <p:nvGrpSpPr>
+        <p:cNvPr id="1" name=""/>
+        <p:cNvGrpSpPr/>
+        <p:nvPr/>
+      </p:nvGrpSpPr>
+      <p:grpSpPr>
+        <a:xfrm>
+          <a:off x="0" y="0"/>
+          <a:ext cx="0" cy="0"/>
+          <a:chOff x="0" y="0"/>
+          <a:chExt cx="0" cy="0"/>
+        </a:xfrm>
+      </p:grpSpPr>
+      <p:sp>
+        <p:nvSpPr>
+          <p:cNvPr id="253" name="UKGC (2021). UKGC Gambling Industry Statistics Report April 2020-March 2021. UKGC Gambling Industry Statistics Report. [online] Available at: https://www.gamblingcommission.gov.uk/aboutus/statisticsandresearch.…"/>
+          <p:cNvSpPr txBox="1">
+            <a:spLocks noGrp="1"/>
+          </p:cNvSpPr>
+          <p:nvPr>
+            <p:ph type="body" idx="1"/>
+          </p:nvPr>
+        </p:nvSpPr>
+        <p:spPr>
+          <a:xfrm>
+            <a:off x="1206500" y="2786114"/>
+            <a:ext cx="21971000" cy="9718402"/>
+          </a:xfrm>
+          <a:prstGeom prst="rect">
+            <a:avLst/>
+          </a:prstGeom>
+        </p:spPr>
+        <p:txBody>
+          <a:bodyPr anchor="ctr"/>
+          <a:lstStyle/>
+          <a:p>
+            <a:pPr marL="666750" indent="-666750" defTabSz="825500">
+              <a:lnSpc>
+                <a:spcPct val="100000"/>
+              </a:lnSpc>
+              <a:spcBef>
+                <a:spcPts val="0"/>
+              </a:spcBef>
+              <a:buSzPct val="100000"/>
+              <a:buAutoNum type="arabicParenBoth"/>
+              <a:defRPr sz="3600" b="1"/>
+            </a:pPr>
+            <a:r>
+              <a:rPr lang="en-GB" dirty="0"/>
+              <a:t>Overview of the British gambling sector - Gambling Commission. (2021). Retrieved April 16, 2022, from https://www.gamblingcommission.gov.uk/manual/annual-report-and-accounts-2020-to-2021/annual-report-20-21-performance-report-overview-of-the-british-gambling.</a:t>
+            </a:r>
+            <a:r>
+              <a:rPr dirty="0"/>
+              <a:t>.</a:t>
+            </a:r>
+          </a:p>
+          <a:p>
+            <a:pPr marL="666750" indent="-666750" defTabSz="825500">
+              <a:lnSpc>
+                <a:spcPct val="100000"/>
+              </a:lnSpc>
+              <a:spcBef>
+                <a:spcPts val="0"/>
+              </a:spcBef>
+              <a:buSzPct val="100000"/>
+              <a:buAutoNum type="arabicParenBoth"/>
+              <a:defRPr sz="3600" b="1"/>
+            </a:pPr>
+            <a:r>
+              <a:rPr dirty="0"/>
+              <a:t>Gainsbury, S., Parke, J., &amp; Suhonen, N. (2013). Consumer attitudes towards Internet gambling: Perceptions of responsible gambling policies, consumer protection, and regulation of online gambling sites. Computers in Human Behavior, 29 (1). </a:t>
+            </a:r>
+            <a:r>
+              <a:rPr u="sng" dirty="0">
+                <a:hlinkClick r:id="rId3"/>
+              </a:rPr>
+              <a:t>https://doi.org/10.1016/j.chb.2012.08.010</a:t>
+            </a:r>
+          </a:p>
+        </p:txBody>
+      </p:sp>
+      <p:sp>
+        <p:nvSpPr>
+          <p:cNvPr id="254" name="References"/>
+          <p:cNvSpPr txBox="1">
+            <a:spLocks noGrp="1"/>
+          </p:cNvSpPr>
+          <p:nvPr>
+            <p:ph type="title"/>
+          </p:nvPr>
+        </p:nvSpPr>
+        <p:spPr>
+          <a:prstGeom prst="rect">
+            <a:avLst/>
+          </a:prstGeom>
+        </p:spPr>
+        <p:txBody>
+          <a:bodyPr/>
+          <a:lstStyle/>
+          <a:p>
+            <a:r>
+              <a:rPr dirty="0"/>
+              <a:t>References</a:t>
+            </a:r>
+          </a:p>
+        </p:txBody>
+      </p:sp>
+    </p:spTree>
+  </p:cSld>
+  <p:clrMapOvr>
+    <a:masterClrMapping/>
+  </p:clrMapOvr>
+  <p:transition spd="med"/>
+</p:sld>
+</file>
+
 <file path=ppt/slides/slide2.xml><?xml version="1.0" encoding="utf-8"?>
 <p:sld xmlns:a="http://schemas.openxmlformats.org/drawingml/2006/main" xmlns:r="http://schemas.openxmlformats.org/officeDocument/2006/relationships" xmlns:p="http://schemas.openxmlformats.org/presentationml/2006/main">
   <p:cSld>
@@ -5770,7 +7206,7 @@
           </a:prstGeom>
           <a:extLst>
             <a:ext uri="{C572A759-6A51-4108-AA02-DFA0A04FC94B}">
-              <ma14:wrappingTextBoxFlag xmlns:ma14="http://schemas.microsoft.com/office/mac/drawingml/2011/main" xmlns:a14="http://schemas.microsoft.com/office/drawing/2010/main" xmlns:m="http://schemas.openxmlformats.org/officeDocument/2006/math" xmlns="" val="1"/>
+              <ma14:wrappingTextBoxFlag xmlns="" xmlns:m="http://schemas.openxmlformats.org/officeDocument/2006/math" xmlns:a14="http://schemas.microsoft.com/office/drawing/2010/main" xmlns:ma14="http://schemas.microsoft.com/office/mac/drawingml/2011/main" val="1"/>
             </a:ext>
           </a:extLst>
         </p:spPr>
@@ -5992,7 +7428,7 @@
           </a:prstGeom>
           <a:extLst>
             <a:ext uri="{C572A759-6A51-4108-AA02-DFA0A04FC94B}">
-              <ma14:wrappingTextBoxFlag xmlns:ma14="http://schemas.microsoft.com/office/mac/drawingml/2011/main" xmlns:a14="http://schemas.microsoft.com/office/drawing/2010/main" xmlns:m="http://schemas.openxmlformats.org/officeDocument/2006/math" xmlns="" val="1"/>
+              <ma14:wrappingTextBoxFlag xmlns="" xmlns:m="http://schemas.openxmlformats.org/officeDocument/2006/math" xmlns:a14="http://schemas.microsoft.com/office/drawing/2010/main" xmlns:ma14="http://schemas.microsoft.com/office/mac/drawingml/2011/main" val="1"/>
             </a:ext>
           </a:extLst>
         </p:spPr>
@@ -6461,7 +7897,7 @@
           </a:prstGeom>
           <a:extLst>
             <a:ext uri="{C572A759-6A51-4108-AA02-DFA0A04FC94B}">
-              <ma14:wrappingTextBoxFlag xmlns:ma14="http://schemas.microsoft.com/office/mac/drawingml/2011/main" xmlns:a14="http://schemas.microsoft.com/office/drawing/2010/main" xmlns:m="http://schemas.openxmlformats.org/officeDocument/2006/math" xmlns="" val="1"/>
+              <ma14:wrappingTextBoxFlag xmlns="" xmlns:m="http://schemas.openxmlformats.org/officeDocument/2006/math" xmlns:a14="http://schemas.microsoft.com/office/drawing/2010/main" xmlns:ma14="http://schemas.microsoft.com/office/mac/drawingml/2011/main" val="1"/>
             </a:ext>
           </a:extLst>
         </p:spPr>
@@ -6798,7 +8234,7 @@
           </a:prstGeom>
           <a:extLst>
             <a:ext uri="{C572A759-6A51-4108-AA02-DFA0A04FC94B}">
-              <ma14:wrappingTextBoxFlag xmlns:ma14="http://schemas.microsoft.com/office/mac/drawingml/2011/main" xmlns:a14="http://schemas.microsoft.com/office/drawing/2010/main" xmlns:m="http://schemas.openxmlformats.org/officeDocument/2006/math" xmlns="" val="1"/>
+              <ma14:wrappingTextBoxFlag xmlns="" xmlns:m="http://schemas.openxmlformats.org/officeDocument/2006/math" xmlns:a14="http://schemas.microsoft.com/office/drawing/2010/main" xmlns:ma14="http://schemas.microsoft.com/office/mac/drawingml/2011/main" val="1"/>
             </a:ext>
           </a:extLst>
         </p:spPr>
@@ -7178,136 +8614,10 @@
           </a:p>
         </p:txBody>
       </p:sp>
-      <p:sp>
-        <p:nvSpPr>
-          <p:cNvPr id="189" name="A design overview"/>
-          <p:cNvSpPr txBox="1">
-            <a:spLocks noGrp="1"/>
-          </p:cNvSpPr>
-          <p:nvPr>
-            <p:ph type="body" idx="21"/>
-          </p:nvPr>
-        </p:nvSpPr>
-        <p:spPr>
-          <a:prstGeom prst="rect">
-            <a:avLst/>
-          </a:prstGeom>
-          <a:extLst>
-            <a:ext uri="{C572A759-6A51-4108-AA02-DFA0A04FC94B}">
-              <ma14:wrappingTextBoxFlag xmlns:ma14="http://schemas.microsoft.com/office/mac/drawingml/2011/main" xmlns:a14="http://schemas.microsoft.com/office/drawing/2010/main" xmlns:m="http://schemas.openxmlformats.org/officeDocument/2006/math" xmlns="" val="1"/>
-            </a:ext>
-          </a:extLst>
-        </p:spPr>
-        <p:txBody>
-          <a:bodyPr>
-            <a:normAutofit/>
-          </a:bodyPr>
-          <a:lstStyle/>
-          <a:p>
-            <a:r>
-              <a:rPr lang="en-US" dirty="0"/>
-              <a:t>Almost there, but not quite.</a:t>
-            </a:r>
-            <a:endParaRPr dirty="0"/>
-          </a:p>
-        </p:txBody>
-      </p:sp>
-      <p:sp>
-        <p:nvSpPr>
-          <p:cNvPr id="4" name="The blockchain removes the factor of trust with concrete cryptographic proof of transactions.…">
-            <a:extLst>
-              <a:ext uri="{FF2B5EF4-FFF2-40B4-BE49-F238E27FC236}">
-                <a16:creationId xmlns:a16="http://schemas.microsoft.com/office/drawing/2014/main" id="{566BBFC2-2343-4C3A-BD2E-66AC921D0B2D}"/>
-              </a:ext>
-            </a:extLst>
-          </p:cNvPr>
-          <p:cNvSpPr txBox="1">
-            <a:spLocks noGrp="1"/>
-          </p:cNvSpPr>
-          <p:nvPr>
-            <p:ph type="body" idx="1"/>
-          </p:nvPr>
-        </p:nvSpPr>
-        <p:spPr>
-          <a:xfrm>
-            <a:off x="1206500" y="4397037"/>
-            <a:ext cx="21754981" cy="7674002"/>
-          </a:xfrm>
-          <a:prstGeom prst="rect">
-            <a:avLst/>
-          </a:prstGeom>
-        </p:spPr>
-        <p:txBody>
-          <a:bodyPr/>
-          <a:lstStyle/>
-          <a:p>
-            <a:pPr marL="0" indent="0" algn="ctr">
-              <a:buNone/>
-            </a:pPr>
-            <a:endParaRPr lang="en-US" dirty="0"/>
-          </a:p>
-          <a:p>
-            <a:pPr marL="0" indent="0" algn="ctr">
-              <a:buNone/>
-            </a:pPr>
-            <a:r>
-              <a:rPr lang="en-US" dirty="0"/>
-              <a:t>While the technical possibility </a:t>
-            </a:r>
-            <a:r>
-              <a:rPr lang="en-US" b="1" dirty="0"/>
-              <a:t>exists</a:t>
-            </a:r>
-            <a:r>
-              <a:rPr lang="en-US" dirty="0"/>
-              <a:t>, the speed and scalability of our work has not surpassed the </a:t>
-            </a:r>
-            <a:r>
-              <a:rPr lang="en-US" b="1" dirty="0"/>
-              <a:t>threshold</a:t>
-            </a:r>
-            <a:r>
-              <a:rPr lang="en-US" dirty="0"/>
-              <a:t> required to replace traditional (centralized) systems.</a:t>
-            </a:r>
-          </a:p>
-          <a:p>
-            <a:pPr marL="0" indent="0" algn="ctr">
-              <a:buNone/>
-            </a:pPr>
-            <a:endParaRPr lang="en-US" dirty="0"/>
-          </a:p>
-          <a:p>
-            <a:pPr marL="0" indent="0" algn="ctr">
-              <a:buNone/>
-            </a:pPr>
-            <a:r>
-              <a:rPr lang="en-US" dirty="0"/>
-              <a:t>However, </a:t>
-            </a:r>
-            <a:r>
-              <a:rPr lang="en-US" b="1" dirty="0"/>
-              <a:t>given a faster platform </a:t>
-            </a:r>
-            <a:r>
-              <a:rPr lang="en-US" dirty="0"/>
-              <a:t>or more </a:t>
-            </a:r>
-            <a:r>
-              <a:rPr lang="en-US" b="1" dirty="0"/>
-              <a:t>robust technology stack</a:t>
-            </a:r>
-            <a:r>
-              <a:rPr lang="en-US" dirty="0"/>
-              <a:t>; it may pass that threshold - further research is required.</a:t>
-            </a:r>
-          </a:p>
-        </p:txBody>
-      </p:sp>
     </p:spTree>
     <p:extLst>
       <p:ext uri="{BB962C8B-B14F-4D97-AF65-F5344CB8AC3E}">
-        <p14:creationId xmlns:p14="http://schemas.microsoft.com/office/powerpoint/2010/main" val="847998957"/>
+        <p14:creationId xmlns:p14="http://schemas.microsoft.com/office/powerpoint/2010/main" val="2555776735"/>
       </p:ext>
     </p:extLst>
   </p:cSld>
@@ -7315,169 +8625,6 @@
     <a:masterClrMapping/>
   </p:clrMapOvr>
   <p:transition spd="med"/>
-  <p:timing>
-    <p:tnLst>
-      <p:par>
-        <p:cTn id="1" dur="indefinite" restart="never" nodeType="tmRoot">
-          <p:childTnLst>
-            <p:seq concurrent="1" nextAc="seek">
-              <p:cTn id="2" dur="indefinite" nodeType="mainSeq">
-                <p:childTnLst>
-                  <p:par>
-                    <p:cTn id="3" fill="hold">
-                      <p:stCondLst>
-                        <p:cond delay="indefinite"/>
-                      </p:stCondLst>
-                      <p:childTnLst>
-                        <p:par>
-                          <p:cTn id="4" fill="hold">
-                            <p:stCondLst>
-                              <p:cond delay="0"/>
-                            </p:stCondLst>
-                            <p:childTnLst>
-                              <p:par>
-                                <p:cTn id="5" presetID="1" presetClass="entr" presetSubtype="0" fill="hold" grpId="0" nodeType="clickEffect">
-                                  <p:stCondLst>
-                                    <p:cond delay="0"/>
-                                  </p:stCondLst>
-                                  <p:childTnLst>
-                                    <p:set>
-                                      <p:cBhvr>
-                                        <p:cTn id="6" dur="1" fill="hold">
-                                          <p:stCondLst>
-                                            <p:cond delay="0"/>
-                                          </p:stCondLst>
-                                        </p:cTn>
-                                        <p:tgtEl>
-                                          <p:spTgt spid="189">
-                                            <p:txEl>
-                                              <p:pRg st="0" end="0"/>
-                                            </p:txEl>
-                                          </p:spTgt>
-                                        </p:tgtEl>
-                                        <p:attrNameLst>
-                                          <p:attrName>style.visibility</p:attrName>
-                                        </p:attrNameLst>
-                                      </p:cBhvr>
-                                      <p:to>
-                                        <p:strVal val="visible"/>
-                                      </p:to>
-                                    </p:set>
-                                  </p:childTnLst>
-                                </p:cTn>
-                              </p:par>
-                              <p:par>
-                                <p:cTn id="7" presetID="1" presetClass="entr" presetSubtype="0" fill="hold" grpId="0" nodeType="withEffect">
-                                  <p:stCondLst>
-                                    <p:cond delay="0"/>
-                                  </p:stCondLst>
-                                  <p:childTnLst>
-                                    <p:set>
-                                      <p:cBhvr>
-                                        <p:cTn id="8" dur="1" fill="hold">
-                                          <p:stCondLst>
-                                            <p:cond delay="0"/>
-                                          </p:stCondLst>
-                                        </p:cTn>
-                                        <p:tgtEl>
-                                          <p:spTgt spid="4">
-                                            <p:txEl>
-                                              <p:pRg st="1" end="1"/>
-                                            </p:txEl>
-                                          </p:spTgt>
-                                        </p:tgtEl>
-                                        <p:attrNameLst>
-                                          <p:attrName>style.visibility</p:attrName>
-                                        </p:attrNameLst>
-                                      </p:cBhvr>
-                                      <p:to>
-                                        <p:strVal val="visible"/>
-                                      </p:to>
-                                    </p:set>
-                                  </p:childTnLst>
-                                </p:cTn>
-                              </p:par>
-                            </p:childTnLst>
-                          </p:cTn>
-                        </p:par>
-                      </p:childTnLst>
-                    </p:cTn>
-                  </p:par>
-                  <p:par>
-                    <p:cTn id="9" fill="hold">
-                      <p:stCondLst>
-                        <p:cond delay="indefinite"/>
-                      </p:stCondLst>
-                      <p:childTnLst>
-                        <p:par>
-                          <p:cTn id="10" fill="hold">
-                            <p:stCondLst>
-                              <p:cond delay="0"/>
-                            </p:stCondLst>
-                            <p:childTnLst>
-                              <p:par>
-                                <p:cTn id="11" presetID="1" presetClass="entr" presetSubtype="0" fill="hold" grpId="0" nodeType="clickEffect">
-                                  <p:stCondLst>
-                                    <p:cond delay="0"/>
-                                  </p:stCondLst>
-                                  <p:childTnLst>
-                                    <p:set>
-                                      <p:cBhvr>
-                                        <p:cTn id="12" dur="1" fill="hold">
-                                          <p:stCondLst>
-                                            <p:cond delay="0"/>
-                                          </p:stCondLst>
-                                        </p:cTn>
-                                        <p:tgtEl>
-                                          <p:spTgt spid="4">
-                                            <p:txEl>
-                                              <p:pRg st="3" end="3"/>
-                                            </p:txEl>
-                                          </p:spTgt>
-                                        </p:tgtEl>
-                                        <p:attrNameLst>
-                                          <p:attrName>style.visibility</p:attrName>
-                                        </p:attrNameLst>
-                                      </p:cBhvr>
-                                      <p:to>
-                                        <p:strVal val="visible"/>
-                                      </p:to>
-                                    </p:set>
-                                  </p:childTnLst>
-                                </p:cTn>
-                              </p:par>
-                            </p:childTnLst>
-                          </p:cTn>
-                        </p:par>
-                      </p:childTnLst>
-                    </p:cTn>
-                  </p:par>
-                </p:childTnLst>
-              </p:cTn>
-              <p:prevCondLst>
-                <p:cond evt="onPrev" delay="0">
-                  <p:tgtEl>
-                    <p:sldTgt/>
-                  </p:tgtEl>
-                </p:cond>
-              </p:prevCondLst>
-              <p:nextCondLst>
-                <p:cond evt="onNext" delay="0">
-                  <p:tgtEl>
-                    <p:sldTgt/>
-                  </p:tgtEl>
-                </p:cond>
-              </p:nextCondLst>
-            </p:seq>
-          </p:childTnLst>
-        </p:cTn>
-      </p:par>
-    </p:tnLst>
-    <p:bldLst>
-      <p:bldP spid="189" grpId="0" uiExpand="1" build="p"/>
-      <p:bldP spid="4" grpId="0" uiExpand="1" build="p"/>
-    </p:bldLst>
-  </p:timing>
 </p:sld>
 </file>
 
@@ -7500,7 +8647,7 @@
       </p:grpSpPr>
       <p:sp>
         <p:nvSpPr>
-          <p:cNvPr id="248" name="In Summary"/>
+          <p:cNvPr id="188" name="The Implementation"/>
           <p:cNvSpPr txBox="1">
             <a:spLocks noGrp="1"/>
           </p:cNvSpPr>
@@ -7519,7 +8666,7 @@
           <a:p>
             <a:r>
               <a:rPr lang="en-US" dirty="0"/>
-              <a:t>Live Demonstration</a:t>
+              <a:t>Results</a:t>
             </a:r>
             <a:endParaRPr dirty="0"/>
           </a:p>
@@ -7527,11 +8674,10 @@
       </p:sp>
       <p:pic>
         <p:nvPicPr>
-          <p:cNvPr id="3" name="Picture 2">
-            <a:hlinkClick r:id="rId3"/>
+          <p:cNvPr id="3" name="Picture 2" descr="Chart, line chart&#10;&#10;Description automatically generated">
             <a:extLst>
               <a:ext uri="{FF2B5EF4-FFF2-40B4-BE49-F238E27FC236}">
-                <a16:creationId xmlns:a16="http://schemas.microsoft.com/office/drawing/2014/main" id="{088FA5D3-91D4-47F1-A62F-A8166A1A6CAF}"/>
+                <a16:creationId xmlns:a16="http://schemas.microsoft.com/office/drawing/2014/main" id="{D4F2CB19-27C5-48D0-A2E5-3FF6DBA52DF8}"/>
               </a:ext>
             </a:extLst>
           </p:cNvPr>
@@ -7541,15 +8687,21 @@
           <p:nvPr/>
         </p:nvPicPr>
         <p:blipFill>
-          <a:blip r:embed="rId4"/>
+          <a:blip r:embed="rId3">
+            <a:extLst>
+              <a:ext uri="{28A0092B-C50C-407E-A947-70E740481C1C}">
+                <a14:useLocalDpi xmlns:a14="http://schemas.microsoft.com/office/drawing/2010/main" val="0"/>
+              </a:ext>
+            </a:extLst>
+          </a:blip>
           <a:stretch>
             <a:fillRect/>
           </a:stretch>
         </p:blipFill>
         <p:spPr>
           <a:xfrm>
-            <a:off x="2266457" y="2816772"/>
-            <a:ext cx="19851086" cy="9687743"/>
+            <a:off x="6636366" y="3618000"/>
+            <a:ext cx="11111268" cy="8417628"/>
           </a:xfrm>
           <a:prstGeom prst="rect">
             <a:avLst/>
@@ -7559,7 +8711,7 @@
     </p:spTree>
     <p:extLst>
       <p:ext uri="{BB962C8B-B14F-4D97-AF65-F5344CB8AC3E}">
-        <p14:creationId xmlns:p14="http://schemas.microsoft.com/office/powerpoint/2010/main" val="2455548888"/>
+        <p14:creationId xmlns:p14="http://schemas.microsoft.com/office/powerpoint/2010/main" val="3670968712"/>
       </p:ext>
     </p:extLst>
   </p:cSld>
@@ -7589,75 +8741,7 @@
       </p:grpSpPr>
       <p:sp>
         <p:nvSpPr>
-          <p:cNvPr id="253" name="UKGC (2021). UKGC Gambling Industry Statistics Report April 2020-March 2021. UKGC Gambling Industry Statistics Report. [online] Available at: https://www.gamblingcommission.gov.uk/aboutus/statisticsandresearch.…"/>
-          <p:cNvSpPr txBox="1">
-            <a:spLocks noGrp="1"/>
-          </p:cNvSpPr>
-          <p:nvPr>
-            <p:ph type="body" idx="1"/>
-          </p:nvPr>
-        </p:nvSpPr>
-        <p:spPr>
-          <a:xfrm>
-            <a:off x="1206500" y="2786114"/>
-            <a:ext cx="21971000" cy="9718402"/>
-          </a:xfrm>
-          <a:prstGeom prst="rect">
-            <a:avLst/>
-          </a:prstGeom>
-        </p:spPr>
-        <p:txBody>
-          <a:bodyPr anchor="ctr"/>
-          <a:lstStyle/>
-          <a:p>
-            <a:pPr marL="666750" indent="-666750" defTabSz="825500">
-              <a:lnSpc>
-                <a:spcPct val="100000"/>
-              </a:lnSpc>
-              <a:spcBef>
-                <a:spcPts val="0"/>
-              </a:spcBef>
-              <a:buSzPct val="100000"/>
-              <a:buAutoNum type="arabicParenBoth"/>
-              <a:defRPr sz="3600" b="1"/>
-            </a:pPr>
-            <a:r>
-              <a:rPr lang="en-GB" dirty="0"/>
-              <a:t>Overview of the British gambling sector - Gambling Commission. (2021). Retrieved April 16, 2022, from https://www.gamblingcommission.gov.uk/manual/annual-report-and-accounts-2020-to-2021/annual-report-20-21-performance-report-overview-of-the-british-gambling.</a:t>
-            </a:r>
-            <a:r>
-              <a:rPr dirty="0"/>
-              <a:t>.</a:t>
-            </a:r>
-          </a:p>
-          <a:p>
-            <a:pPr marL="666750" indent="-666750" defTabSz="825500">
-              <a:lnSpc>
-                <a:spcPct val="100000"/>
-              </a:lnSpc>
-              <a:spcBef>
-                <a:spcPts val="0"/>
-              </a:spcBef>
-              <a:buSzPct val="100000"/>
-              <a:buAutoNum type="arabicParenBoth"/>
-              <a:defRPr sz="3600" b="1"/>
-            </a:pPr>
-            <a:r>
-              <a:rPr dirty="0"/>
-              <a:t>Gainsbury, S., Parke, J., &amp; Suhonen, N. (2013). Consumer attitudes towards Internet gambling: Perceptions of responsible gambling policies, consumer protection, and regulation of online gambling sites. Computers in Human Behavior, 29 (1). </a:t>
-            </a:r>
-            <a:r>
-              <a:rPr u="sng" dirty="0">
-                <a:hlinkClick r:id="rId3"/>
-              </a:rPr>
-              <a:t>https://doi.org/10.1016/j.chb.2012.08.010</a:t>
-            </a:r>
-          </a:p>
-        </p:txBody>
-      </p:sp>
-      <p:sp>
-        <p:nvSpPr>
-          <p:cNvPr id="254" name="References"/>
+          <p:cNvPr id="188" name="The Implementation"/>
           <p:cNvSpPr txBox="1">
             <a:spLocks noGrp="1"/>
           </p:cNvSpPr>
@@ -7675,13 +8759,195 @@
           <a:lstStyle/>
           <a:p>
             <a:r>
-              <a:rPr dirty="0"/>
-              <a:t>References</a:t>
-            </a:r>
+              <a:rPr lang="en-US" dirty="0"/>
+              <a:t>Results</a:t>
+            </a:r>
+            <a:endParaRPr dirty="0"/>
           </a:p>
         </p:txBody>
       </p:sp>
+      <p:pic>
+        <p:nvPicPr>
+          <p:cNvPr id="6" name="Picture 5" descr="Chart, histogram&#10;&#10;Description automatically generated">
+            <a:extLst>
+              <a:ext uri="{FF2B5EF4-FFF2-40B4-BE49-F238E27FC236}">
+                <a16:creationId xmlns:a16="http://schemas.microsoft.com/office/drawing/2014/main" id="{375BF352-A482-4C6B-A49B-94B0393365FD}"/>
+              </a:ext>
+            </a:extLst>
+          </p:cNvPr>
+          <p:cNvPicPr>
+            <a:picLocks noChangeAspect="1"/>
+          </p:cNvPicPr>
+          <p:nvPr/>
+        </p:nvPicPr>
+        <p:blipFill>
+          <a:blip r:embed="rId3">
+            <a:extLst>
+              <a:ext uri="{28A0092B-C50C-407E-A947-70E740481C1C}">
+                <a14:useLocalDpi xmlns:a14="http://schemas.microsoft.com/office/drawing/2010/main" val="0"/>
+              </a:ext>
+            </a:extLst>
+          </a:blip>
+          <a:stretch>
+            <a:fillRect/>
+          </a:stretch>
+        </p:blipFill>
+        <p:spPr>
+          <a:xfrm>
+            <a:off x="7152000" y="3589970"/>
+            <a:ext cx="10977635" cy="7674001"/>
+          </a:xfrm>
+          <a:prstGeom prst="rect">
+            <a:avLst/>
+          </a:prstGeom>
+        </p:spPr>
+      </p:pic>
     </p:spTree>
+    <p:extLst>
+      <p:ext uri="{BB962C8B-B14F-4D97-AF65-F5344CB8AC3E}">
+        <p14:creationId xmlns:p14="http://schemas.microsoft.com/office/powerpoint/2010/main" val="341992023"/>
+      </p:ext>
+    </p:extLst>
+  </p:cSld>
+  <p:clrMapOvr>
+    <a:masterClrMapping/>
+  </p:clrMapOvr>
+  <p:transition spd="med"/>
+</p:sld>
+</file>
+
+<file path=ppt/slides/slide9.xml><?xml version="1.0" encoding="utf-8"?>
+<p:sld xmlns:a="http://schemas.openxmlformats.org/drawingml/2006/main" xmlns:r="http://schemas.openxmlformats.org/officeDocument/2006/relationships" xmlns:p="http://schemas.openxmlformats.org/presentationml/2006/main">
+  <p:cSld>
+    <p:spTree>
+      <p:nvGrpSpPr>
+        <p:cNvPr id="1" name=""/>
+        <p:cNvGrpSpPr/>
+        <p:nvPr/>
+      </p:nvGrpSpPr>
+      <p:grpSpPr>
+        <a:xfrm>
+          <a:off x="0" y="0"/>
+          <a:ext cx="0" cy="0"/>
+          <a:chOff x="0" y="0"/>
+          <a:chExt cx="0" cy="0"/>
+        </a:xfrm>
+      </p:grpSpPr>
+      <p:sp>
+        <p:nvSpPr>
+          <p:cNvPr id="188" name="The Implementation"/>
+          <p:cNvSpPr txBox="1">
+            <a:spLocks noGrp="1"/>
+          </p:cNvSpPr>
+          <p:nvPr>
+            <p:ph type="title"/>
+          </p:nvPr>
+        </p:nvSpPr>
+        <p:spPr>
+          <a:prstGeom prst="rect">
+            <a:avLst/>
+          </a:prstGeom>
+        </p:spPr>
+        <p:txBody>
+          <a:bodyPr/>
+          <a:lstStyle/>
+          <a:p>
+            <a:r>
+              <a:rPr lang="en-US" dirty="0"/>
+              <a:t>Results</a:t>
+            </a:r>
+            <a:endParaRPr dirty="0"/>
+          </a:p>
+        </p:txBody>
+      </p:sp>
+      <p:pic>
+        <p:nvPicPr>
+          <p:cNvPr id="9" name="Picture 8">
+            <a:extLst>
+              <a:ext uri="{FF2B5EF4-FFF2-40B4-BE49-F238E27FC236}">
+                <a16:creationId xmlns:a16="http://schemas.microsoft.com/office/drawing/2014/main" id="{B21D1F18-983A-4AAB-A00D-07410730F570}"/>
+              </a:ext>
+            </a:extLst>
+          </p:cNvPr>
+          <p:cNvPicPr>
+            <a:picLocks noChangeAspect="1"/>
+          </p:cNvPicPr>
+          <p:nvPr/>
+        </p:nvPicPr>
+        <p:blipFill>
+          <a:blip r:embed="rId3">
+            <a:extLst>
+              <a:ext uri="{28A0092B-C50C-407E-A947-70E740481C1C}">
+                <a14:useLocalDpi xmlns:a14="http://schemas.microsoft.com/office/drawing/2010/main" val="0"/>
+              </a:ext>
+            </a:extLst>
+          </a:blip>
+          <a:srcRect/>
+          <a:stretch>
+            <a:fillRect/>
+          </a:stretch>
+        </p:blipFill>
+        <p:spPr bwMode="auto">
+          <a:xfrm>
+            <a:off x="1752000" y="4338000"/>
+            <a:ext cx="9360000" cy="6300597"/>
+          </a:xfrm>
+          <a:prstGeom prst="rect">
+            <a:avLst/>
+          </a:prstGeom>
+          <a:noFill/>
+          <a:ln>
+            <a:noFill/>
+          </a:ln>
+        </p:spPr>
+      </p:pic>
+      <p:pic>
+        <p:nvPicPr>
+          <p:cNvPr id="10" name="Picture 9">
+            <a:extLst>
+              <a:ext uri="{FF2B5EF4-FFF2-40B4-BE49-F238E27FC236}">
+                <a16:creationId xmlns:a16="http://schemas.microsoft.com/office/drawing/2014/main" id="{F916F64F-BBA9-42A7-BCD2-C5DB8272141F}"/>
+              </a:ext>
+            </a:extLst>
+          </p:cNvPr>
+          <p:cNvPicPr>
+            <a:picLocks noChangeAspect="1"/>
+          </p:cNvPicPr>
+          <p:nvPr/>
+        </p:nvPicPr>
+        <p:blipFill>
+          <a:blip r:embed="rId4">
+            <a:extLst>
+              <a:ext uri="{28A0092B-C50C-407E-A947-70E740481C1C}">
+                <a14:useLocalDpi xmlns:a14="http://schemas.microsoft.com/office/drawing/2010/main" val="0"/>
+              </a:ext>
+            </a:extLst>
+          </a:blip>
+          <a:srcRect/>
+          <a:stretch>
+            <a:fillRect/>
+          </a:stretch>
+        </p:blipFill>
+        <p:spPr bwMode="auto">
+          <a:xfrm>
+            <a:off x="13272000" y="4338000"/>
+            <a:ext cx="9360000" cy="6414372"/>
+          </a:xfrm>
+          <a:prstGeom prst="rect">
+            <a:avLst/>
+          </a:prstGeom>
+          <a:noFill/>
+          <a:ln>
+            <a:noFill/>
+          </a:ln>
+        </p:spPr>
+      </p:pic>
+    </p:spTree>
+    <p:extLst>
+      <p:ext uri="{BB962C8B-B14F-4D97-AF65-F5344CB8AC3E}">
+        <p14:creationId xmlns:p14="http://schemas.microsoft.com/office/powerpoint/2010/main" val="1373440152"/>
+      </p:ext>
+    </p:extLst>
   </p:cSld>
   <p:clrMapOvr>
     <a:masterClrMapping/>
